--- a/Architecture/Screens.pptx
+++ b/Architecture/Screens.pptx
@@ -5,9 +5,13 @@
     <p:sldMasterId id="2147483648" r:id="rId1"/>
   </p:sldMasterIdLst>
   <p:sldIdLst>
-    <p:sldId id="256" r:id="rId2"/>
-    <p:sldId id="257" r:id="rId3"/>
-    <p:sldId id="258" r:id="rId4"/>
+    <p:sldId id="257" r:id="rId2"/>
+    <p:sldId id="259" r:id="rId3"/>
+    <p:sldId id="260" r:id="rId4"/>
+    <p:sldId id="261" r:id="rId5"/>
+    <p:sldId id="262" r:id="rId6"/>
+    <p:sldId id="263" r:id="rId7"/>
+    <p:sldId id="264" r:id="rId8"/>
   </p:sldIdLst>
   <p:sldSz cx="12192000" cy="6858000"/>
   <p:notesSz cx="6858000" cy="9144000"/>
@@ -106,6 +110,11 @@
       </a:defRPr>
     </a:lvl9pPr>
   </p:defaultTextStyle>
+  <p:extLst>
+    <p:ext uri="{EFAFB233-063F-42B5-8137-9DF3F51BA10A}">
+      <p15:sldGuideLst xmlns:p15="http://schemas.microsoft.com/office/powerpoint/2012/main"/>
+    </p:ext>
+  </p:extLst>
 </p:presentation>
 </file>
 
@@ -258,7 +267,7 @@
           <a:p>
             <a:fld id="{BCD79A0F-6343-44B5-B2EF-D5E19EEFFE7C}" type="datetimeFigureOut">
               <a:rPr lang="LID4096" smtClean="0"/>
-              <a:t>10/18/2019</a:t>
+              <a:t>10/21/2019</a:t>
             </a:fld>
             <a:endParaRPr lang="LID4096"/>
           </a:p>
@@ -458,7 +467,7 @@
           <a:p>
             <a:fld id="{BCD79A0F-6343-44B5-B2EF-D5E19EEFFE7C}" type="datetimeFigureOut">
               <a:rPr lang="LID4096" smtClean="0"/>
-              <a:t>10/18/2019</a:t>
+              <a:t>10/21/2019</a:t>
             </a:fld>
             <a:endParaRPr lang="LID4096"/>
           </a:p>
@@ -668,7 +677,7 @@
           <a:p>
             <a:fld id="{BCD79A0F-6343-44B5-B2EF-D5E19EEFFE7C}" type="datetimeFigureOut">
               <a:rPr lang="LID4096" smtClean="0"/>
-              <a:t>10/18/2019</a:t>
+              <a:t>10/21/2019</a:t>
             </a:fld>
             <a:endParaRPr lang="LID4096"/>
           </a:p>
@@ -868,7 +877,7 @@
           <a:p>
             <a:fld id="{BCD79A0F-6343-44B5-B2EF-D5E19EEFFE7C}" type="datetimeFigureOut">
               <a:rPr lang="LID4096" smtClean="0"/>
-              <a:t>10/18/2019</a:t>
+              <a:t>10/21/2019</a:t>
             </a:fld>
             <a:endParaRPr lang="LID4096"/>
           </a:p>
@@ -1144,7 +1153,7 @@
           <a:p>
             <a:fld id="{BCD79A0F-6343-44B5-B2EF-D5E19EEFFE7C}" type="datetimeFigureOut">
               <a:rPr lang="LID4096" smtClean="0"/>
-              <a:t>10/18/2019</a:t>
+              <a:t>10/21/2019</a:t>
             </a:fld>
             <a:endParaRPr lang="LID4096"/>
           </a:p>
@@ -1412,7 +1421,7 @@
           <a:p>
             <a:fld id="{BCD79A0F-6343-44B5-B2EF-D5E19EEFFE7C}" type="datetimeFigureOut">
               <a:rPr lang="LID4096" smtClean="0"/>
-              <a:t>10/18/2019</a:t>
+              <a:t>10/21/2019</a:t>
             </a:fld>
             <a:endParaRPr lang="LID4096"/>
           </a:p>
@@ -1827,7 +1836,7 @@
           <a:p>
             <a:fld id="{BCD79A0F-6343-44B5-B2EF-D5E19EEFFE7C}" type="datetimeFigureOut">
               <a:rPr lang="LID4096" smtClean="0"/>
-              <a:t>10/18/2019</a:t>
+              <a:t>10/21/2019</a:t>
             </a:fld>
             <a:endParaRPr lang="LID4096"/>
           </a:p>
@@ -1969,7 +1978,7 @@
           <a:p>
             <a:fld id="{BCD79A0F-6343-44B5-B2EF-D5E19EEFFE7C}" type="datetimeFigureOut">
               <a:rPr lang="LID4096" smtClean="0"/>
-              <a:t>10/18/2019</a:t>
+              <a:t>10/21/2019</a:t>
             </a:fld>
             <a:endParaRPr lang="LID4096"/>
           </a:p>
@@ -2082,7 +2091,7 @@
           <a:p>
             <a:fld id="{BCD79A0F-6343-44B5-B2EF-D5E19EEFFE7C}" type="datetimeFigureOut">
               <a:rPr lang="LID4096" smtClean="0"/>
-              <a:t>10/18/2019</a:t>
+              <a:t>10/21/2019</a:t>
             </a:fld>
             <a:endParaRPr lang="LID4096"/>
           </a:p>
@@ -2395,7 +2404,7 @@
           <a:p>
             <a:fld id="{BCD79A0F-6343-44B5-B2EF-D5E19EEFFE7C}" type="datetimeFigureOut">
               <a:rPr lang="LID4096" smtClean="0"/>
-              <a:t>10/18/2019</a:t>
+              <a:t>10/21/2019</a:t>
             </a:fld>
             <a:endParaRPr lang="LID4096"/>
           </a:p>
@@ -2684,7 +2693,7 @@
           <a:p>
             <a:fld id="{BCD79A0F-6343-44B5-B2EF-D5E19EEFFE7C}" type="datetimeFigureOut">
               <a:rPr lang="LID4096" smtClean="0"/>
-              <a:t>10/18/2019</a:t>
+              <a:t>10/21/2019</a:t>
             </a:fld>
             <a:endParaRPr lang="LID4096"/>
           </a:p>
@@ -2927,7 +2936,7 @@
           <a:p>
             <a:fld id="{BCD79A0F-6343-44B5-B2EF-D5E19EEFFE7C}" type="datetimeFigureOut">
               <a:rPr lang="LID4096" smtClean="0"/>
-              <a:t>10/18/2019</a:t>
+              <a:t>10/21/2019</a:t>
             </a:fld>
             <a:endParaRPr lang="LID4096"/>
           </a:p>
@@ -3346,193 +3355,6 @@
       </p:grpSpPr>
       <p:sp>
         <p:nvSpPr>
-          <p:cNvPr id="4" name="TextBox 3">
-            <a:extLst>
-              <a:ext uri="{FF2B5EF4-FFF2-40B4-BE49-F238E27FC236}">
-                <a16:creationId xmlns:a16="http://schemas.microsoft.com/office/drawing/2014/main" id="{6D124215-129B-49A9-8E01-A00C983ED085}"/>
-              </a:ext>
-            </a:extLst>
-          </p:cNvPr>
-          <p:cNvSpPr txBox="1"/>
-          <p:nvPr/>
-        </p:nvSpPr>
-        <p:spPr>
-          <a:xfrm>
-            <a:off x="1140903" y="771787"/>
-            <a:ext cx="9949343" cy="3693319"/>
-          </a:xfrm>
-          <a:prstGeom prst="rect">
-            <a:avLst/>
-          </a:prstGeom>
-          <a:noFill/>
-        </p:spPr>
-        <p:txBody>
-          <a:bodyPr wrap="square" rtlCol="0">
-            <a:spAutoFit/>
-          </a:bodyPr>
-          <a:lstStyle/>
-          <a:p>
-            <a:pPr algn="r" rtl="1"/>
-            <a:r>
-              <a:rPr lang="en-US" dirty="0" err="1"/>
-              <a:t>IngestNewText</a:t>
-            </a:r>
-            <a:endParaRPr lang="en-US" dirty="0"/>
-          </a:p>
-          <a:p>
-            <a:pPr algn="r" rtl="1"/>
-            <a:endParaRPr lang="en-US" dirty="0"/>
-          </a:p>
-          <a:p>
-            <a:pPr algn="r" rtl="1"/>
-            <a:r>
-              <a:rPr lang="en-US" dirty="0" err="1"/>
-              <a:t>AddTextMetaData_sp</a:t>
-            </a:r>
-            <a:r>
-              <a:rPr lang="en-US" dirty="0"/>
-              <a:t> - </a:t>
-            </a:r>
-            <a:r>
-              <a:rPr lang="he-IL" dirty="0"/>
-              <a:t>מקבלת מזהה טקסט, </a:t>
-            </a:r>
-            <a:r>
-              <a:rPr lang="en-US" dirty="0"/>
-              <a:t>key </a:t>
-            </a:r>
-            <a:r>
-              <a:rPr lang="he-IL" dirty="0"/>
-              <a:t>ו </a:t>
-            </a:r>
-            <a:r>
-              <a:rPr lang="en-US" dirty="0"/>
-              <a:t>value  </a:t>
-            </a:r>
-            <a:r>
-              <a:rPr lang="he-IL" dirty="0"/>
-              <a:t>ומכניסה לטבלה המתאימה</a:t>
-            </a:r>
-            <a:endParaRPr lang="en-US" dirty="0"/>
-          </a:p>
-          <a:p>
-            <a:pPr algn="r" rtl="1"/>
-            <a:endParaRPr lang="en-US" dirty="0"/>
-          </a:p>
-          <a:p>
-            <a:pPr algn="r" rtl="1"/>
-            <a:r>
-              <a:rPr lang="en-US" dirty="0" err="1"/>
-              <a:t>AddUserDefinedPhrase_sp</a:t>
-            </a:r>
-            <a:r>
-              <a:rPr lang="en-US" dirty="0"/>
-              <a:t> </a:t>
-            </a:r>
-            <a:r>
-              <a:rPr lang="he-IL" dirty="0"/>
-              <a:t>מקבלת ביטוי חדש ואם הוא לא קיים עדיין אז מוצאת את כל המופעים שלו בטקסטים הקיימים ומכניסה את </a:t>
-            </a:r>
-            <a:r>
-              <a:rPr lang="he-IL" dirty="0" err="1"/>
-              <a:t>הרפרנסים</a:t>
-            </a:r>
-            <a:r>
-              <a:rPr lang="he-IL" dirty="0"/>
-              <a:t> לטבלת הביטויים ואת הביטוי עצמו לטבלת הביטויים המוגדרים אישית</a:t>
-            </a:r>
-          </a:p>
-          <a:p>
-            <a:pPr algn="r" rtl="1"/>
-            <a:endParaRPr lang="he-IL" dirty="0"/>
-          </a:p>
-          <a:p>
-            <a:pPr algn="r" rtl="1"/>
-            <a:r>
-              <a:rPr lang="en-US" dirty="0" err="1"/>
-              <a:t>CreateUserDefinedWordsGroup_sp</a:t>
-            </a:r>
-            <a:r>
-              <a:rPr lang="en-US" dirty="0"/>
-              <a:t> </a:t>
-            </a:r>
-            <a:r>
-              <a:rPr lang="he-IL" dirty="0"/>
-              <a:t>מקבלת שם קבוצה ומגדירה אותה, מחזירה מזהה קבוצה</a:t>
-            </a:r>
-          </a:p>
-          <a:p>
-            <a:pPr algn="r" rtl="1"/>
-            <a:endParaRPr lang="en-US" dirty="0"/>
-          </a:p>
-          <a:p>
-            <a:pPr algn="r" rtl="1"/>
-            <a:r>
-              <a:rPr lang="en-US" dirty="0" err="1"/>
-              <a:t>AddPhraseToUserDefinedGroup_sp</a:t>
-            </a:r>
-            <a:r>
-              <a:rPr lang="en-US" dirty="0"/>
-              <a:t>   </a:t>
-            </a:r>
-            <a:r>
-              <a:rPr lang="he-IL" dirty="0"/>
-              <a:t>מקבל ביטוי ומזהה של קבוצה ומוסיף אותו לקבוצה</a:t>
-            </a:r>
-          </a:p>
-          <a:p>
-            <a:pPr algn="r" rtl="1"/>
-            <a:r>
-              <a:rPr lang="en-US" dirty="0" err="1"/>
-              <a:t>AddPhraseListToUserDefinedGroup_sp</a:t>
-            </a:r>
-            <a:r>
-              <a:rPr lang="en-US" dirty="0"/>
-              <a:t>   </a:t>
-            </a:r>
-            <a:r>
-              <a:rPr lang="he-IL" dirty="0"/>
-              <a:t>מקבל מחרוזת של ביטויים ואת התו המפריד בניהם ומזהה של קבוצה ומוסיף אותם לקבוצה</a:t>
-            </a:r>
-          </a:p>
-          <a:p>
-            <a:pPr algn="r" rtl="1"/>
-            <a:endParaRPr lang="LID4096" dirty="0"/>
-          </a:p>
-        </p:txBody>
-      </p:sp>
-    </p:spTree>
-    <p:extLst>
-      <p:ext uri="{BB962C8B-B14F-4D97-AF65-F5344CB8AC3E}">
-        <p14:creationId xmlns:p14="http://schemas.microsoft.com/office/powerpoint/2010/main" val="1661730144"/>
-      </p:ext>
-    </p:extLst>
-  </p:cSld>
-  <p:clrMapOvr>
-    <a:masterClrMapping/>
-  </p:clrMapOvr>
-</p:sld>
-</file>
-
-<file path=ppt/slides/slide2.xml><?xml version="1.0" encoding="utf-8"?>
-<p:sld xmlns:a="http://schemas.openxmlformats.org/drawingml/2006/main" xmlns:r="http://schemas.openxmlformats.org/officeDocument/2006/relationships" xmlns:p="http://schemas.openxmlformats.org/presentationml/2006/main">
-  <p:cSld>
-    <p:spTree>
-      <p:nvGrpSpPr>
-        <p:cNvPr id="1" name=""/>
-        <p:cNvGrpSpPr/>
-        <p:nvPr/>
-      </p:nvGrpSpPr>
-      <p:grpSpPr>
-        <a:xfrm>
-          <a:off x="0" y="0"/>
-          <a:ext cx="0" cy="0"/>
-          <a:chOff x="0" y="0"/>
-          <a:chExt cx="0" cy="0"/>
-        </a:xfrm>
-      </p:grpSpPr>
-      <p:sp>
-        <p:nvSpPr>
           <p:cNvPr id="4" name="Rectangle 3">
             <a:extLst>
               <a:ext uri="{FF2B5EF4-FFF2-40B4-BE49-F238E27FC236}">
@@ -3591,8 +3413,8 @@
         </p:nvSpPr>
         <p:spPr>
           <a:xfrm>
-            <a:off x="10008066" y="100668"/>
-            <a:ext cx="2055303" cy="755009"/>
+            <a:off x="10043018" y="1355603"/>
+            <a:ext cx="2055303" cy="403614"/>
           </a:xfrm>
           <a:prstGeom prst="roundRect">
             <a:avLst/>
@@ -3641,8 +3463,8 @@
         </p:nvSpPr>
         <p:spPr>
           <a:xfrm>
-            <a:off x="10008066" y="956345"/>
-            <a:ext cx="2055303" cy="755009"/>
+            <a:off x="10006795" y="1823557"/>
+            <a:ext cx="2055303" cy="453947"/>
           </a:xfrm>
           <a:prstGeom prst="roundRect">
             <a:avLst/>
@@ -3691,8 +3513,8 @@
         </p:nvSpPr>
         <p:spPr>
           <a:xfrm>
-            <a:off x="10068187" y="1830199"/>
-            <a:ext cx="2055303" cy="755009"/>
+            <a:off x="10043019" y="2352494"/>
+            <a:ext cx="2055303" cy="476844"/>
           </a:xfrm>
           <a:prstGeom prst="roundRect">
             <a:avLst/>
@@ -3741,8 +3563,8 @@
         </p:nvSpPr>
         <p:spPr>
           <a:xfrm>
-            <a:off x="10059798" y="2652321"/>
-            <a:ext cx="2055303" cy="755009"/>
+            <a:off x="10059798" y="2915106"/>
+            <a:ext cx="2055303" cy="492224"/>
           </a:xfrm>
           <a:prstGeom prst="roundRect">
             <a:avLst/>
@@ -3992,13 +3814,13 @@
           <p:nvPr>
             <p:extLst>
               <p:ext uri="{D42A27DB-BD31-4B8C-83A1-F6EECF244321}">
-                <p14:modId xmlns:p14="http://schemas.microsoft.com/office/powerpoint/2010/main" val="2531294768"/>
+                <p14:modId xmlns:p14="http://schemas.microsoft.com/office/powerpoint/2010/main" val="2235799919"/>
               </p:ext>
             </p:extLst>
           </p:nvPr>
         </p:nvGraphicFramePr>
         <p:xfrm>
-          <a:off x="1151156" y="945951"/>
+          <a:off x="731768" y="2977373"/>
           <a:ext cx="8128000" cy="2966720"/>
         </p:xfrm>
         <a:graphic>
@@ -4090,7 +3912,7 @@
                     <a:bodyPr/>
                     <a:lstStyle/>
                     <a:p>
-                      <a:endParaRPr lang="LID4096"/>
+                      <a:endParaRPr lang="LID4096" dirty="0"/>
                     </a:p>
                   </a:txBody>
                   <a:tcPr/>
@@ -4294,9 +4116,427 @@
             <a:pPr algn="ctr"/>
             <a:r>
               <a:rPr lang="he-IL" dirty="0"/>
-              <a:t>מסך הבית – מערכת שירותי קונקורדנציה ואחזור טקסט</a:t>
+              <a:t>שליפת מסמכים</a:t>
             </a:r>
             <a:endParaRPr lang="LID4096" dirty="0"/>
+          </a:p>
+        </p:txBody>
+      </p:sp>
+      <p:sp>
+        <p:nvSpPr>
+          <p:cNvPr id="14" name="Rectangle 13">
+            <a:extLst>
+              <a:ext uri="{FF2B5EF4-FFF2-40B4-BE49-F238E27FC236}">
+                <a16:creationId xmlns:a16="http://schemas.microsoft.com/office/drawing/2014/main" id="{293ECFA8-9EA2-4233-99B8-A00B2404370D}"/>
+              </a:ext>
+            </a:extLst>
+          </p:cNvPr>
+          <p:cNvSpPr/>
+          <p:nvPr/>
+        </p:nvSpPr>
+        <p:spPr>
+          <a:xfrm>
+            <a:off x="2452884" y="1224792"/>
+            <a:ext cx="2170392" cy="486562"/>
+          </a:xfrm>
+          <a:prstGeom prst="rect">
+            <a:avLst/>
+          </a:prstGeom>
+        </p:spPr>
+        <p:style>
+          <a:lnRef idx="2">
+            <a:schemeClr val="accent1">
+              <a:shade val="50000"/>
+            </a:schemeClr>
+          </a:lnRef>
+          <a:fillRef idx="1">
+            <a:schemeClr val="accent1"/>
+          </a:fillRef>
+          <a:effectRef idx="0">
+            <a:schemeClr val="accent1"/>
+          </a:effectRef>
+          <a:fontRef idx="minor">
+            <a:schemeClr val="lt1"/>
+          </a:fontRef>
+        </p:style>
+        <p:txBody>
+          <a:bodyPr rtlCol="0" anchor="ctr"/>
+          <a:lstStyle/>
+          <a:p>
+            <a:pPr algn="ctr"/>
+            <a:endParaRPr lang="LID4096"/>
+          </a:p>
+        </p:txBody>
+      </p:sp>
+      <p:sp>
+        <p:nvSpPr>
+          <p:cNvPr id="16" name="Rectangle 15">
+            <a:extLst>
+              <a:ext uri="{FF2B5EF4-FFF2-40B4-BE49-F238E27FC236}">
+                <a16:creationId xmlns:a16="http://schemas.microsoft.com/office/drawing/2014/main" id="{1EC08EE8-103D-41B2-8768-EEC4A39A09BB}"/>
+              </a:ext>
+            </a:extLst>
+          </p:cNvPr>
+          <p:cNvSpPr/>
+          <p:nvPr/>
+        </p:nvSpPr>
+        <p:spPr>
+          <a:xfrm>
+            <a:off x="2452883" y="2006367"/>
+            <a:ext cx="4513277" cy="486562"/>
+          </a:xfrm>
+          <a:prstGeom prst="rect">
+            <a:avLst/>
+          </a:prstGeom>
+        </p:spPr>
+        <p:style>
+          <a:lnRef idx="2">
+            <a:schemeClr val="accent1">
+              <a:shade val="50000"/>
+            </a:schemeClr>
+          </a:lnRef>
+          <a:fillRef idx="1">
+            <a:schemeClr val="accent1"/>
+          </a:fillRef>
+          <a:effectRef idx="0">
+            <a:schemeClr val="accent1"/>
+          </a:effectRef>
+          <a:fontRef idx="minor">
+            <a:schemeClr val="lt1"/>
+          </a:fontRef>
+        </p:style>
+        <p:txBody>
+          <a:bodyPr rtlCol="0" anchor="ctr"/>
+          <a:lstStyle/>
+          <a:p>
+            <a:pPr algn="ctr"/>
+            <a:endParaRPr lang="LID4096"/>
+          </a:p>
+        </p:txBody>
+      </p:sp>
+      <p:sp>
+        <p:nvSpPr>
+          <p:cNvPr id="17" name="TextBox 16">
+            <a:extLst>
+              <a:ext uri="{FF2B5EF4-FFF2-40B4-BE49-F238E27FC236}">
+                <a16:creationId xmlns:a16="http://schemas.microsoft.com/office/drawing/2014/main" id="{77C81EC9-3DE6-402D-B195-567BB442DB48}"/>
+              </a:ext>
+            </a:extLst>
+          </p:cNvPr>
+          <p:cNvSpPr txBox="1"/>
+          <p:nvPr/>
+        </p:nvSpPr>
+        <p:spPr>
+          <a:xfrm>
+            <a:off x="7281832" y="1319721"/>
+            <a:ext cx="2170392" cy="369332"/>
+          </a:xfrm>
+          <a:prstGeom prst="rect">
+            <a:avLst/>
+          </a:prstGeom>
+          <a:noFill/>
+        </p:spPr>
+        <p:txBody>
+          <a:bodyPr wrap="square" rtlCol="0">
+            <a:spAutoFit/>
+          </a:bodyPr>
+          <a:lstStyle/>
+          <a:p>
+            <a:r>
+              <a:rPr lang="he-IL" dirty="0"/>
+              <a:t>חפש לפי נתון מובנה:</a:t>
+            </a:r>
+            <a:endParaRPr lang="LID4096" dirty="0"/>
+          </a:p>
+        </p:txBody>
+      </p:sp>
+      <p:sp>
+        <p:nvSpPr>
+          <p:cNvPr id="18" name="TextBox 17">
+            <a:extLst>
+              <a:ext uri="{FF2B5EF4-FFF2-40B4-BE49-F238E27FC236}">
+                <a16:creationId xmlns:a16="http://schemas.microsoft.com/office/drawing/2014/main" id="{C44056A7-124A-4C7D-B342-CDACAEBCD5A6}"/>
+              </a:ext>
+            </a:extLst>
+          </p:cNvPr>
+          <p:cNvSpPr txBox="1"/>
+          <p:nvPr/>
+        </p:nvSpPr>
+        <p:spPr>
+          <a:xfrm>
+            <a:off x="7205245" y="2064982"/>
+            <a:ext cx="2505011" cy="369332"/>
+          </a:xfrm>
+          <a:prstGeom prst="rect">
+            <a:avLst/>
+          </a:prstGeom>
+          <a:noFill/>
+        </p:spPr>
+        <p:txBody>
+          <a:bodyPr wrap="square" rtlCol="0">
+            <a:spAutoFit/>
+          </a:bodyPr>
+          <a:lstStyle/>
+          <a:p>
+            <a:r>
+              <a:rPr lang="he-IL" dirty="0"/>
+              <a:t>חפש לפי מילה שבטקסט:</a:t>
+            </a:r>
+            <a:endParaRPr lang="LID4096" dirty="0"/>
+          </a:p>
+        </p:txBody>
+      </p:sp>
+      <p:sp>
+        <p:nvSpPr>
+          <p:cNvPr id="19" name="Rectangle 18">
+            <a:extLst>
+              <a:ext uri="{FF2B5EF4-FFF2-40B4-BE49-F238E27FC236}">
+                <a16:creationId xmlns:a16="http://schemas.microsoft.com/office/drawing/2014/main" id="{5620729E-9974-4E6B-B6D9-30C90ABDF87D}"/>
+              </a:ext>
+            </a:extLst>
+          </p:cNvPr>
+          <p:cNvSpPr/>
+          <p:nvPr/>
+        </p:nvSpPr>
+        <p:spPr>
+          <a:xfrm>
+            <a:off x="649249" y="1224792"/>
+            <a:ext cx="1182849" cy="486562"/>
+          </a:xfrm>
+          <a:prstGeom prst="rect">
+            <a:avLst/>
+          </a:prstGeom>
+        </p:spPr>
+        <p:style>
+          <a:lnRef idx="2">
+            <a:schemeClr val="accent1">
+              <a:shade val="50000"/>
+            </a:schemeClr>
+          </a:lnRef>
+          <a:fillRef idx="1">
+            <a:schemeClr val="accent1"/>
+          </a:fillRef>
+          <a:effectRef idx="0">
+            <a:schemeClr val="accent1"/>
+          </a:effectRef>
+          <a:fontRef idx="minor">
+            <a:schemeClr val="lt1"/>
+          </a:fontRef>
+        </p:style>
+        <p:txBody>
+          <a:bodyPr rtlCol="0" anchor="ctr"/>
+          <a:lstStyle/>
+          <a:p>
+            <a:pPr algn="ctr"/>
+            <a:r>
+              <a:rPr lang="he-IL" dirty="0"/>
+              <a:t>חפש</a:t>
+            </a:r>
+            <a:endParaRPr lang="LID4096" dirty="0"/>
+          </a:p>
+        </p:txBody>
+      </p:sp>
+      <p:sp>
+        <p:nvSpPr>
+          <p:cNvPr id="20" name="Rectangle 19">
+            <a:extLst>
+              <a:ext uri="{FF2B5EF4-FFF2-40B4-BE49-F238E27FC236}">
+                <a16:creationId xmlns:a16="http://schemas.microsoft.com/office/drawing/2014/main" id="{39C4EC0E-A9C6-49DB-9A60-03EB792CB6B5}"/>
+              </a:ext>
+            </a:extLst>
+          </p:cNvPr>
+          <p:cNvSpPr/>
+          <p:nvPr/>
+        </p:nvSpPr>
+        <p:spPr>
+          <a:xfrm>
+            <a:off x="649249" y="1964422"/>
+            <a:ext cx="1182849" cy="486562"/>
+          </a:xfrm>
+          <a:prstGeom prst="rect">
+            <a:avLst/>
+          </a:prstGeom>
+        </p:spPr>
+        <p:style>
+          <a:lnRef idx="2">
+            <a:schemeClr val="accent1">
+              <a:shade val="50000"/>
+            </a:schemeClr>
+          </a:lnRef>
+          <a:fillRef idx="1">
+            <a:schemeClr val="accent1"/>
+          </a:fillRef>
+          <a:effectRef idx="0">
+            <a:schemeClr val="accent1"/>
+          </a:effectRef>
+          <a:fontRef idx="minor">
+            <a:schemeClr val="lt1"/>
+          </a:fontRef>
+        </p:style>
+        <p:txBody>
+          <a:bodyPr rtlCol="0" anchor="ctr"/>
+          <a:lstStyle/>
+          <a:p>
+            <a:pPr algn="ctr"/>
+            <a:r>
+              <a:rPr lang="he-IL" dirty="0"/>
+              <a:t>חפש</a:t>
+            </a:r>
+            <a:endParaRPr lang="LID4096" dirty="0"/>
+          </a:p>
+        </p:txBody>
+      </p:sp>
+      <p:sp>
+        <p:nvSpPr>
+          <p:cNvPr id="21" name="Rectangle 20">
+            <a:extLst>
+              <a:ext uri="{FF2B5EF4-FFF2-40B4-BE49-F238E27FC236}">
+                <a16:creationId xmlns:a16="http://schemas.microsoft.com/office/drawing/2014/main" id="{83D545E4-445B-483E-8C1D-934FED2B5E34}"/>
+              </a:ext>
+            </a:extLst>
+          </p:cNvPr>
+          <p:cNvSpPr/>
+          <p:nvPr/>
+        </p:nvSpPr>
+        <p:spPr>
+          <a:xfrm>
+            <a:off x="4795768" y="1232450"/>
+            <a:ext cx="2170392" cy="486562"/>
+          </a:xfrm>
+          <a:prstGeom prst="rect">
+            <a:avLst/>
+          </a:prstGeom>
+        </p:spPr>
+        <p:style>
+          <a:lnRef idx="2">
+            <a:schemeClr val="accent1">
+              <a:shade val="50000"/>
+            </a:schemeClr>
+          </a:lnRef>
+          <a:fillRef idx="1">
+            <a:schemeClr val="accent1"/>
+          </a:fillRef>
+          <a:effectRef idx="0">
+            <a:schemeClr val="accent1"/>
+          </a:effectRef>
+          <a:fontRef idx="minor">
+            <a:schemeClr val="lt1"/>
+          </a:fontRef>
+        </p:style>
+        <p:txBody>
+          <a:bodyPr rtlCol="0" anchor="ctr"/>
+          <a:lstStyle/>
+          <a:p>
+            <a:pPr algn="ctr"/>
+            <a:endParaRPr lang="LID4096"/>
+          </a:p>
+        </p:txBody>
+      </p:sp>
+      <p:sp>
+        <p:nvSpPr>
+          <p:cNvPr id="22" name="Rectangle: Rounded Corners 21">
+            <a:extLst>
+              <a:ext uri="{FF2B5EF4-FFF2-40B4-BE49-F238E27FC236}">
+                <a16:creationId xmlns:a16="http://schemas.microsoft.com/office/drawing/2014/main" id="{268853CB-0393-4864-8E9B-F58F27C329F4}"/>
+              </a:ext>
+            </a:extLst>
+          </p:cNvPr>
+          <p:cNvSpPr/>
+          <p:nvPr/>
+        </p:nvSpPr>
+        <p:spPr>
+          <a:xfrm>
+            <a:off x="10062594" y="909105"/>
+            <a:ext cx="2055303" cy="403614"/>
+          </a:xfrm>
+          <a:prstGeom prst="roundRect">
+            <a:avLst/>
+          </a:prstGeom>
+        </p:spPr>
+        <p:style>
+          <a:lnRef idx="2">
+            <a:schemeClr val="accent1">
+              <a:shade val="50000"/>
+            </a:schemeClr>
+          </a:lnRef>
+          <a:fillRef idx="1">
+            <a:schemeClr val="accent1"/>
+          </a:fillRef>
+          <a:effectRef idx="0">
+            <a:schemeClr val="accent1"/>
+          </a:effectRef>
+          <a:fontRef idx="minor">
+            <a:schemeClr val="lt1"/>
+          </a:fontRef>
+        </p:style>
+        <p:txBody>
+          <a:bodyPr rtlCol="0" anchor="ctr"/>
+          <a:lstStyle/>
+          <a:p>
+            <a:pPr algn="ctr"/>
+            <a:r>
+              <a:rPr lang="he-IL" dirty="0"/>
+              <a:t>שליפת מסמכים</a:t>
+            </a:r>
+            <a:endParaRPr lang="LID4096" dirty="0"/>
+          </a:p>
+        </p:txBody>
+      </p:sp>
+      <p:sp>
+        <p:nvSpPr>
+          <p:cNvPr id="23" name="Rectangle: Rounded Corners 22">
+            <a:extLst>
+              <a:ext uri="{FF2B5EF4-FFF2-40B4-BE49-F238E27FC236}">
+                <a16:creationId xmlns:a16="http://schemas.microsoft.com/office/drawing/2014/main" id="{9C69875C-CC73-42D3-B878-F65C417FD4BD}"/>
+              </a:ext>
+            </a:extLst>
+          </p:cNvPr>
+          <p:cNvSpPr/>
+          <p:nvPr/>
+        </p:nvSpPr>
+        <p:spPr>
+          <a:xfrm>
+            <a:off x="10043018" y="79334"/>
+            <a:ext cx="1983723" cy="756382"/>
+          </a:xfrm>
+          <a:prstGeom prst="roundRect">
+            <a:avLst/>
+          </a:prstGeom>
+        </p:spPr>
+        <p:style>
+          <a:lnRef idx="2">
+            <a:schemeClr val="accent1">
+              <a:shade val="50000"/>
+            </a:schemeClr>
+          </a:lnRef>
+          <a:fillRef idx="1">
+            <a:schemeClr val="accent1"/>
+          </a:fillRef>
+          <a:effectRef idx="0">
+            <a:schemeClr val="accent1"/>
+          </a:effectRef>
+          <a:fontRef idx="minor">
+            <a:schemeClr val="lt1"/>
+          </a:fontRef>
+        </p:style>
+        <p:txBody>
+          <a:bodyPr rtlCol="0" anchor="ctr"/>
+          <a:lstStyle/>
+          <a:p>
+            <a:pPr algn="ctr"/>
+            <a:r>
+              <a:rPr lang="he-IL" dirty="0">
+                <a:solidFill>
+                  <a:schemeClr val="tx1"/>
+                </a:solidFill>
+              </a:rPr>
+              <a:t>מערכת שירותי קונקורדנציה ואחזור טקסט</a:t>
+            </a:r>
+            <a:endParaRPr lang="LID4096" dirty="0">
+              <a:solidFill>
+                <a:schemeClr val="tx1"/>
+              </a:solidFill>
+            </a:endParaRPr>
           </a:p>
         </p:txBody>
       </p:sp>
@@ -4304,6 +4544,854 @@
     <p:extLst>
       <p:ext uri="{BB962C8B-B14F-4D97-AF65-F5344CB8AC3E}">
         <p14:creationId xmlns:p14="http://schemas.microsoft.com/office/powerpoint/2010/main" val="272090812"/>
+      </p:ext>
+    </p:extLst>
+  </p:cSld>
+  <p:clrMapOvr>
+    <a:masterClrMapping/>
+  </p:clrMapOvr>
+</p:sld>
+</file>
+
+<file path=ppt/slides/slide2.xml><?xml version="1.0" encoding="utf-8"?>
+<p:sld xmlns:a="http://schemas.openxmlformats.org/drawingml/2006/main" xmlns:r="http://schemas.openxmlformats.org/officeDocument/2006/relationships" xmlns:p="http://schemas.openxmlformats.org/presentationml/2006/main">
+  <p:cSld>
+    <p:spTree>
+      <p:nvGrpSpPr>
+        <p:cNvPr id="1" name=""/>
+        <p:cNvGrpSpPr/>
+        <p:nvPr/>
+      </p:nvGrpSpPr>
+      <p:grpSpPr>
+        <a:xfrm>
+          <a:off x="0" y="0"/>
+          <a:ext cx="0" cy="0"/>
+          <a:chOff x="0" y="0"/>
+          <a:chExt cx="0" cy="0"/>
+        </a:xfrm>
+      </p:grpSpPr>
+      <p:sp>
+        <p:nvSpPr>
+          <p:cNvPr id="4" name="Rectangle 3">
+            <a:extLst>
+              <a:ext uri="{FF2B5EF4-FFF2-40B4-BE49-F238E27FC236}">
+                <a16:creationId xmlns:a16="http://schemas.microsoft.com/office/drawing/2014/main" id="{9D08D7E8-1348-4094-941D-E1F7A75843A4}"/>
+              </a:ext>
+            </a:extLst>
+          </p:cNvPr>
+          <p:cNvSpPr/>
+          <p:nvPr/>
+        </p:nvSpPr>
+        <p:spPr>
+          <a:xfrm>
+            <a:off x="9949343" y="0"/>
+            <a:ext cx="2242657" cy="6858000"/>
+          </a:xfrm>
+          <a:prstGeom prst="rect">
+            <a:avLst/>
+          </a:prstGeom>
+        </p:spPr>
+        <p:style>
+          <a:lnRef idx="2">
+            <a:schemeClr val="accent1">
+              <a:shade val="50000"/>
+            </a:schemeClr>
+          </a:lnRef>
+          <a:fillRef idx="1">
+            <a:schemeClr val="accent1"/>
+          </a:fillRef>
+          <a:effectRef idx="0">
+            <a:schemeClr val="accent1"/>
+          </a:effectRef>
+          <a:fontRef idx="minor">
+            <a:schemeClr val="lt1"/>
+          </a:fontRef>
+        </p:style>
+        <p:txBody>
+          <a:bodyPr rtlCol="0" anchor="ctr"/>
+          <a:lstStyle/>
+          <a:p>
+            <a:pPr algn="ctr"/>
+            <a:endParaRPr lang="LID4096"/>
+          </a:p>
+        </p:txBody>
+      </p:sp>
+      <p:sp>
+        <p:nvSpPr>
+          <p:cNvPr id="5" name="Rectangle: Rounded Corners 4">
+            <a:extLst>
+              <a:ext uri="{FF2B5EF4-FFF2-40B4-BE49-F238E27FC236}">
+                <a16:creationId xmlns:a16="http://schemas.microsoft.com/office/drawing/2014/main" id="{678551CD-302F-48DE-9FF4-1EE06ACBFC3E}"/>
+              </a:ext>
+            </a:extLst>
+          </p:cNvPr>
+          <p:cNvSpPr/>
+          <p:nvPr/>
+        </p:nvSpPr>
+        <p:spPr>
+          <a:xfrm>
+            <a:off x="10043018" y="1355603"/>
+            <a:ext cx="2055303" cy="403614"/>
+          </a:xfrm>
+          <a:prstGeom prst="roundRect">
+            <a:avLst/>
+          </a:prstGeom>
+        </p:spPr>
+        <p:style>
+          <a:lnRef idx="2">
+            <a:schemeClr val="accent1">
+              <a:shade val="50000"/>
+            </a:schemeClr>
+          </a:lnRef>
+          <a:fillRef idx="1">
+            <a:schemeClr val="accent1"/>
+          </a:fillRef>
+          <a:effectRef idx="0">
+            <a:schemeClr val="accent1"/>
+          </a:effectRef>
+          <a:fontRef idx="minor">
+            <a:schemeClr val="lt1"/>
+          </a:fontRef>
+        </p:style>
+        <p:txBody>
+          <a:bodyPr rtlCol="0" anchor="ctr"/>
+          <a:lstStyle/>
+          <a:p>
+            <a:pPr algn="ctr"/>
+            <a:r>
+              <a:rPr lang="he-IL" dirty="0"/>
+              <a:t>טעינת מסמכים</a:t>
+            </a:r>
+            <a:endParaRPr lang="LID4096" dirty="0"/>
+          </a:p>
+        </p:txBody>
+      </p:sp>
+      <p:sp>
+        <p:nvSpPr>
+          <p:cNvPr id="6" name="Rectangle: Rounded Corners 5">
+            <a:extLst>
+              <a:ext uri="{FF2B5EF4-FFF2-40B4-BE49-F238E27FC236}">
+                <a16:creationId xmlns:a16="http://schemas.microsoft.com/office/drawing/2014/main" id="{A3757693-1624-4A3C-A1EC-B738DCFB92C7}"/>
+              </a:ext>
+            </a:extLst>
+          </p:cNvPr>
+          <p:cNvSpPr/>
+          <p:nvPr/>
+        </p:nvSpPr>
+        <p:spPr>
+          <a:xfrm>
+            <a:off x="10006795" y="1823557"/>
+            <a:ext cx="2055303" cy="453947"/>
+          </a:xfrm>
+          <a:prstGeom prst="roundRect">
+            <a:avLst/>
+          </a:prstGeom>
+        </p:spPr>
+        <p:style>
+          <a:lnRef idx="2">
+            <a:schemeClr val="accent1">
+              <a:shade val="50000"/>
+            </a:schemeClr>
+          </a:lnRef>
+          <a:fillRef idx="1">
+            <a:schemeClr val="accent1"/>
+          </a:fillRef>
+          <a:effectRef idx="0">
+            <a:schemeClr val="accent1"/>
+          </a:effectRef>
+          <a:fontRef idx="minor">
+            <a:schemeClr val="lt1"/>
+          </a:fontRef>
+        </p:style>
+        <p:txBody>
+          <a:bodyPr rtlCol="0" anchor="ctr"/>
+          <a:lstStyle/>
+          <a:p>
+            <a:pPr algn="ctr"/>
+            <a:r>
+              <a:rPr lang="he-IL" dirty="0"/>
+              <a:t>הכנסת נתונים מובנים</a:t>
+            </a:r>
+            <a:endParaRPr lang="LID4096" dirty="0"/>
+          </a:p>
+        </p:txBody>
+      </p:sp>
+      <p:sp>
+        <p:nvSpPr>
+          <p:cNvPr id="7" name="Rectangle: Rounded Corners 6">
+            <a:extLst>
+              <a:ext uri="{FF2B5EF4-FFF2-40B4-BE49-F238E27FC236}">
+                <a16:creationId xmlns:a16="http://schemas.microsoft.com/office/drawing/2014/main" id="{9F260B32-97DC-4743-9EE9-D606024F3DA1}"/>
+              </a:ext>
+            </a:extLst>
+          </p:cNvPr>
+          <p:cNvSpPr/>
+          <p:nvPr/>
+        </p:nvSpPr>
+        <p:spPr>
+          <a:xfrm>
+            <a:off x="10043019" y="2352494"/>
+            <a:ext cx="2055303" cy="476844"/>
+          </a:xfrm>
+          <a:prstGeom prst="roundRect">
+            <a:avLst/>
+          </a:prstGeom>
+        </p:spPr>
+        <p:style>
+          <a:lnRef idx="2">
+            <a:schemeClr val="accent1">
+              <a:shade val="50000"/>
+            </a:schemeClr>
+          </a:lnRef>
+          <a:fillRef idx="1">
+            <a:schemeClr val="accent1"/>
+          </a:fillRef>
+          <a:effectRef idx="0">
+            <a:schemeClr val="accent1"/>
+          </a:effectRef>
+          <a:fontRef idx="minor">
+            <a:schemeClr val="lt1"/>
+          </a:fontRef>
+        </p:style>
+        <p:txBody>
+          <a:bodyPr rtlCol="0" anchor="ctr"/>
+          <a:lstStyle/>
+          <a:p>
+            <a:pPr algn="ctr"/>
+            <a:r>
+              <a:rPr lang="he-IL" dirty="0"/>
+              <a:t>הצגת כל המילים בטקסט</a:t>
+            </a:r>
+            <a:endParaRPr lang="LID4096" dirty="0"/>
+          </a:p>
+        </p:txBody>
+      </p:sp>
+      <p:sp>
+        <p:nvSpPr>
+          <p:cNvPr id="8" name="Rectangle: Rounded Corners 7">
+            <a:extLst>
+              <a:ext uri="{FF2B5EF4-FFF2-40B4-BE49-F238E27FC236}">
+                <a16:creationId xmlns:a16="http://schemas.microsoft.com/office/drawing/2014/main" id="{BFDA8C7F-CCC1-4AE7-A805-DB8AE2A1676F}"/>
+              </a:ext>
+            </a:extLst>
+          </p:cNvPr>
+          <p:cNvSpPr/>
+          <p:nvPr/>
+        </p:nvSpPr>
+        <p:spPr>
+          <a:xfrm>
+            <a:off x="10059798" y="2915106"/>
+            <a:ext cx="2055303" cy="492224"/>
+          </a:xfrm>
+          <a:prstGeom prst="roundRect">
+            <a:avLst/>
+          </a:prstGeom>
+        </p:spPr>
+        <p:style>
+          <a:lnRef idx="2">
+            <a:schemeClr val="accent1">
+              <a:shade val="50000"/>
+            </a:schemeClr>
+          </a:lnRef>
+          <a:fillRef idx="1">
+            <a:schemeClr val="accent1"/>
+          </a:fillRef>
+          <a:effectRef idx="0">
+            <a:schemeClr val="accent1"/>
+          </a:effectRef>
+          <a:fontRef idx="minor">
+            <a:schemeClr val="lt1"/>
+          </a:fontRef>
+        </p:style>
+        <p:txBody>
+          <a:bodyPr rtlCol="0" anchor="ctr"/>
+          <a:lstStyle/>
+          <a:p>
+            <a:pPr algn="ctr"/>
+            <a:r>
+              <a:rPr lang="he-IL" dirty="0"/>
+              <a:t>הצגת כל המילים כאינדקס</a:t>
+            </a:r>
+            <a:endParaRPr lang="LID4096" dirty="0"/>
+          </a:p>
+        </p:txBody>
+      </p:sp>
+      <p:sp>
+        <p:nvSpPr>
+          <p:cNvPr id="9" name="Rectangle: Rounded Corners 8">
+            <a:extLst>
+              <a:ext uri="{FF2B5EF4-FFF2-40B4-BE49-F238E27FC236}">
+                <a16:creationId xmlns:a16="http://schemas.microsoft.com/office/drawing/2014/main" id="{93BED076-AB0F-4143-8234-C2D92456C04E}"/>
+              </a:ext>
+            </a:extLst>
+          </p:cNvPr>
+          <p:cNvSpPr/>
+          <p:nvPr/>
+        </p:nvSpPr>
+        <p:spPr>
+          <a:xfrm>
+            <a:off x="10069585" y="3475841"/>
+            <a:ext cx="2055303" cy="755009"/>
+          </a:xfrm>
+          <a:prstGeom prst="roundRect">
+            <a:avLst/>
+          </a:prstGeom>
+        </p:spPr>
+        <p:style>
+          <a:lnRef idx="2">
+            <a:schemeClr val="accent1">
+              <a:shade val="50000"/>
+            </a:schemeClr>
+          </a:lnRef>
+          <a:fillRef idx="1">
+            <a:schemeClr val="accent1"/>
+          </a:fillRef>
+          <a:effectRef idx="0">
+            <a:schemeClr val="accent1"/>
+          </a:effectRef>
+          <a:fontRef idx="minor">
+            <a:schemeClr val="lt1"/>
+          </a:fontRef>
+        </p:style>
+        <p:txBody>
+          <a:bodyPr rtlCol="0" anchor="ctr"/>
+          <a:lstStyle/>
+          <a:p>
+            <a:pPr algn="ctr"/>
+            <a:r>
+              <a:rPr lang="he-IL" dirty="0"/>
+              <a:t>איתור מילה לפי המיקום שלה</a:t>
+            </a:r>
+            <a:endParaRPr lang="LID4096" dirty="0"/>
+          </a:p>
+        </p:txBody>
+      </p:sp>
+      <p:sp>
+        <p:nvSpPr>
+          <p:cNvPr id="10" name="Rectangle: Rounded Corners 9">
+            <a:extLst>
+              <a:ext uri="{FF2B5EF4-FFF2-40B4-BE49-F238E27FC236}">
+                <a16:creationId xmlns:a16="http://schemas.microsoft.com/office/drawing/2014/main" id="{94BA2B08-BAA0-4941-8AC1-7296F2FD1B81}"/>
+              </a:ext>
+            </a:extLst>
+          </p:cNvPr>
+          <p:cNvSpPr/>
+          <p:nvPr/>
+        </p:nvSpPr>
+        <p:spPr>
+          <a:xfrm>
+            <a:off x="10062594" y="4282583"/>
+            <a:ext cx="2055303" cy="755009"/>
+          </a:xfrm>
+          <a:prstGeom prst="roundRect">
+            <a:avLst/>
+          </a:prstGeom>
+        </p:spPr>
+        <p:style>
+          <a:lnRef idx="2">
+            <a:schemeClr val="accent1">
+              <a:shade val="50000"/>
+            </a:schemeClr>
+          </a:lnRef>
+          <a:fillRef idx="1">
+            <a:schemeClr val="accent1"/>
+          </a:fillRef>
+          <a:effectRef idx="0">
+            <a:schemeClr val="accent1"/>
+          </a:effectRef>
+          <a:fontRef idx="minor">
+            <a:schemeClr val="lt1"/>
+          </a:fontRef>
+        </p:style>
+        <p:txBody>
+          <a:bodyPr rtlCol="0" anchor="ctr"/>
+          <a:lstStyle/>
+          <a:p>
+            <a:pPr algn="ctr"/>
+            <a:r>
+              <a:rPr lang="he-IL" sz="1400" dirty="0"/>
+              <a:t>הגדרת קבוצות של מילים בעלות משמעות מיוחדת וצפייה כאינדקס</a:t>
+            </a:r>
+            <a:endParaRPr lang="LID4096" sz="1400" dirty="0"/>
+          </a:p>
+        </p:txBody>
+      </p:sp>
+      <p:sp>
+        <p:nvSpPr>
+          <p:cNvPr id="11" name="Rectangle: Rounded Corners 10">
+            <a:extLst>
+              <a:ext uri="{FF2B5EF4-FFF2-40B4-BE49-F238E27FC236}">
+                <a16:creationId xmlns:a16="http://schemas.microsoft.com/office/drawing/2014/main" id="{ED742705-0483-4FB3-9D63-924D2E800B84}"/>
+              </a:ext>
+            </a:extLst>
+          </p:cNvPr>
+          <p:cNvSpPr/>
+          <p:nvPr/>
+        </p:nvSpPr>
+        <p:spPr>
+          <a:xfrm>
+            <a:off x="10054205" y="5079538"/>
+            <a:ext cx="2055303" cy="755009"/>
+          </a:xfrm>
+          <a:prstGeom prst="roundRect">
+            <a:avLst/>
+          </a:prstGeom>
+        </p:spPr>
+        <p:style>
+          <a:lnRef idx="2">
+            <a:schemeClr val="accent1">
+              <a:shade val="50000"/>
+            </a:schemeClr>
+          </a:lnRef>
+          <a:fillRef idx="1">
+            <a:schemeClr val="accent1"/>
+          </a:fillRef>
+          <a:effectRef idx="0">
+            <a:schemeClr val="accent1"/>
+          </a:effectRef>
+          <a:fontRef idx="minor">
+            <a:schemeClr val="lt1"/>
+          </a:fontRef>
+        </p:style>
+        <p:txBody>
+          <a:bodyPr rtlCol="0" anchor="ctr"/>
+          <a:lstStyle/>
+          <a:p>
+            <a:pPr algn="ctr"/>
+            <a:r>
+              <a:rPr lang="he-IL" dirty="0"/>
+              <a:t>אחסנת ביטויים לשוניים</a:t>
+            </a:r>
+            <a:endParaRPr lang="LID4096" dirty="0"/>
+          </a:p>
+        </p:txBody>
+      </p:sp>
+      <p:sp>
+        <p:nvSpPr>
+          <p:cNvPr id="12" name="Rectangle: Rounded Corners 11">
+            <a:extLst>
+              <a:ext uri="{FF2B5EF4-FFF2-40B4-BE49-F238E27FC236}">
+                <a16:creationId xmlns:a16="http://schemas.microsoft.com/office/drawing/2014/main" id="{F1828DAB-33D1-464B-8E7A-9DA93EC2C52C}"/>
+              </a:ext>
+            </a:extLst>
+          </p:cNvPr>
+          <p:cNvSpPr/>
+          <p:nvPr/>
+        </p:nvSpPr>
+        <p:spPr>
+          <a:xfrm>
+            <a:off x="10055603" y="5886280"/>
+            <a:ext cx="2055303" cy="755009"/>
+          </a:xfrm>
+          <a:prstGeom prst="roundRect">
+            <a:avLst/>
+          </a:prstGeom>
+        </p:spPr>
+        <p:style>
+          <a:lnRef idx="2">
+            <a:schemeClr val="accent1">
+              <a:shade val="50000"/>
+            </a:schemeClr>
+          </a:lnRef>
+          <a:fillRef idx="1">
+            <a:schemeClr val="accent1"/>
+          </a:fillRef>
+          <a:effectRef idx="0">
+            <a:schemeClr val="accent1"/>
+          </a:effectRef>
+          <a:fontRef idx="minor">
+            <a:schemeClr val="lt1"/>
+          </a:fontRef>
+        </p:style>
+        <p:txBody>
+          <a:bodyPr rtlCol="0" anchor="ctr"/>
+          <a:lstStyle/>
+          <a:p>
+            <a:pPr algn="ctr"/>
+            <a:r>
+              <a:rPr lang="he-IL" dirty="0"/>
+              <a:t>נתונים סטטיסטיים</a:t>
+            </a:r>
+            <a:endParaRPr lang="LID4096" dirty="0"/>
+          </a:p>
+        </p:txBody>
+      </p:sp>
+      <p:sp>
+        <p:nvSpPr>
+          <p:cNvPr id="22" name="Rectangle: Rounded Corners 21">
+            <a:extLst>
+              <a:ext uri="{FF2B5EF4-FFF2-40B4-BE49-F238E27FC236}">
+                <a16:creationId xmlns:a16="http://schemas.microsoft.com/office/drawing/2014/main" id="{268853CB-0393-4864-8E9B-F58F27C329F4}"/>
+              </a:ext>
+            </a:extLst>
+          </p:cNvPr>
+          <p:cNvSpPr/>
+          <p:nvPr/>
+        </p:nvSpPr>
+        <p:spPr>
+          <a:xfrm>
+            <a:off x="10062594" y="909105"/>
+            <a:ext cx="2055303" cy="403614"/>
+          </a:xfrm>
+          <a:prstGeom prst="roundRect">
+            <a:avLst/>
+          </a:prstGeom>
+        </p:spPr>
+        <p:style>
+          <a:lnRef idx="2">
+            <a:schemeClr val="accent1">
+              <a:shade val="50000"/>
+            </a:schemeClr>
+          </a:lnRef>
+          <a:fillRef idx="1">
+            <a:schemeClr val="accent1"/>
+          </a:fillRef>
+          <a:effectRef idx="0">
+            <a:schemeClr val="accent1"/>
+          </a:effectRef>
+          <a:fontRef idx="minor">
+            <a:schemeClr val="lt1"/>
+          </a:fontRef>
+        </p:style>
+        <p:txBody>
+          <a:bodyPr rtlCol="0" anchor="ctr"/>
+          <a:lstStyle/>
+          <a:p>
+            <a:pPr algn="ctr"/>
+            <a:r>
+              <a:rPr lang="he-IL" dirty="0"/>
+              <a:t>שליפת מסמכים</a:t>
+            </a:r>
+            <a:endParaRPr lang="LID4096" dirty="0"/>
+          </a:p>
+        </p:txBody>
+      </p:sp>
+      <p:sp>
+        <p:nvSpPr>
+          <p:cNvPr id="23" name="Rectangle: Rounded Corners 22">
+            <a:extLst>
+              <a:ext uri="{FF2B5EF4-FFF2-40B4-BE49-F238E27FC236}">
+                <a16:creationId xmlns:a16="http://schemas.microsoft.com/office/drawing/2014/main" id="{9C69875C-CC73-42D3-B878-F65C417FD4BD}"/>
+              </a:ext>
+            </a:extLst>
+          </p:cNvPr>
+          <p:cNvSpPr/>
+          <p:nvPr/>
+        </p:nvSpPr>
+        <p:spPr>
+          <a:xfrm>
+            <a:off x="10043018" y="79334"/>
+            <a:ext cx="1983723" cy="756382"/>
+          </a:xfrm>
+          <a:prstGeom prst="roundRect">
+            <a:avLst/>
+          </a:prstGeom>
+        </p:spPr>
+        <p:style>
+          <a:lnRef idx="2">
+            <a:schemeClr val="accent1">
+              <a:shade val="50000"/>
+            </a:schemeClr>
+          </a:lnRef>
+          <a:fillRef idx="1">
+            <a:schemeClr val="accent1"/>
+          </a:fillRef>
+          <a:effectRef idx="0">
+            <a:schemeClr val="accent1"/>
+          </a:effectRef>
+          <a:fontRef idx="minor">
+            <a:schemeClr val="lt1"/>
+          </a:fontRef>
+        </p:style>
+        <p:txBody>
+          <a:bodyPr rtlCol="0" anchor="ctr"/>
+          <a:lstStyle/>
+          <a:p>
+            <a:pPr algn="ctr"/>
+            <a:r>
+              <a:rPr lang="he-IL" dirty="0">
+                <a:solidFill>
+                  <a:schemeClr val="tx1"/>
+                </a:solidFill>
+              </a:rPr>
+              <a:t>מערכת שירותי קונקורדנציה ואחזור טקסט</a:t>
+            </a:r>
+            <a:endParaRPr lang="LID4096" dirty="0">
+              <a:solidFill>
+                <a:schemeClr val="tx1"/>
+              </a:solidFill>
+            </a:endParaRPr>
+          </a:p>
+        </p:txBody>
+      </p:sp>
+      <p:sp>
+        <p:nvSpPr>
+          <p:cNvPr id="24" name="Rectangle 23">
+            <a:extLst>
+              <a:ext uri="{FF2B5EF4-FFF2-40B4-BE49-F238E27FC236}">
+                <a16:creationId xmlns:a16="http://schemas.microsoft.com/office/drawing/2014/main" id="{2BA9E042-AAEE-46A9-8E89-D89E1C35804A}"/>
+              </a:ext>
+            </a:extLst>
+          </p:cNvPr>
+          <p:cNvSpPr/>
+          <p:nvPr/>
+        </p:nvSpPr>
+        <p:spPr>
+          <a:xfrm>
+            <a:off x="364921" y="125835"/>
+            <a:ext cx="9345336" cy="755009"/>
+          </a:xfrm>
+          <a:prstGeom prst="rect">
+            <a:avLst/>
+          </a:prstGeom>
+        </p:spPr>
+        <p:style>
+          <a:lnRef idx="2">
+            <a:schemeClr val="accent1">
+              <a:shade val="50000"/>
+            </a:schemeClr>
+          </a:lnRef>
+          <a:fillRef idx="1">
+            <a:schemeClr val="accent1"/>
+          </a:fillRef>
+          <a:effectRef idx="0">
+            <a:schemeClr val="accent1"/>
+          </a:effectRef>
+          <a:fontRef idx="minor">
+            <a:schemeClr val="lt1"/>
+          </a:fontRef>
+        </p:style>
+        <p:txBody>
+          <a:bodyPr rtlCol="0" anchor="ctr"/>
+          <a:lstStyle/>
+          <a:p>
+            <a:pPr algn="ctr"/>
+            <a:r>
+              <a:rPr lang="he-IL" dirty="0"/>
+              <a:t>טעינת מסמכים</a:t>
+            </a:r>
+            <a:endParaRPr lang="LID4096" dirty="0"/>
+          </a:p>
+        </p:txBody>
+      </p:sp>
+      <p:sp>
+        <p:nvSpPr>
+          <p:cNvPr id="25" name="Rectangle 24">
+            <a:extLst>
+              <a:ext uri="{FF2B5EF4-FFF2-40B4-BE49-F238E27FC236}">
+                <a16:creationId xmlns:a16="http://schemas.microsoft.com/office/drawing/2014/main" id="{9F8C88F8-50A8-47CA-9EFE-3DE6F6126143}"/>
+              </a:ext>
+            </a:extLst>
+          </p:cNvPr>
+          <p:cNvSpPr/>
+          <p:nvPr/>
+        </p:nvSpPr>
+        <p:spPr>
+          <a:xfrm>
+            <a:off x="2206304" y="1560352"/>
+            <a:ext cx="4513277" cy="486562"/>
+          </a:xfrm>
+          <a:prstGeom prst="rect">
+            <a:avLst/>
+          </a:prstGeom>
+        </p:spPr>
+        <p:style>
+          <a:lnRef idx="2">
+            <a:schemeClr val="accent1">
+              <a:shade val="50000"/>
+            </a:schemeClr>
+          </a:lnRef>
+          <a:fillRef idx="1">
+            <a:schemeClr val="accent1"/>
+          </a:fillRef>
+          <a:effectRef idx="0">
+            <a:schemeClr val="accent1"/>
+          </a:effectRef>
+          <a:fontRef idx="minor">
+            <a:schemeClr val="lt1"/>
+          </a:fontRef>
+        </p:style>
+        <p:txBody>
+          <a:bodyPr rtlCol="0" anchor="ctr"/>
+          <a:lstStyle/>
+          <a:p>
+            <a:pPr algn="ctr"/>
+            <a:endParaRPr lang="LID4096"/>
+          </a:p>
+        </p:txBody>
+      </p:sp>
+      <p:sp>
+        <p:nvSpPr>
+          <p:cNvPr id="26" name="Rectangle 25">
+            <a:extLst>
+              <a:ext uri="{FF2B5EF4-FFF2-40B4-BE49-F238E27FC236}">
+                <a16:creationId xmlns:a16="http://schemas.microsoft.com/office/drawing/2014/main" id="{13E70474-56C3-45D4-9836-5C95DF307FE0}"/>
+              </a:ext>
+            </a:extLst>
+          </p:cNvPr>
+          <p:cNvSpPr/>
+          <p:nvPr/>
+        </p:nvSpPr>
+        <p:spPr>
+          <a:xfrm>
+            <a:off x="2206303" y="2341927"/>
+            <a:ext cx="4513277" cy="486562"/>
+          </a:xfrm>
+          <a:prstGeom prst="rect">
+            <a:avLst/>
+          </a:prstGeom>
+        </p:spPr>
+        <p:style>
+          <a:lnRef idx="2">
+            <a:schemeClr val="accent1">
+              <a:shade val="50000"/>
+            </a:schemeClr>
+          </a:lnRef>
+          <a:fillRef idx="1">
+            <a:schemeClr val="accent1"/>
+          </a:fillRef>
+          <a:effectRef idx="0">
+            <a:schemeClr val="accent1"/>
+          </a:effectRef>
+          <a:fontRef idx="minor">
+            <a:schemeClr val="lt1"/>
+          </a:fontRef>
+        </p:style>
+        <p:txBody>
+          <a:bodyPr rtlCol="0" anchor="ctr"/>
+          <a:lstStyle/>
+          <a:p>
+            <a:pPr algn="ctr"/>
+            <a:endParaRPr lang="LID4096"/>
+          </a:p>
+        </p:txBody>
+      </p:sp>
+      <p:sp>
+        <p:nvSpPr>
+          <p:cNvPr id="27" name="TextBox 26">
+            <a:extLst>
+              <a:ext uri="{FF2B5EF4-FFF2-40B4-BE49-F238E27FC236}">
+                <a16:creationId xmlns:a16="http://schemas.microsoft.com/office/drawing/2014/main" id="{A4BFF7DC-22BA-4C61-B752-B34463480336}"/>
+              </a:ext>
+            </a:extLst>
+          </p:cNvPr>
+          <p:cNvSpPr txBox="1"/>
+          <p:nvPr/>
+        </p:nvSpPr>
+        <p:spPr>
+          <a:xfrm>
+            <a:off x="7189365" y="1585519"/>
+            <a:ext cx="1258349" cy="369332"/>
+          </a:xfrm>
+          <a:prstGeom prst="rect">
+            <a:avLst/>
+          </a:prstGeom>
+          <a:noFill/>
+        </p:spPr>
+        <p:txBody>
+          <a:bodyPr wrap="square" rtlCol="0">
+            <a:spAutoFit/>
+          </a:bodyPr>
+          <a:lstStyle/>
+          <a:p>
+            <a:r>
+              <a:rPr lang="he-IL" dirty="0"/>
+              <a:t>כותרת:</a:t>
+            </a:r>
+            <a:endParaRPr lang="LID4096" dirty="0"/>
+          </a:p>
+        </p:txBody>
+      </p:sp>
+      <p:sp>
+        <p:nvSpPr>
+          <p:cNvPr id="28" name="TextBox 27">
+            <a:extLst>
+              <a:ext uri="{FF2B5EF4-FFF2-40B4-BE49-F238E27FC236}">
+                <a16:creationId xmlns:a16="http://schemas.microsoft.com/office/drawing/2014/main" id="{900DEAED-4B6D-42AB-A78F-91E3D50E09AD}"/>
+              </a:ext>
+            </a:extLst>
+          </p:cNvPr>
+          <p:cNvSpPr txBox="1"/>
+          <p:nvPr/>
+        </p:nvSpPr>
+        <p:spPr>
+          <a:xfrm>
+            <a:off x="7173985" y="2425817"/>
+            <a:ext cx="1258349" cy="369332"/>
+          </a:xfrm>
+          <a:prstGeom prst="rect">
+            <a:avLst/>
+          </a:prstGeom>
+          <a:noFill/>
+        </p:spPr>
+        <p:txBody>
+          <a:bodyPr wrap="square" rtlCol="0">
+            <a:spAutoFit/>
+          </a:bodyPr>
+          <a:lstStyle/>
+          <a:p>
+            <a:r>
+              <a:rPr lang="he-IL" dirty="0"/>
+              <a:t>נתיב:</a:t>
+            </a:r>
+            <a:endParaRPr lang="LID4096" dirty="0"/>
+          </a:p>
+        </p:txBody>
+      </p:sp>
+      <p:sp>
+        <p:nvSpPr>
+          <p:cNvPr id="29" name="Rectangle 28">
+            <a:extLst>
+              <a:ext uri="{FF2B5EF4-FFF2-40B4-BE49-F238E27FC236}">
+                <a16:creationId xmlns:a16="http://schemas.microsoft.com/office/drawing/2014/main" id="{E15CD38E-D0B8-4B9B-9007-359A3BFC62E5}"/>
+              </a:ext>
+            </a:extLst>
+          </p:cNvPr>
+          <p:cNvSpPr/>
+          <p:nvPr/>
+        </p:nvSpPr>
+        <p:spPr>
+          <a:xfrm>
+            <a:off x="2206303" y="3407330"/>
+            <a:ext cx="1182849" cy="486562"/>
+          </a:xfrm>
+          <a:prstGeom prst="rect">
+            <a:avLst/>
+          </a:prstGeom>
+        </p:spPr>
+        <p:style>
+          <a:lnRef idx="2">
+            <a:schemeClr val="accent1">
+              <a:shade val="50000"/>
+            </a:schemeClr>
+          </a:lnRef>
+          <a:fillRef idx="1">
+            <a:schemeClr val="accent1"/>
+          </a:fillRef>
+          <a:effectRef idx="0">
+            <a:schemeClr val="accent1"/>
+          </a:effectRef>
+          <a:fontRef idx="minor">
+            <a:schemeClr val="lt1"/>
+          </a:fontRef>
+        </p:style>
+        <p:txBody>
+          <a:bodyPr rtlCol="0" anchor="ctr"/>
+          <a:lstStyle/>
+          <a:p>
+            <a:pPr algn="ctr"/>
+            <a:r>
+              <a:rPr lang="he-IL" dirty="0"/>
+              <a:t>שלח</a:t>
+            </a:r>
+            <a:endParaRPr lang="LID4096" dirty="0"/>
+          </a:p>
+        </p:txBody>
+      </p:sp>
+    </p:spTree>
+    <p:extLst>
+      <p:ext uri="{BB962C8B-B14F-4D97-AF65-F5344CB8AC3E}">
+        <p14:creationId xmlns:p14="http://schemas.microsoft.com/office/powerpoint/2010/main" val="2580186995"/>
       </p:ext>
     </p:extLst>
   </p:cSld>
@@ -4390,8 +5478,8 @@
         </p:nvSpPr>
         <p:spPr>
           <a:xfrm>
-            <a:off x="10008066" y="100668"/>
-            <a:ext cx="2055303" cy="755009"/>
+            <a:off x="10043018" y="1355603"/>
+            <a:ext cx="2055303" cy="403614"/>
           </a:xfrm>
           <a:prstGeom prst="roundRect">
             <a:avLst/>
@@ -4440,8 +5528,8 @@
         </p:nvSpPr>
         <p:spPr>
           <a:xfrm>
-            <a:off x="10008066" y="956345"/>
-            <a:ext cx="2055303" cy="755009"/>
+            <a:off x="10006795" y="1823557"/>
+            <a:ext cx="2055303" cy="453947"/>
           </a:xfrm>
           <a:prstGeom prst="roundRect">
             <a:avLst/>
@@ -4490,8 +5578,8 @@
         </p:nvSpPr>
         <p:spPr>
           <a:xfrm>
-            <a:off x="10068187" y="1830199"/>
-            <a:ext cx="2055303" cy="755009"/>
+            <a:off x="10043019" y="2352494"/>
+            <a:ext cx="2055303" cy="476844"/>
           </a:xfrm>
           <a:prstGeom prst="roundRect">
             <a:avLst/>
@@ -4540,8 +5628,8 @@
         </p:nvSpPr>
         <p:spPr>
           <a:xfrm>
-            <a:off x="10059798" y="2652321"/>
-            <a:ext cx="2055303" cy="755009"/>
+            <a:off x="10059798" y="2915106"/>
+            <a:ext cx="2055303" cy="492224"/>
           </a:xfrm>
           <a:prstGeom prst="roundRect">
             <a:avLst/>
@@ -4778,10 +5866,10 @@
       </p:sp>
       <p:sp>
         <p:nvSpPr>
-          <p:cNvPr id="2" name="Rectangle 1">
-            <a:extLst>
-              <a:ext uri="{FF2B5EF4-FFF2-40B4-BE49-F238E27FC236}">
-                <a16:creationId xmlns:a16="http://schemas.microsoft.com/office/drawing/2014/main" id="{A9BCBB51-553B-4301-AE7A-3A1F2D57DBA2}"/>
+          <p:cNvPr id="22" name="Rectangle: Rounded Corners 21">
+            <a:extLst>
+              <a:ext uri="{FF2B5EF4-FFF2-40B4-BE49-F238E27FC236}">
+                <a16:creationId xmlns:a16="http://schemas.microsoft.com/office/drawing/2014/main" id="{268853CB-0393-4864-8E9B-F58F27C329F4}"/>
               </a:ext>
             </a:extLst>
           </p:cNvPr>
@@ -4790,10 +5878,10 @@
         </p:nvSpPr>
         <p:spPr>
           <a:xfrm>
-            <a:off x="364921" y="125835"/>
-            <a:ext cx="9345336" cy="755009"/>
-          </a:xfrm>
-          <a:prstGeom prst="rect">
+            <a:off x="10062594" y="909105"/>
+            <a:ext cx="2055303" cy="403614"/>
+          </a:xfrm>
+          <a:prstGeom prst="roundRect">
             <a:avLst/>
           </a:prstGeom>
         </p:spPr>
@@ -4820,7 +5908,7 @@
             <a:pPr algn="ctr"/>
             <a:r>
               <a:rPr lang="he-IL" dirty="0"/>
-              <a:t>טעינת מסמכים</a:t>
+              <a:t>שליפת מסמכים</a:t>
             </a:r>
             <a:endParaRPr lang="LID4096" dirty="0"/>
           </a:p>
@@ -4828,10 +5916,10 @@
       </p:sp>
       <p:sp>
         <p:nvSpPr>
-          <p:cNvPr id="3" name="Rectangle 2">
-            <a:extLst>
-              <a:ext uri="{FF2B5EF4-FFF2-40B4-BE49-F238E27FC236}">
-                <a16:creationId xmlns:a16="http://schemas.microsoft.com/office/drawing/2014/main" id="{C058E807-E241-4686-A9E2-5A0CED8A6768}"/>
+          <p:cNvPr id="23" name="Rectangle: Rounded Corners 22">
+            <a:extLst>
+              <a:ext uri="{FF2B5EF4-FFF2-40B4-BE49-F238E27FC236}">
+                <a16:creationId xmlns:a16="http://schemas.microsoft.com/office/drawing/2014/main" id="{9C69875C-CC73-42D3-B878-F65C417FD4BD}"/>
               </a:ext>
             </a:extLst>
           </p:cNvPr>
@@ -4840,10 +5928,10 @@
         </p:nvSpPr>
         <p:spPr>
           <a:xfrm>
-            <a:off x="2206304" y="1560352"/>
-            <a:ext cx="4513277" cy="486562"/>
-          </a:xfrm>
-          <a:prstGeom prst="rect">
+            <a:off x="10043018" y="79334"/>
+            <a:ext cx="1983723" cy="756382"/>
+          </a:xfrm>
+          <a:prstGeom prst="roundRect">
             <a:avLst/>
           </a:prstGeom>
         </p:spPr>
@@ -4868,16 +5956,28 @@
           <a:lstStyle/>
           <a:p>
             <a:pPr algn="ctr"/>
-            <a:endParaRPr lang="LID4096"/>
-          </a:p>
-        </p:txBody>
-      </p:sp>
-      <p:sp>
-        <p:nvSpPr>
-          <p:cNvPr id="14" name="Rectangle 13">
-            <a:extLst>
-              <a:ext uri="{FF2B5EF4-FFF2-40B4-BE49-F238E27FC236}">
-                <a16:creationId xmlns:a16="http://schemas.microsoft.com/office/drawing/2014/main" id="{012013E6-8E13-40DF-83A3-329F08418DFD}"/>
+            <a:r>
+              <a:rPr lang="he-IL" dirty="0">
+                <a:solidFill>
+                  <a:schemeClr val="tx1"/>
+                </a:solidFill>
+              </a:rPr>
+              <a:t>מערכת שירותי קונקורדנציה ואחזור טקסט</a:t>
+            </a:r>
+            <a:endParaRPr lang="LID4096" dirty="0">
+              <a:solidFill>
+                <a:schemeClr val="tx1"/>
+              </a:solidFill>
+            </a:endParaRPr>
+          </a:p>
+        </p:txBody>
+      </p:sp>
+      <p:sp>
+        <p:nvSpPr>
+          <p:cNvPr id="24" name="Rectangle 23">
+            <a:extLst>
+              <a:ext uri="{FF2B5EF4-FFF2-40B4-BE49-F238E27FC236}">
+                <a16:creationId xmlns:a16="http://schemas.microsoft.com/office/drawing/2014/main" id="{2BA9E042-AAEE-46A9-8E89-D89E1C35804A}"/>
               </a:ext>
             </a:extLst>
           </p:cNvPr>
@@ -4886,8 +5986,8 @@
         </p:nvSpPr>
         <p:spPr>
           <a:xfrm>
-            <a:off x="2206303" y="2341927"/>
-            <a:ext cx="4513277" cy="486562"/>
+            <a:off x="364921" y="125835"/>
+            <a:ext cx="9345336" cy="755009"/>
           </a:xfrm>
           <a:prstGeom prst="rect">
             <a:avLst/>
@@ -4914,41 +6014,9 @@
           <a:lstStyle/>
           <a:p>
             <a:pPr algn="ctr"/>
-            <a:endParaRPr lang="LID4096"/>
-          </a:p>
-        </p:txBody>
-      </p:sp>
-      <p:sp>
-        <p:nvSpPr>
-          <p:cNvPr id="15" name="TextBox 14">
-            <a:extLst>
-              <a:ext uri="{FF2B5EF4-FFF2-40B4-BE49-F238E27FC236}">
-                <a16:creationId xmlns:a16="http://schemas.microsoft.com/office/drawing/2014/main" id="{C559C1EA-44B0-4700-A1ED-D25BD4631225}"/>
-              </a:ext>
-            </a:extLst>
-          </p:cNvPr>
-          <p:cNvSpPr txBox="1"/>
-          <p:nvPr/>
-        </p:nvSpPr>
-        <p:spPr>
-          <a:xfrm>
-            <a:off x="7189365" y="1585519"/>
-            <a:ext cx="1258349" cy="369332"/>
-          </a:xfrm>
-          <a:prstGeom prst="rect">
-            <a:avLst/>
-          </a:prstGeom>
-          <a:noFill/>
-        </p:spPr>
-        <p:txBody>
-          <a:bodyPr wrap="square" rtlCol="0">
-            <a:spAutoFit/>
-          </a:bodyPr>
-          <a:lstStyle/>
-          <a:p>
             <a:r>
               <a:rPr lang="he-IL" dirty="0"/>
-              <a:t>כותרת:</a:t>
+              <a:t>הכנסת נתונים מובנים</a:t>
             </a:r>
             <a:endParaRPr lang="LID4096" dirty="0"/>
           </a:p>
@@ -4956,46 +6024,10 @@
       </p:sp>
       <p:sp>
         <p:nvSpPr>
-          <p:cNvPr id="16" name="TextBox 15">
-            <a:extLst>
-              <a:ext uri="{FF2B5EF4-FFF2-40B4-BE49-F238E27FC236}">
-                <a16:creationId xmlns:a16="http://schemas.microsoft.com/office/drawing/2014/main" id="{DFB11652-E9A5-4E76-A5AF-E81FB58D3667}"/>
-              </a:ext>
-            </a:extLst>
-          </p:cNvPr>
-          <p:cNvSpPr txBox="1"/>
-          <p:nvPr/>
-        </p:nvSpPr>
-        <p:spPr>
-          <a:xfrm>
-            <a:off x="7173985" y="2425817"/>
-            <a:ext cx="1258349" cy="369332"/>
-          </a:xfrm>
-          <a:prstGeom prst="rect">
-            <a:avLst/>
-          </a:prstGeom>
-          <a:noFill/>
-        </p:spPr>
-        <p:txBody>
-          <a:bodyPr wrap="square" rtlCol="0">
-            <a:spAutoFit/>
-          </a:bodyPr>
-          <a:lstStyle/>
-          <a:p>
-            <a:r>
-              <a:rPr lang="he-IL" dirty="0"/>
-              <a:t>נתיב:</a:t>
-            </a:r>
-            <a:endParaRPr lang="LID4096" dirty="0"/>
-          </a:p>
-        </p:txBody>
-      </p:sp>
-      <p:sp>
-        <p:nvSpPr>
-          <p:cNvPr id="17" name="Rectangle 16">
-            <a:extLst>
-              <a:ext uri="{FF2B5EF4-FFF2-40B4-BE49-F238E27FC236}">
-                <a16:creationId xmlns:a16="http://schemas.microsoft.com/office/drawing/2014/main" id="{5F1DD5E7-9FCE-406B-AF2C-1D491379A404}"/>
+          <p:cNvPr id="25" name="Rectangle 24">
+            <a:extLst>
+              <a:ext uri="{FF2B5EF4-FFF2-40B4-BE49-F238E27FC236}">
+                <a16:creationId xmlns:a16="http://schemas.microsoft.com/office/drawing/2014/main" id="{9F8C88F8-50A8-47CA-9EFE-3DE6F6126143}"/>
               </a:ext>
             </a:extLst>
           </p:cNvPr>
@@ -5004,8 +6036,8 @@
         </p:nvSpPr>
         <p:spPr>
           <a:xfrm>
-            <a:off x="2206303" y="3407330"/>
-            <a:ext cx="1182849" cy="486562"/>
+            <a:off x="2185072" y="2009823"/>
+            <a:ext cx="4513277" cy="486562"/>
           </a:xfrm>
           <a:prstGeom prst="rect">
             <a:avLst/>
@@ -5032,9 +6064,255 @@
           <a:lstStyle/>
           <a:p>
             <a:pPr algn="ctr"/>
+            <a:endParaRPr lang="LID4096"/>
+          </a:p>
+        </p:txBody>
+      </p:sp>
+      <p:sp>
+        <p:nvSpPr>
+          <p:cNvPr id="26" name="Rectangle 25">
+            <a:extLst>
+              <a:ext uri="{FF2B5EF4-FFF2-40B4-BE49-F238E27FC236}">
+                <a16:creationId xmlns:a16="http://schemas.microsoft.com/office/drawing/2014/main" id="{13E70474-56C3-45D4-9836-5C95DF307FE0}"/>
+              </a:ext>
+            </a:extLst>
+          </p:cNvPr>
+          <p:cNvSpPr/>
+          <p:nvPr/>
+        </p:nvSpPr>
+        <p:spPr>
+          <a:xfrm>
+            <a:off x="2185071" y="2791398"/>
+            <a:ext cx="4513277" cy="486562"/>
+          </a:xfrm>
+          <a:prstGeom prst="rect">
+            <a:avLst/>
+          </a:prstGeom>
+        </p:spPr>
+        <p:style>
+          <a:lnRef idx="2">
+            <a:schemeClr val="accent1">
+              <a:shade val="50000"/>
+            </a:schemeClr>
+          </a:lnRef>
+          <a:fillRef idx="1">
+            <a:schemeClr val="accent1"/>
+          </a:fillRef>
+          <a:effectRef idx="0">
+            <a:schemeClr val="accent1"/>
+          </a:effectRef>
+          <a:fontRef idx="minor">
+            <a:schemeClr val="lt1"/>
+          </a:fontRef>
+        </p:style>
+        <p:txBody>
+          <a:bodyPr rtlCol="0" anchor="ctr"/>
+          <a:lstStyle/>
+          <a:p>
+            <a:pPr algn="ctr"/>
+            <a:endParaRPr lang="LID4096"/>
+          </a:p>
+        </p:txBody>
+      </p:sp>
+      <p:sp>
+        <p:nvSpPr>
+          <p:cNvPr id="27" name="TextBox 26">
+            <a:extLst>
+              <a:ext uri="{FF2B5EF4-FFF2-40B4-BE49-F238E27FC236}">
+                <a16:creationId xmlns:a16="http://schemas.microsoft.com/office/drawing/2014/main" id="{A4BFF7DC-22BA-4C61-B752-B34463480336}"/>
+              </a:ext>
+            </a:extLst>
+          </p:cNvPr>
+          <p:cNvSpPr txBox="1"/>
+          <p:nvPr/>
+        </p:nvSpPr>
+        <p:spPr>
+          <a:xfrm>
+            <a:off x="7168133" y="2034990"/>
+            <a:ext cx="1258349" cy="369332"/>
+          </a:xfrm>
+          <a:prstGeom prst="rect">
+            <a:avLst/>
+          </a:prstGeom>
+          <a:noFill/>
+        </p:spPr>
+        <p:txBody>
+          <a:bodyPr wrap="square" rtlCol="0">
+            <a:spAutoFit/>
+          </a:bodyPr>
+          <a:lstStyle/>
+          <a:p>
+            <a:r>
+              <a:rPr lang="he-IL" dirty="0"/>
+              <a:t>שם השדה:</a:t>
+            </a:r>
+            <a:endParaRPr lang="LID4096" dirty="0"/>
+          </a:p>
+        </p:txBody>
+      </p:sp>
+      <p:sp>
+        <p:nvSpPr>
+          <p:cNvPr id="28" name="TextBox 27">
+            <a:extLst>
+              <a:ext uri="{FF2B5EF4-FFF2-40B4-BE49-F238E27FC236}">
+                <a16:creationId xmlns:a16="http://schemas.microsoft.com/office/drawing/2014/main" id="{900DEAED-4B6D-42AB-A78F-91E3D50E09AD}"/>
+              </a:ext>
+            </a:extLst>
+          </p:cNvPr>
+          <p:cNvSpPr txBox="1"/>
+          <p:nvPr/>
+        </p:nvSpPr>
+        <p:spPr>
+          <a:xfrm>
+            <a:off x="7152753" y="2875288"/>
+            <a:ext cx="1258349" cy="369332"/>
+          </a:xfrm>
+          <a:prstGeom prst="rect">
+            <a:avLst/>
+          </a:prstGeom>
+          <a:noFill/>
+        </p:spPr>
+        <p:txBody>
+          <a:bodyPr wrap="square" rtlCol="0">
+            <a:spAutoFit/>
+          </a:bodyPr>
+          <a:lstStyle/>
+          <a:p>
+            <a:r>
+              <a:rPr lang="he-IL" dirty="0"/>
+              <a:t>ערך השדה:</a:t>
+            </a:r>
+            <a:endParaRPr lang="LID4096" dirty="0"/>
+          </a:p>
+        </p:txBody>
+      </p:sp>
+      <p:sp>
+        <p:nvSpPr>
+          <p:cNvPr id="29" name="Rectangle 28">
+            <a:extLst>
+              <a:ext uri="{FF2B5EF4-FFF2-40B4-BE49-F238E27FC236}">
+                <a16:creationId xmlns:a16="http://schemas.microsoft.com/office/drawing/2014/main" id="{E15CD38E-D0B8-4B9B-9007-359A3BFC62E5}"/>
+              </a:ext>
+            </a:extLst>
+          </p:cNvPr>
+          <p:cNvSpPr/>
+          <p:nvPr/>
+        </p:nvSpPr>
+        <p:spPr>
+          <a:xfrm>
+            <a:off x="2166233" y="3676148"/>
+            <a:ext cx="1182849" cy="486562"/>
+          </a:xfrm>
+          <a:prstGeom prst="rect">
+            <a:avLst/>
+          </a:prstGeom>
+        </p:spPr>
+        <p:style>
+          <a:lnRef idx="2">
+            <a:schemeClr val="accent1">
+              <a:shade val="50000"/>
+            </a:schemeClr>
+          </a:lnRef>
+          <a:fillRef idx="1">
+            <a:schemeClr val="accent1"/>
+          </a:fillRef>
+          <a:effectRef idx="0">
+            <a:schemeClr val="accent1"/>
+          </a:effectRef>
+          <a:fontRef idx="minor">
+            <a:schemeClr val="lt1"/>
+          </a:fontRef>
+        </p:style>
+        <p:txBody>
+          <a:bodyPr rtlCol="0" anchor="ctr"/>
+          <a:lstStyle/>
+          <a:p>
+            <a:pPr algn="ctr"/>
             <a:r>
               <a:rPr lang="he-IL" dirty="0"/>
               <a:t>שלח</a:t>
+            </a:r>
+            <a:endParaRPr lang="LID4096" dirty="0"/>
+          </a:p>
+        </p:txBody>
+      </p:sp>
+      <p:sp>
+        <p:nvSpPr>
+          <p:cNvPr id="19" name="Rectangle 18">
+            <a:extLst>
+              <a:ext uri="{FF2B5EF4-FFF2-40B4-BE49-F238E27FC236}">
+                <a16:creationId xmlns:a16="http://schemas.microsoft.com/office/drawing/2014/main" id="{BBC71F65-9005-4DF6-8EC6-0B5DB96B4540}"/>
+              </a:ext>
+            </a:extLst>
+          </p:cNvPr>
+          <p:cNvSpPr/>
+          <p:nvPr/>
+        </p:nvSpPr>
+        <p:spPr>
+          <a:xfrm>
+            <a:off x="2185072" y="1272655"/>
+            <a:ext cx="4513277" cy="486562"/>
+          </a:xfrm>
+          <a:prstGeom prst="rect">
+            <a:avLst/>
+          </a:prstGeom>
+        </p:spPr>
+        <p:style>
+          <a:lnRef idx="2">
+            <a:schemeClr val="accent1">
+              <a:shade val="50000"/>
+            </a:schemeClr>
+          </a:lnRef>
+          <a:fillRef idx="1">
+            <a:schemeClr val="accent1"/>
+          </a:fillRef>
+          <a:effectRef idx="0">
+            <a:schemeClr val="accent1"/>
+          </a:effectRef>
+          <a:fontRef idx="minor">
+            <a:schemeClr val="lt1"/>
+          </a:fontRef>
+        </p:style>
+        <p:txBody>
+          <a:bodyPr rtlCol="0" anchor="ctr"/>
+          <a:lstStyle/>
+          <a:p>
+            <a:pPr algn="ctr"/>
+            <a:endParaRPr lang="LID4096"/>
+          </a:p>
+        </p:txBody>
+      </p:sp>
+      <p:sp>
+        <p:nvSpPr>
+          <p:cNvPr id="20" name="TextBox 19">
+            <a:extLst>
+              <a:ext uri="{FF2B5EF4-FFF2-40B4-BE49-F238E27FC236}">
+                <a16:creationId xmlns:a16="http://schemas.microsoft.com/office/drawing/2014/main" id="{A1E184C2-7A7F-43AA-A3FE-E75BE792B91E}"/>
+              </a:ext>
+            </a:extLst>
+          </p:cNvPr>
+          <p:cNvSpPr txBox="1"/>
+          <p:nvPr/>
+        </p:nvSpPr>
+        <p:spPr>
+          <a:xfrm>
+            <a:off x="7168133" y="1297822"/>
+            <a:ext cx="1442637" cy="369332"/>
+          </a:xfrm>
+          <a:prstGeom prst="rect">
+            <a:avLst/>
+          </a:prstGeom>
+          <a:noFill/>
+        </p:spPr>
+        <p:txBody>
+          <a:bodyPr wrap="square" rtlCol="0">
+            <a:spAutoFit/>
+          </a:bodyPr>
+          <a:lstStyle/>
+          <a:p>
+            <a:r>
+              <a:rPr lang="he-IL" dirty="0"/>
+              <a:t>מזהה מסמך:</a:t>
             </a:r>
             <a:endParaRPr lang="LID4096" dirty="0"/>
           </a:p>
@@ -5043,7 +6321,4450 @@
     </p:spTree>
     <p:extLst>
       <p:ext uri="{BB962C8B-B14F-4D97-AF65-F5344CB8AC3E}">
-        <p14:creationId xmlns:p14="http://schemas.microsoft.com/office/powerpoint/2010/main" val="4017971473"/>
+        <p14:creationId xmlns:p14="http://schemas.microsoft.com/office/powerpoint/2010/main" val="2114062222"/>
+      </p:ext>
+    </p:extLst>
+  </p:cSld>
+  <p:clrMapOvr>
+    <a:masterClrMapping/>
+  </p:clrMapOvr>
+</p:sld>
+</file>
+
+<file path=ppt/slides/slide4.xml><?xml version="1.0" encoding="utf-8"?>
+<p:sld xmlns:a="http://schemas.openxmlformats.org/drawingml/2006/main" xmlns:r="http://schemas.openxmlformats.org/officeDocument/2006/relationships" xmlns:p="http://schemas.openxmlformats.org/presentationml/2006/main">
+  <p:cSld>
+    <p:spTree>
+      <p:nvGrpSpPr>
+        <p:cNvPr id="1" name=""/>
+        <p:cNvGrpSpPr/>
+        <p:nvPr/>
+      </p:nvGrpSpPr>
+      <p:grpSpPr>
+        <a:xfrm>
+          <a:off x="0" y="0"/>
+          <a:ext cx="0" cy="0"/>
+          <a:chOff x="0" y="0"/>
+          <a:chExt cx="0" cy="0"/>
+        </a:xfrm>
+      </p:grpSpPr>
+      <p:sp>
+        <p:nvSpPr>
+          <p:cNvPr id="4" name="Rectangle 3">
+            <a:extLst>
+              <a:ext uri="{FF2B5EF4-FFF2-40B4-BE49-F238E27FC236}">
+                <a16:creationId xmlns:a16="http://schemas.microsoft.com/office/drawing/2014/main" id="{9D08D7E8-1348-4094-941D-E1F7A75843A4}"/>
+              </a:ext>
+            </a:extLst>
+          </p:cNvPr>
+          <p:cNvSpPr/>
+          <p:nvPr/>
+        </p:nvSpPr>
+        <p:spPr>
+          <a:xfrm>
+            <a:off x="9949343" y="0"/>
+            <a:ext cx="2242657" cy="6858000"/>
+          </a:xfrm>
+          <a:prstGeom prst="rect">
+            <a:avLst/>
+          </a:prstGeom>
+        </p:spPr>
+        <p:style>
+          <a:lnRef idx="2">
+            <a:schemeClr val="accent1">
+              <a:shade val="50000"/>
+            </a:schemeClr>
+          </a:lnRef>
+          <a:fillRef idx="1">
+            <a:schemeClr val="accent1"/>
+          </a:fillRef>
+          <a:effectRef idx="0">
+            <a:schemeClr val="accent1"/>
+          </a:effectRef>
+          <a:fontRef idx="minor">
+            <a:schemeClr val="lt1"/>
+          </a:fontRef>
+        </p:style>
+        <p:txBody>
+          <a:bodyPr rtlCol="0" anchor="ctr"/>
+          <a:lstStyle/>
+          <a:p>
+            <a:pPr algn="ctr"/>
+            <a:endParaRPr lang="LID4096"/>
+          </a:p>
+        </p:txBody>
+      </p:sp>
+      <p:sp>
+        <p:nvSpPr>
+          <p:cNvPr id="5" name="Rectangle: Rounded Corners 4">
+            <a:extLst>
+              <a:ext uri="{FF2B5EF4-FFF2-40B4-BE49-F238E27FC236}">
+                <a16:creationId xmlns:a16="http://schemas.microsoft.com/office/drawing/2014/main" id="{678551CD-302F-48DE-9FF4-1EE06ACBFC3E}"/>
+              </a:ext>
+            </a:extLst>
+          </p:cNvPr>
+          <p:cNvSpPr/>
+          <p:nvPr/>
+        </p:nvSpPr>
+        <p:spPr>
+          <a:xfrm>
+            <a:off x="10043018" y="1355603"/>
+            <a:ext cx="2055303" cy="403614"/>
+          </a:xfrm>
+          <a:prstGeom prst="roundRect">
+            <a:avLst/>
+          </a:prstGeom>
+        </p:spPr>
+        <p:style>
+          <a:lnRef idx="2">
+            <a:schemeClr val="accent1">
+              <a:shade val="50000"/>
+            </a:schemeClr>
+          </a:lnRef>
+          <a:fillRef idx="1">
+            <a:schemeClr val="accent1"/>
+          </a:fillRef>
+          <a:effectRef idx="0">
+            <a:schemeClr val="accent1"/>
+          </a:effectRef>
+          <a:fontRef idx="minor">
+            <a:schemeClr val="lt1"/>
+          </a:fontRef>
+        </p:style>
+        <p:txBody>
+          <a:bodyPr rtlCol="0" anchor="ctr"/>
+          <a:lstStyle/>
+          <a:p>
+            <a:pPr algn="ctr"/>
+            <a:r>
+              <a:rPr lang="he-IL" dirty="0"/>
+              <a:t>טעינת מסמכים</a:t>
+            </a:r>
+            <a:endParaRPr lang="LID4096" dirty="0"/>
+          </a:p>
+        </p:txBody>
+      </p:sp>
+      <p:sp>
+        <p:nvSpPr>
+          <p:cNvPr id="6" name="Rectangle: Rounded Corners 5">
+            <a:extLst>
+              <a:ext uri="{FF2B5EF4-FFF2-40B4-BE49-F238E27FC236}">
+                <a16:creationId xmlns:a16="http://schemas.microsoft.com/office/drawing/2014/main" id="{A3757693-1624-4A3C-A1EC-B738DCFB92C7}"/>
+              </a:ext>
+            </a:extLst>
+          </p:cNvPr>
+          <p:cNvSpPr/>
+          <p:nvPr/>
+        </p:nvSpPr>
+        <p:spPr>
+          <a:xfrm>
+            <a:off x="10006795" y="1823557"/>
+            <a:ext cx="2055303" cy="453947"/>
+          </a:xfrm>
+          <a:prstGeom prst="roundRect">
+            <a:avLst/>
+          </a:prstGeom>
+        </p:spPr>
+        <p:style>
+          <a:lnRef idx="2">
+            <a:schemeClr val="accent1">
+              <a:shade val="50000"/>
+            </a:schemeClr>
+          </a:lnRef>
+          <a:fillRef idx="1">
+            <a:schemeClr val="accent1"/>
+          </a:fillRef>
+          <a:effectRef idx="0">
+            <a:schemeClr val="accent1"/>
+          </a:effectRef>
+          <a:fontRef idx="minor">
+            <a:schemeClr val="lt1"/>
+          </a:fontRef>
+        </p:style>
+        <p:txBody>
+          <a:bodyPr rtlCol="0" anchor="ctr"/>
+          <a:lstStyle/>
+          <a:p>
+            <a:pPr algn="ctr"/>
+            <a:r>
+              <a:rPr lang="he-IL" dirty="0"/>
+              <a:t>הכנסת נתונים מובנים</a:t>
+            </a:r>
+            <a:endParaRPr lang="LID4096" dirty="0"/>
+          </a:p>
+        </p:txBody>
+      </p:sp>
+      <p:sp>
+        <p:nvSpPr>
+          <p:cNvPr id="7" name="Rectangle: Rounded Corners 6">
+            <a:extLst>
+              <a:ext uri="{FF2B5EF4-FFF2-40B4-BE49-F238E27FC236}">
+                <a16:creationId xmlns:a16="http://schemas.microsoft.com/office/drawing/2014/main" id="{9F260B32-97DC-4743-9EE9-D606024F3DA1}"/>
+              </a:ext>
+            </a:extLst>
+          </p:cNvPr>
+          <p:cNvSpPr/>
+          <p:nvPr/>
+        </p:nvSpPr>
+        <p:spPr>
+          <a:xfrm>
+            <a:off x="10043019" y="2352494"/>
+            <a:ext cx="2055303" cy="476844"/>
+          </a:xfrm>
+          <a:prstGeom prst="roundRect">
+            <a:avLst/>
+          </a:prstGeom>
+        </p:spPr>
+        <p:style>
+          <a:lnRef idx="2">
+            <a:schemeClr val="accent1">
+              <a:shade val="50000"/>
+            </a:schemeClr>
+          </a:lnRef>
+          <a:fillRef idx="1">
+            <a:schemeClr val="accent1"/>
+          </a:fillRef>
+          <a:effectRef idx="0">
+            <a:schemeClr val="accent1"/>
+          </a:effectRef>
+          <a:fontRef idx="minor">
+            <a:schemeClr val="lt1"/>
+          </a:fontRef>
+        </p:style>
+        <p:txBody>
+          <a:bodyPr rtlCol="0" anchor="ctr"/>
+          <a:lstStyle/>
+          <a:p>
+            <a:pPr algn="ctr"/>
+            <a:r>
+              <a:rPr lang="he-IL" dirty="0"/>
+              <a:t>הצגת כל המילים בטקסט</a:t>
+            </a:r>
+            <a:endParaRPr lang="LID4096" dirty="0"/>
+          </a:p>
+        </p:txBody>
+      </p:sp>
+      <p:sp>
+        <p:nvSpPr>
+          <p:cNvPr id="8" name="Rectangle: Rounded Corners 7">
+            <a:extLst>
+              <a:ext uri="{FF2B5EF4-FFF2-40B4-BE49-F238E27FC236}">
+                <a16:creationId xmlns:a16="http://schemas.microsoft.com/office/drawing/2014/main" id="{BFDA8C7F-CCC1-4AE7-A805-DB8AE2A1676F}"/>
+              </a:ext>
+            </a:extLst>
+          </p:cNvPr>
+          <p:cNvSpPr/>
+          <p:nvPr/>
+        </p:nvSpPr>
+        <p:spPr>
+          <a:xfrm>
+            <a:off x="10059798" y="2915106"/>
+            <a:ext cx="2055303" cy="492224"/>
+          </a:xfrm>
+          <a:prstGeom prst="roundRect">
+            <a:avLst/>
+          </a:prstGeom>
+        </p:spPr>
+        <p:style>
+          <a:lnRef idx="2">
+            <a:schemeClr val="accent1">
+              <a:shade val="50000"/>
+            </a:schemeClr>
+          </a:lnRef>
+          <a:fillRef idx="1">
+            <a:schemeClr val="accent1"/>
+          </a:fillRef>
+          <a:effectRef idx="0">
+            <a:schemeClr val="accent1"/>
+          </a:effectRef>
+          <a:fontRef idx="minor">
+            <a:schemeClr val="lt1"/>
+          </a:fontRef>
+        </p:style>
+        <p:txBody>
+          <a:bodyPr rtlCol="0" anchor="ctr"/>
+          <a:lstStyle/>
+          <a:p>
+            <a:pPr algn="ctr"/>
+            <a:r>
+              <a:rPr lang="he-IL" dirty="0"/>
+              <a:t>הצגת כל המילים כאינדקס</a:t>
+            </a:r>
+            <a:endParaRPr lang="LID4096" dirty="0"/>
+          </a:p>
+        </p:txBody>
+      </p:sp>
+      <p:sp>
+        <p:nvSpPr>
+          <p:cNvPr id="9" name="Rectangle: Rounded Corners 8">
+            <a:extLst>
+              <a:ext uri="{FF2B5EF4-FFF2-40B4-BE49-F238E27FC236}">
+                <a16:creationId xmlns:a16="http://schemas.microsoft.com/office/drawing/2014/main" id="{93BED076-AB0F-4143-8234-C2D92456C04E}"/>
+              </a:ext>
+            </a:extLst>
+          </p:cNvPr>
+          <p:cNvSpPr/>
+          <p:nvPr/>
+        </p:nvSpPr>
+        <p:spPr>
+          <a:xfrm>
+            <a:off x="10069585" y="3475841"/>
+            <a:ext cx="2055303" cy="755009"/>
+          </a:xfrm>
+          <a:prstGeom prst="roundRect">
+            <a:avLst/>
+          </a:prstGeom>
+        </p:spPr>
+        <p:style>
+          <a:lnRef idx="2">
+            <a:schemeClr val="accent1">
+              <a:shade val="50000"/>
+            </a:schemeClr>
+          </a:lnRef>
+          <a:fillRef idx="1">
+            <a:schemeClr val="accent1"/>
+          </a:fillRef>
+          <a:effectRef idx="0">
+            <a:schemeClr val="accent1"/>
+          </a:effectRef>
+          <a:fontRef idx="minor">
+            <a:schemeClr val="lt1"/>
+          </a:fontRef>
+        </p:style>
+        <p:txBody>
+          <a:bodyPr rtlCol="0" anchor="ctr"/>
+          <a:lstStyle/>
+          <a:p>
+            <a:pPr algn="ctr"/>
+            <a:r>
+              <a:rPr lang="he-IL" dirty="0"/>
+              <a:t>איתור מילה לפי המיקום שלה</a:t>
+            </a:r>
+            <a:endParaRPr lang="LID4096" dirty="0"/>
+          </a:p>
+        </p:txBody>
+      </p:sp>
+      <p:sp>
+        <p:nvSpPr>
+          <p:cNvPr id="10" name="Rectangle: Rounded Corners 9">
+            <a:extLst>
+              <a:ext uri="{FF2B5EF4-FFF2-40B4-BE49-F238E27FC236}">
+                <a16:creationId xmlns:a16="http://schemas.microsoft.com/office/drawing/2014/main" id="{94BA2B08-BAA0-4941-8AC1-7296F2FD1B81}"/>
+              </a:ext>
+            </a:extLst>
+          </p:cNvPr>
+          <p:cNvSpPr/>
+          <p:nvPr/>
+        </p:nvSpPr>
+        <p:spPr>
+          <a:xfrm>
+            <a:off x="10062594" y="4282583"/>
+            <a:ext cx="2055303" cy="755009"/>
+          </a:xfrm>
+          <a:prstGeom prst="roundRect">
+            <a:avLst/>
+          </a:prstGeom>
+        </p:spPr>
+        <p:style>
+          <a:lnRef idx="2">
+            <a:schemeClr val="accent1">
+              <a:shade val="50000"/>
+            </a:schemeClr>
+          </a:lnRef>
+          <a:fillRef idx="1">
+            <a:schemeClr val="accent1"/>
+          </a:fillRef>
+          <a:effectRef idx="0">
+            <a:schemeClr val="accent1"/>
+          </a:effectRef>
+          <a:fontRef idx="minor">
+            <a:schemeClr val="lt1"/>
+          </a:fontRef>
+        </p:style>
+        <p:txBody>
+          <a:bodyPr rtlCol="0" anchor="ctr"/>
+          <a:lstStyle/>
+          <a:p>
+            <a:pPr algn="ctr"/>
+            <a:r>
+              <a:rPr lang="he-IL" sz="1400" dirty="0"/>
+              <a:t>הגדרת קבוצות של מילים בעלות משמעות מיוחדת וצפייה כאינדקס</a:t>
+            </a:r>
+            <a:endParaRPr lang="LID4096" sz="1400" dirty="0"/>
+          </a:p>
+        </p:txBody>
+      </p:sp>
+      <p:sp>
+        <p:nvSpPr>
+          <p:cNvPr id="11" name="Rectangle: Rounded Corners 10">
+            <a:extLst>
+              <a:ext uri="{FF2B5EF4-FFF2-40B4-BE49-F238E27FC236}">
+                <a16:creationId xmlns:a16="http://schemas.microsoft.com/office/drawing/2014/main" id="{ED742705-0483-4FB3-9D63-924D2E800B84}"/>
+              </a:ext>
+            </a:extLst>
+          </p:cNvPr>
+          <p:cNvSpPr/>
+          <p:nvPr/>
+        </p:nvSpPr>
+        <p:spPr>
+          <a:xfrm>
+            <a:off x="10054205" y="5079538"/>
+            <a:ext cx="2055303" cy="755009"/>
+          </a:xfrm>
+          <a:prstGeom prst="roundRect">
+            <a:avLst/>
+          </a:prstGeom>
+        </p:spPr>
+        <p:style>
+          <a:lnRef idx="2">
+            <a:schemeClr val="accent1">
+              <a:shade val="50000"/>
+            </a:schemeClr>
+          </a:lnRef>
+          <a:fillRef idx="1">
+            <a:schemeClr val="accent1"/>
+          </a:fillRef>
+          <a:effectRef idx="0">
+            <a:schemeClr val="accent1"/>
+          </a:effectRef>
+          <a:fontRef idx="minor">
+            <a:schemeClr val="lt1"/>
+          </a:fontRef>
+        </p:style>
+        <p:txBody>
+          <a:bodyPr rtlCol="0" anchor="ctr"/>
+          <a:lstStyle/>
+          <a:p>
+            <a:pPr algn="ctr"/>
+            <a:r>
+              <a:rPr lang="he-IL" dirty="0"/>
+              <a:t>אחסנת ביטויים לשוניים</a:t>
+            </a:r>
+            <a:endParaRPr lang="LID4096" dirty="0"/>
+          </a:p>
+        </p:txBody>
+      </p:sp>
+      <p:sp>
+        <p:nvSpPr>
+          <p:cNvPr id="12" name="Rectangle: Rounded Corners 11">
+            <a:extLst>
+              <a:ext uri="{FF2B5EF4-FFF2-40B4-BE49-F238E27FC236}">
+                <a16:creationId xmlns:a16="http://schemas.microsoft.com/office/drawing/2014/main" id="{F1828DAB-33D1-464B-8E7A-9DA93EC2C52C}"/>
+              </a:ext>
+            </a:extLst>
+          </p:cNvPr>
+          <p:cNvSpPr/>
+          <p:nvPr/>
+        </p:nvSpPr>
+        <p:spPr>
+          <a:xfrm>
+            <a:off x="10055603" y="5886280"/>
+            <a:ext cx="2055303" cy="755009"/>
+          </a:xfrm>
+          <a:prstGeom prst="roundRect">
+            <a:avLst/>
+          </a:prstGeom>
+        </p:spPr>
+        <p:style>
+          <a:lnRef idx="2">
+            <a:schemeClr val="accent1">
+              <a:shade val="50000"/>
+            </a:schemeClr>
+          </a:lnRef>
+          <a:fillRef idx="1">
+            <a:schemeClr val="accent1"/>
+          </a:fillRef>
+          <a:effectRef idx="0">
+            <a:schemeClr val="accent1"/>
+          </a:effectRef>
+          <a:fontRef idx="minor">
+            <a:schemeClr val="lt1"/>
+          </a:fontRef>
+        </p:style>
+        <p:txBody>
+          <a:bodyPr rtlCol="0" anchor="ctr"/>
+          <a:lstStyle/>
+          <a:p>
+            <a:pPr algn="ctr"/>
+            <a:r>
+              <a:rPr lang="he-IL" dirty="0"/>
+              <a:t>נתונים סטטיסטיים</a:t>
+            </a:r>
+            <a:endParaRPr lang="LID4096" dirty="0"/>
+          </a:p>
+        </p:txBody>
+      </p:sp>
+      <p:sp>
+        <p:nvSpPr>
+          <p:cNvPr id="22" name="Rectangle: Rounded Corners 21">
+            <a:extLst>
+              <a:ext uri="{FF2B5EF4-FFF2-40B4-BE49-F238E27FC236}">
+                <a16:creationId xmlns:a16="http://schemas.microsoft.com/office/drawing/2014/main" id="{268853CB-0393-4864-8E9B-F58F27C329F4}"/>
+              </a:ext>
+            </a:extLst>
+          </p:cNvPr>
+          <p:cNvSpPr/>
+          <p:nvPr/>
+        </p:nvSpPr>
+        <p:spPr>
+          <a:xfrm>
+            <a:off x="10062594" y="909105"/>
+            <a:ext cx="2055303" cy="403614"/>
+          </a:xfrm>
+          <a:prstGeom prst="roundRect">
+            <a:avLst/>
+          </a:prstGeom>
+        </p:spPr>
+        <p:style>
+          <a:lnRef idx="2">
+            <a:schemeClr val="accent1">
+              <a:shade val="50000"/>
+            </a:schemeClr>
+          </a:lnRef>
+          <a:fillRef idx="1">
+            <a:schemeClr val="accent1"/>
+          </a:fillRef>
+          <a:effectRef idx="0">
+            <a:schemeClr val="accent1"/>
+          </a:effectRef>
+          <a:fontRef idx="minor">
+            <a:schemeClr val="lt1"/>
+          </a:fontRef>
+        </p:style>
+        <p:txBody>
+          <a:bodyPr rtlCol="0" anchor="ctr"/>
+          <a:lstStyle/>
+          <a:p>
+            <a:pPr algn="ctr"/>
+            <a:r>
+              <a:rPr lang="he-IL" dirty="0"/>
+              <a:t>שליפת מסמכים</a:t>
+            </a:r>
+            <a:endParaRPr lang="LID4096" dirty="0"/>
+          </a:p>
+        </p:txBody>
+      </p:sp>
+      <p:sp>
+        <p:nvSpPr>
+          <p:cNvPr id="23" name="Rectangle: Rounded Corners 22">
+            <a:extLst>
+              <a:ext uri="{FF2B5EF4-FFF2-40B4-BE49-F238E27FC236}">
+                <a16:creationId xmlns:a16="http://schemas.microsoft.com/office/drawing/2014/main" id="{9C69875C-CC73-42D3-B878-F65C417FD4BD}"/>
+              </a:ext>
+            </a:extLst>
+          </p:cNvPr>
+          <p:cNvSpPr/>
+          <p:nvPr/>
+        </p:nvSpPr>
+        <p:spPr>
+          <a:xfrm>
+            <a:off x="10043018" y="79334"/>
+            <a:ext cx="1983723" cy="756382"/>
+          </a:xfrm>
+          <a:prstGeom prst="roundRect">
+            <a:avLst/>
+          </a:prstGeom>
+        </p:spPr>
+        <p:style>
+          <a:lnRef idx="2">
+            <a:schemeClr val="accent1">
+              <a:shade val="50000"/>
+            </a:schemeClr>
+          </a:lnRef>
+          <a:fillRef idx="1">
+            <a:schemeClr val="accent1"/>
+          </a:fillRef>
+          <a:effectRef idx="0">
+            <a:schemeClr val="accent1"/>
+          </a:effectRef>
+          <a:fontRef idx="minor">
+            <a:schemeClr val="lt1"/>
+          </a:fontRef>
+        </p:style>
+        <p:txBody>
+          <a:bodyPr rtlCol="0" anchor="ctr"/>
+          <a:lstStyle/>
+          <a:p>
+            <a:pPr algn="ctr"/>
+            <a:r>
+              <a:rPr lang="he-IL" dirty="0">
+                <a:solidFill>
+                  <a:schemeClr val="tx1"/>
+                </a:solidFill>
+              </a:rPr>
+              <a:t>מערכת שירותי קונקורדנציה ואחזור טקסט</a:t>
+            </a:r>
+            <a:endParaRPr lang="LID4096" dirty="0">
+              <a:solidFill>
+                <a:schemeClr val="tx1"/>
+              </a:solidFill>
+            </a:endParaRPr>
+          </a:p>
+        </p:txBody>
+      </p:sp>
+      <p:sp>
+        <p:nvSpPr>
+          <p:cNvPr id="24" name="Rectangle 23">
+            <a:extLst>
+              <a:ext uri="{FF2B5EF4-FFF2-40B4-BE49-F238E27FC236}">
+                <a16:creationId xmlns:a16="http://schemas.microsoft.com/office/drawing/2014/main" id="{2BA9E042-AAEE-46A9-8E89-D89E1C35804A}"/>
+              </a:ext>
+            </a:extLst>
+          </p:cNvPr>
+          <p:cNvSpPr/>
+          <p:nvPr/>
+        </p:nvSpPr>
+        <p:spPr>
+          <a:xfrm>
+            <a:off x="364921" y="125835"/>
+            <a:ext cx="9345336" cy="755009"/>
+          </a:xfrm>
+          <a:prstGeom prst="rect">
+            <a:avLst/>
+          </a:prstGeom>
+        </p:spPr>
+        <p:style>
+          <a:lnRef idx="2">
+            <a:schemeClr val="accent1">
+              <a:shade val="50000"/>
+            </a:schemeClr>
+          </a:lnRef>
+          <a:fillRef idx="1">
+            <a:schemeClr val="accent1"/>
+          </a:fillRef>
+          <a:effectRef idx="0">
+            <a:schemeClr val="accent1"/>
+          </a:effectRef>
+          <a:fontRef idx="minor">
+            <a:schemeClr val="lt1"/>
+          </a:fontRef>
+        </p:style>
+        <p:txBody>
+          <a:bodyPr rtlCol="0" anchor="ctr"/>
+          <a:lstStyle/>
+          <a:p>
+            <a:pPr algn="ctr"/>
+            <a:r>
+              <a:rPr lang="he-IL" dirty="0"/>
+              <a:t>הצגת כל המילים בטקסט</a:t>
+            </a:r>
+            <a:endParaRPr lang="LID4096" dirty="0"/>
+          </a:p>
+        </p:txBody>
+      </p:sp>
+      <p:sp>
+        <p:nvSpPr>
+          <p:cNvPr id="29" name="Rectangle 28">
+            <a:extLst>
+              <a:ext uri="{FF2B5EF4-FFF2-40B4-BE49-F238E27FC236}">
+                <a16:creationId xmlns:a16="http://schemas.microsoft.com/office/drawing/2014/main" id="{E15CD38E-D0B8-4B9B-9007-359A3BFC62E5}"/>
+              </a:ext>
+            </a:extLst>
+          </p:cNvPr>
+          <p:cNvSpPr/>
+          <p:nvPr/>
+        </p:nvSpPr>
+        <p:spPr>
+          <a:xfrm>
+            <a:off x="572509" y="1265759"/>
+            <a:ext cx="1182849" cy="486562"/>
+          </a:xfrm>
+          <a:prstGeom prst="rect">
+            <a:avLst/>
+          </a:prstGeom>
+        </p:spPr>
+        <p:style>
+          <a:lnRef idx="2">
+            <a:schemeClr val="accent1">
+              <a:shade val="50000"/>
+            </a:schemeClr>
+          </a:lnRef>
+          <a:fillRef idx="1">
+            <a:schemeClr val="accent1"/>
+          </a:fillRef>
+          <a:effectRef idx="0">
+            <a:schemeClr val="accent1"/>
+          </a:effectRef>
+          <a:fontRef idx="minor">
+            <a:schemeClr val="lt1"/>
+          </a:fontRef>
+        </p:style>
+        <p:txBody>
+          <a:bodyPr rtlCol="0" anchor="ctr"/>
+          <a:lstStyle/>
+          <a:p>
+            <a:pPr algn="ctr"/>
+            <a:r>
+              <a:rPr lang="he-IL" dirty="0"/>
+              <a:t>שלח</a:t>
+            </a:r>
+            <a:endParaRPr lang="LID4096" dirty="0"/>
+          </a:p>
+        </p:txBody>
+      </p:sp>
+      <p:sp>
+        <p:nvSpPr>
+          <p:cNvPr id="19" name="Rectangle 18">
+            <a:extLst>
+              <a:ext uri="{FF2B5EF4-FFF2-40B4-BE49-F238E27FC236}">
+                <a16:creationId xmlns:a16="http://schemas.microsoft.com/office/drawing/2014/main" id="{BBC71F65-9005-4DF6-8EC6-0B5DB96B4540}"/>
+              </a:ext>
+            </a:extLst>
+          </p:cNvPr>
+          <p:cNvSpPr/>
+          <p:nvPr/>
+        </p:nvSpPr>
+        <p:spPr>
+          <a:xfrm>
+            <a:off x="2225142" y="1240592"/>
+            <a:ext cx="4513277" cy="486562"/>
+          </a:xfrm>
+          <a:prstGeom prst="rect">
+            <a:avLst/>
+          </a:prstGeom>
+        </p:spPr>
+        <p:style>
+          <a:lnRef idx="2">
+            <a:schemeClr val="accent1">
+              <a:shade val="50000"/>
+            </a:schemeClr>
+          </a:lnRef>
+          <a:fillRef idx="1">
+            <a:schemeClr val="accent1"/>
+          </a:fillRef>
+          <a:effectRef idx="0">
+            <a:schemeClr val="accent1"/>
+          </a:effectRef>
+          <a:fontRef idx="minor">
+            <a:schemeClr val="lt1"/>
+          </a:fontRef>
+        </p:style>
+        <p:txBody>
+          <a:bodyPr rtlCol="0" anchor="ctr"/>
+          <a:lstStyle/>
+          <a:p>
+            <a:pPr algn="ctr"/>
+            <a:endParaRPr lang="LID4096"/>
+          </a:p>
+        </p:txBody>
+      </p:sp>
+      <p:sp>
+        <p:nvSpPr>
+          <p:cNvPr id="20" name="TextBox 19">
+            <a:extLst>
+              <a:ext uri="{FF2B5EF4-FFF2-40B4-BE49-F238E27FC236}">
+                <a16:creationId xmlns:a16="http://schemas.microsoft.com/office/drawing/2014/main" id="{A1E184C2-7A7F-43AA-A3FE-E75BE792B91E}"/>
+              </a:ext>
+            </a:extLst>
+          </p:cNvPr>
+          <p:cNvSpPr txBox="1"/>
+          <p:nvPr/>
+        </p:nvSpPr>
+        <p:spPr>
+          <a:xfrm>
+            <a:off x="7208203" y="1265759"/>
+            <a:ext cx="2357037" cy="369332"/>
+          </a:xfrm>
+          <a:prstGeom prst="rect">
+            <a:avLst/>
+          </a:prstGeom>
+          <a:noFill/>
+        </p:spPr>
+        <p:txBody>
+          <a:bodyPr wrap="square" rtlCol="0">
+            <a:spAutoFit/>
+          </a:bodyPr>
+          <a:lstStyle/>
+          <a:p>
+            <a:r>
+              <a:rPr lang="he-IL" dirty="0" err="1"/>
+              <a:t>פלטר</a:t>
+            </a:r>
+            <a:r>
+              <a:rPr lang="he-IL" dirty="0"/>
+              <a:t> לפי מזהה מסמך:</a:t>
+            </a:r>
+            <a:endParaRPr lang="LID4096" dirty="0"/>
+          </a:p>
+        </p:txBody>
+      </p:sp>
+      <p:graphicFrame>
+        <p:nvGraphicFramePr>
+          <p:cNvPr id="21" name="Table 13">
+            <a:extLst>
+              <a:ext uri="{FF2B5EF4-FFF2-40B4-BE49-F238E27FC236}">
+                <a16:creationId xmlns:a16="http://schemas.microsoft.com/office/drawing/2014/main" id="{58609AF1-EE48-435F-966B-01A5980663FB}"/>
+              </a:ext>
+            </a:extLst>
+          </p:cNvPr>
+          <p:cNvGraphicFramePr>
+            <a:graphicFrameLocks noGrp="1"/>
+          </p:cNvGraphicFramePr>
+          <p:nvPr>
+            <p:extLst>
+              <p:ext uri="{D42A27DB-BD31-4B8C-83A1-F6EECF244321}">
+                <p14:modId xmlns:p14="http://schemas.microsoft.com/office/powerpoint/2010/main" val="4055683545"/>
+              </p:ext>
+            </p:extLst>
+          </p:nvPr>
+        </p:nvGraphicFramePr>
+        <p:xfrm>
+          <a:off x="572509" y="2162404"/>
+          <a:ext cx="8597168" cy="3666592"/>
+        </p:xfrm>
+        <a:graphic>
+          <a:graphicData uri="http://schemas.openxmlformats.org/drawingml/2006/table">
+            <a:tbl>
+              <a:tblPr firstRow="1" bandRow="1">
+                <a:tableStyleId>{5C22544A-7EE6-4342-B048-85BDC9FD1C3A}</a:tableStyleId>
+              </a:tblPr>
+              <a:tblGrid>
+                <a:gridCol w="4298584">
+                  <a:extLst>
+                    <a:ext uri="{9D8B030D-6E8A-4147-A177-3AD203B41FA5}">
+                      <a16:colId xmlns:a16="http://schemas.microsoft.com/office/drawing/2014/main" val="2360813766"/>
+                    </a:ext>
+                  </a:extLst>
+                </a:gridCol>
+                <a:gridCol w="4298584">
+                  <a:extLst>
+                    <a:ext uri="{9D8B030D-6E8A-4147-A177-3AD203B41FA5}">
+                      <a16:colId xmlns:a16="http://schemas.microsoft.com/office/drawing/2014/main" val="3254106468"/>
+                    </a:ext>
+                  </a:extLst>
+                </a:gridCol>
+              </a:tblGrid>
+              <a:tr h="458324">
+                <a:tc>
+                  <a:txBody>
+                    <a:bodyPr/>
+                    <a:lstStyle/>
+                    <a:p>
+                      <a:r>
+                        <a:rPr lang="en-US" dirty="0"/>
+                        <a:t>Title</a:t>
+                      </a:r>
+                      <a:endParaRPr lang="LID4096" dirty="0"/>
+                    </a:p>
+                  </a:txBody>
+                  <a:tcPr/>
+                </a:tc>
+                <a:tc>
+                  <a:txBody>
+                    <a:bodyPr/>
+                    <a:lstStyle/>
+                    <a:p>
+                      <a:r>
+                        <a:rPr lang="en-US" dirty="0"/>
+                        <a:t>Text  Id</a:t>
+                      </a:r>
+                    </a:p>
+                  </a:txBody>
+                  <a:tcPr/>
+                </a:tc>
+                <a:extLst>
+                  <a:ext uri="{0D108BD9-81ED-4DB2-BD59-A6C34878D82A}">
+                    <a16:rowId xmlns:a16="http://schemas.microsoft.com/office/drawing/2014/main" val="2786330326"/>
+                  </a:ext>
+                </a:extLst>
+              </a:tr>
+              <a:tr h="458324">
+                <a:tc>
+                  <a:txBody>
+                    <a:bodyPr/>
+                    <a:lstStyle/>
+                    <a:p>
+                      <a:endParaRPr lang="LID4096"/>
+                    </a:p>
+                  </a:txBody>
+                  <a:tcPr/>
+                </a:tc>
+                <a:tc>
+                  <a:txBody>
+                    <a:bodyPr/>
+                    <a:lstStyle/>
+                    <a:p>
+                      <a:endParaRPr lang="LID4096"/>
+                    </a:p>
+                  </a:txBody>
+                  <a:tcPr/>
+                </a:tc>
+                <a:extLst>
+                  <a:ext uri="{0D108BD9-81ED-4DB2-BD59-A6C34878D82A}">
+                    <a16:rowId xmlns:a16="http://schemas.microsoft.com/office/drawing/2014/main" val="1050704012"/>
+                  </a:ext>
+                </a:extLst>
+              </a:tr>
+              <a:tr h="458324">
+                <a:tc>
+                  <a:txBody>
+                    <a:bodyPr/>
+                    <a:lstStyle/>
+                    <a:p>
+                      <a:endParaRPr lang="LID4096" dirty="0"/>
+                    </a:p>
+                  </a:txBody>
+                  <a:tcPr/>
+                </a:tc>
+                <a:tc>
+                  <a:txBody>
+                    <a:bodyPr/>
+                    <a:lstStyle/>
+                    <a:p>
+                      <a:endParaRPr lang="LID4096"/>
+                    </a:p>
+                  </a:txBody>
+                  <a:tcPr/>
+                </a:tc>
+                <a:extLst>
+                  <a:ext uri="{0D108BD9-81ED-4DB2-BD59-A6C34878D82A}">
+                    <a16:rowId xmlns:a16="http://schemas.microsoft.com/office/drawing/2014/main" val="1702840811"/>
+                  </a:ext>
+                </a:extLst>
+              </a:tr>
+              <a:tr h="458324">
+                <a:tc>
+                  <a:txBody>
+                    <a:bodyPr/>
+                    <a:lstStyle/>
+                    <a:p>
+                      <a:endParaRPr lang="LID4096"/>
+                    </a:p>
+                  </a:txBody>
+                  <a:tcPr/>
+                </a:tc>
+                <a:tc>
+                  <a:txBody>
+                    <a:bodyPr/>
+                    <a:lstStyle/>
+                    <a:p>
+                      <a:endParaRPr lang="LID4096"/>
+                    </a:p>
+                  </a:txBody>
+                  <a:tcPr/>
+                </a:tc>
+                <a:extLst>
+                  <a:ext uri="{0D108BD9-81ED-4DB2-BD59-A6C34878D82A}">
+                    <a16:rowId xmlns:a16="http://schemas.microsoft.com/office/drawing/2014/main" val="2757324517"/>
+                  </a:ext>
+                </a:extLst>
+              </a:tr>
+              <a:tr h="458324">
+                <a:tc>
+                  <a:txBody>
+                    <a:bodyPr/>
+                    <a:lstStyle/>
+                    <a:p>
+                      <a:endParaRPr lang="LID4096"/>
+                    </a:p>
+                  </a:txBody>
+                  <a:tcPr/>
+                </a:tc>
+                <a:tc>
+                  <a:txBody>
+                    <a:bodyPr/>
+                    <a:lstStyle/>
+                    <a:p>
+                      <a:endParaRPr lang="LID4096"/>
+                    </a:p>
+                  </a:txBody>
+                  <a:tcPr/>
+                </a:tc>
+                <a:extLst>
+                  <a:ext uri="{0D108BD9-81ED-4DB2-BD59-A6C34878D82A}">
+                    <a16:rowId xmlns:a16="http://schemas.microsoft.com/office/drawing/2014/main" val="3055876711"/>
+                  </a:ext>
+                </a:extLst>
+              </a:tr>
+              <a:tr h="458324">
+                <a:tc>
+                  <a:txBody>
+                    <a:bodyPr/>
+                    <a:lstStyle/>
+                    <a:p>
+                      <a:endParaRPr lang="LID4096"/>
+                    </a:p>
+                  </a:txBody>
+                  <a:tcPr/>
+                </a:tc>
+                <a:tc>
+                  <a:txBody>
+                    <a:bodyPr/>
+                    <a:lstStyle/>
+                    <a:p>
+                      <a:endParaRPr lang="LID4096"/>
+                    </a:p>
+                  </a:txBody>
+                  <a:tcPr/>
+                </a:tc>
+                <a:extLst>
+                  <a:ext uri="{0D108BD9-81ED-4DB2-BD59-A6C34878D82A}">
+                    <a16:rowId xmlns:a16="http://schemas.microsoft.com/office/drawing/2014/main" val="1281688629"/>
+                  </a:ext>
+                </a:extLst>
+              </a:tr>
+              <a:tr h="458324">
+                <a:tc>
+                  <a:txBody>
+                    <a:bodyPr/>
+                    <a:lstStyle/>
+                    <a:p>
+                      <a:endParaRPr lang="LID4096"/>
+                    </a:p>
+                  </a:txBody>
+                  <a:tcPr/>
+                </a:tc>
+                <a:tc>
+                  <a:txBody>
+                    <a:bodyPr/>
+                    <a:lstStyle/>
+                    <a:p>
+                      <a:endParaRPr lang="LID4096"/>
+                    </a:p>
+                  </a:txBody>
+                  <a:tcPr/>
+                </a:tc>
+                <a:extLst>
+                  <a:ext uri="{0D108BD9-81ED-4DB2-BD59-A6C34878D82A}">
+                    <a16:rowId xmlns:a16="http://schemas.microsoft.com/office/drawing/2014/main" val="301327085"/>
+                  </a:ext>
+                </a:extLst>
+              </a:tr>
+              <a:tr h="458324">
+                <a:tc>
+                  <a:txBody>
+                    <a:bodyPr/>
+                    <a:lstStyle/>
+                    <a:p>
+                      <a:endParaRPr lang="LID4096"/>
+                    </a:p>
+                  </a:txBody>
+                  <a:tcPr/>
+                </a:tc>
+                <a:tc>
+                  <a:txBody>
+                    <a:bodyPr/>
+                    <a:lstStyle/>
+                    <a:p>
+                      <a:endParaRPr lang="LID4096" dirty="0"/>
+                    </a:p>
+                  </a:txBody>
+                  <a:tcPr/>
+                </a:tc>
+                <a:extLst>
+                  <a:ext uri="{0D108BD9-81ED-4DB2-BD59-A6C34878D82A}">
+                    <a16:rowId xmlns:a16="http://schemas.microsoft.com/office/drawing/2014/main" val="2757739870"/>
+                  </a:ext>
+                </a:extLst>
+              </a:tr>
+            </a:tbl>
+          </a:graphicData>
+        </a:graphic>
+      </p:graphicFrame>
+    </p:spTree>
+    <p:extLst>
+      <p:ext uri="{BB962C8B-B14F-4D97-AF65-F5344CB8AC3E}">
+        <p14:creationId xmlns:p14="http://schemas.microsoft.com/office/powerpoint/2010/main" val="2956857031"/>
+      </p:ext>
+    </p:extLst>
+  </p:cSld>
+  <p:clrMapOvr>
+    <a:masterClrMapping/>
+  </p:clrMapOvr>
+</p:sld>
+</file>
+
+<file path=ppt/slides/slide5.xml><?xml version="1.0" encoding="utf-8"?>
+<p:sld xmlns:a="http://schemas.openxmlformats.org/drawingml/2006/main" xmlns:r="http://schemas.openxmlformats.org/officeDocument/2006/relationships" xmlns:p="http://schemas.openxmlformats.org/presentationml/2006/main">
+  <p:cSld>
+    <p:spTree>
+      <p:nvGrpSpPr>
+        <p:cNvPr id="1" name=""/>
+        <p:cNvGrpSpPr/>
+        <p:nvPr/>
+      </p:nvGrpSpPr>
+      <p:grpSpPr>
+        <a:xfrm>
+          <a:off x="0" y="0"/>
+          <a:ext cx="0" cy="0"/>
+          <a:chOff x="0" y="0"/>
+          <a:chExt cx="0" cy="0"/>
+        </a:xfrm>
+      </p:grpSpPr>
+      <p:sp>
+        <p:nvSpPr>
+          <p:cNvPr id="4" name="Rectangle 3">
+            <a:extLst>
+              <a:ext uri="{FF2B5EF4-FFF2-40B4-BE49-F238E27FC236}">
+                <a16:creationId xmlns:a16="http://schemas.microsoft.com/office/drawing/2014/main" id="{9D08D7E8-1348-4094-941D-E1F7A75843A4}"/>
+              </a:ext>
+            </a:extLst>
+          </p:cNvPr>
+          <p:cNvSpPr/>
+          <p:nvPr/>
+        </p:nvSpPr>
+        <p:spPr>
+          <a:xfrm>
+            <a:off x="9949343" y="0"/>
+            <a:ext cx="2242657" cy="6858000"/>
+          </a:xfrm>
+          <a:prstGeom prst="rect">
+            <a:avLst/>
+          </a:prstGeom>
+        </p:spPr>
+        <p:style>
+          <a:lnRef idx="2">
+            <a:schemeClr val="accent1">
+              <a:shade val="50000"/>
+            </a:schemeClr>
+          </a:lnRef>
+          <a:fillRef idx="1">
+            <a:schemeClr val="accent1"/>
+          </a:fillRef>
+          <a:effectRef idx="0">
+            <a:schemeClr val="accent1"/>
+          </a:effectRef>
+          <a:fontRef idx="minor">
+            <a:schemeClr val="lt1"/>
+          </a:fontRef>
+        </p:style>
+        <p:txBody>
+          <a:bodyPr rtlCol="0" anchor="ctr"/>
+          <a:lstStyle/>
+          <a:p>
+            <a:pPr algn="ctr"/>
+            <a:endParaRPr lang="LID4096"/>
+          </a:p>
+        </p:txBody>
+      </p:sp>
+      <p:sp>
+        <p:nvSpPr>
+          <p:cNvPr id="5" name="Rectangle: Rounded Corners 4">
+            <a:extLst>
+              <a:ext uri="{FF2B5EF4-FFF2-40B4-BE49-F238E27FC236}">
+                <a16:creationId xmlns:a16="http://schemas.microsoft.com/office/drawing/2014/main" id="{678551CD-302F-48DE-9FF4-1EE06ACBFC3E}"/>
+              </a:ext>
+            </a:extLst>
+          </p:cNvPr>
+          <p:cNvSpPr/>
+          <p:nvPr/>
+        </p:nvSpPr>
+        <p:spPr>
+          <a:xfrm>
+            <a:off x="10043018" y="1355603"/>
+            <a:ext cx="2055303" cy="403614"/>
+          </a:xfrm>
+          <a:prstGeom prst="roundRect">
+            <a:avLst/>
+          </a:prstGeom>
+        </p:spPr>
+        <p:style>
+          <a:lnRef idx="2">
+            <a:schemeClr val="accent1">
+              <a:shade val="50000"/>
+            </a:schemeClr>
+          </a:lnRef>
+          <a:fillRef idx="1">
+            <a:schemeClr val="accent1"/>
+          </a:fillRef>
+          <a:effectRef idx="0">
+            <a:schemeClr val="accent1"/>
+          </a:effectRef>
+          <a:fontRef idx="minor">
+            <a:schemeClr val="lt1"/>
+          </a:fontRef>
+        </p:style>
+        <p:txBody>
+          <a:bodyPr rtlCol="0" anchor="ctr"/>
+          <a:lstStyle/>
+          <a:p>
+            <a:pPr algn="ctr"/>
+            <a:r>
+              <a:rPr lang="he-IL" dirty="0"/>
+              <a:t>טעינת מסמכים</a:t>
+            </a:r>
+            <a:endParaRPr lang="LID4096" dirty="0"/>
+          </a:p>
+        </p:txBody>
+      </p:sp>
+      <p:sp>
+        <p:nvSpPr>
+          <p:cNvPr id="6" name="Rectangle: Rounded Corners 5">
+            <a:extLst>
+              <a:ext uri="{FF2B5EF4-FFF2-40B4-BE49-F238E27FC236}">
+                <a16:creationId xmlns:a16="http://schemas.microsoft.com/office/drawing/2014/main" id="{A3757693-1624-4A3C-A1EC-B738DCFB92C7}"/>
+              </a:ext>
+            </a:extLst>
+          </p:cNvPr>
+          <p:cNvSpPr/>
+          <p:nvPr/>
+        </p:nvSpPr>
+        <p:spPr>
+          <a:xfrm>
+            <a:off x="10006795" y="1823557"/>
+            <a:ext cx="2055303" cy="453947"/>
+          </a:xfrm>
+          <a:prstGeom prst="roundRect">
+            <a:avLst/>
+          </a:prstGeom>
+        </p:spPr>
+        <p:style>
+          <a:lnRef idx="2">
+            <a:schemeClr val="accent1">
+              <a:shade val="50000"/>
+            </a:schemeClr>
+          </a:lnRef>
+          <a:fillRef idx="1">
+            <a:schemeClr val="accent1"/>
+          </a:fillRef>
+          <a:effectRef idx="0">
+            <a:schemeClr val="accent1"/>
+          </a:effectRef>
+          <a:fontRef idx="minor">
+            <a:schemeClr val="lt1"/>
+          </a:fontRef>
+        </p:style>
+        <p:txBody>
+          <a:bodyPr rtlCol="0" anchor="ctr"/>
+          <a:lstStyle/>
+          <a:p>
+            <a:pPr algn="ctr"/>
+            <a:r>
+              <a:rPr lang="he-IL" dirty="0"/>
+              <a:t>הכנסת נתונים מובנים</a:t>
+            </a:r>
+            <a:endParaRPr lang="LID4096" dirty="0"/>
+          </a:p>
+        </p:txBody>
+      </p:sp>
+      <p:sp>
+        <p:nvSpPr>
+          <p:cNvPr id="7" name="Rectangle: Rounded Corners 6">
+            <a:extLst>
+              <a:ext uri="{FF2B5EF4-FFF2-40B4-BE49-F238E27FC236}">
+                <a16:creationId xmlns:a16="http://schemas.microsoft.com/office/drawing/2014/main" id="{9F260B32-97DC-4743-9EE9-D606024F3DA1}"/>
+              </a:ext>
+            </a:extLst>
+          </p:cNvPr>
+          <p:cNvSpPr/>
+          <p:nvPr/>
+        </p:nvSpPr>
+        <p:spPr>
+          <a:xfrm>
+            <a:off x="10043019" y="2352494"/>
+            <a:ext cx="2055303" cy="476844"/>
+          </a:xfrm>
+          <a:prstGeom prst="roundRect">
+            <a:avLst/>
+          </a:prstGeom>
+        </p:spPr>
+        <p:style>
+          <a:lnRef idx="2">
+            <a:schemeClr val="accent1">
+              <a:shade val="50000"/>
+            </a:schemeClr>
+          </a:lnRef>
+          <a:fillRef idx="1">
+            <a:schemeClr val="accent1"/>
+          </a:fillRef>
+          <a:effectRef idx="0">
+            <a:schemeClr val="accent1"/>
+          </a:effectRef>
+          <a:fontRef idx="minor">
+            <a:schemeClr val="lt1"/>
+          </a:fontRef>
+        </p:style>
+        <p:txBody>
+          <a:bodyPr rtlCol="0" anchor="ctr"/>
+          <a:lstStyle/>
+          <a:p>
+            <a:pPr algn="ctr"/>
+            <a:r>
+              <a:rPr lang="he-IL" dirty="0"/>
+              <a:t>הצגת כל המילים בטקסט</a:t>
+            </a:r>
+            <a:endParaRPr lang="LID4096" dirty="0"/>
+          </a:p>
+        </p:txBody>
+      </p:sp>
+      <p:sp>
+        <p:nvSpPr>
+          <p:cNvPr id="8" name="Rectangle: Rounded Corners 7">
+            <a:extLst>
+              <a:ext uri="{FF2B5EF4-FFF2-40B4-BE49-F238E27FC236}">
+                <a16:creationId xmlns:a16="http://schemas.microsoft.com/office/drawing/2014/main" id="{BFDA8C7F-CCC1-4AE7-A805-DB8AE2A1676F}"/>
+              </a:ext>
+            </a:extLst>
+          </p:cNvPr>
+          <p:cNvSpPr/>
+          <p:nvPr/>
+        </p:nvSpPr>
+        <p:spPr>
+          <a:xfrm>
+            <a:off x="10059798" y="2915106"/>
+            <a:ext cx="2055303" cy="492224"/>
+          </a:xfrm>
+          <a:prstGeom prst="roundRect">
+            <a:avLst/>
+          </a:prstGeom>
+        </p:spPr>
+        <p:style>
+          <a:lnRef idx="2">
+            <a:schemeClr val="accent1">
+              <a:shade val="50000"/>
+            </a:schemeClr>
+          </a:lnRef>
+          <a:fillRef idx="1">
+            <a:schemeClr val="accent1"/>
+          </a:fillRef>
+          <a:effectRef idx="0">
+            <a:schemeClr val="accent1"/>
+          </a:effectRef>
+          <a:fontRef idx="minor">
+            <a:schemeClr val="lt1"/>
+          </a:fontRef>
+        </p:style>
+        <p:txBody>
+          <a:bodyPr rtlCol="0" anchor="ctr"/>
+          <a:lstStyle/>
+          <a:p>
+            <a:pPr algn="ctr"/>
+            <a:r>
+              <a:rPr lang="he-IL" dirty="0"/>
+              <a:t>הצגת כל המילים כאינדקס</a:t>
+            </a:r>
+            <a:endParaRPr lang="LID4096" dirty="0"/>
+          </a:p>
+        </p:txBody>
+      </p:sp>
+      <p:sp>
+        <p:nvSpPr>
+          <p:cNvPr id="9" name="Rectangle: Rounded Corners 8">
+            <a:extLst>
+              <a:ext uri="{FF2B5EF4-FFF2-40B4-BE49-F238E27FC236}">
+                <a16:creationId xmlns:a16="http://schemas.microsoft.com/office/drawing/2014/main" id="{93BED076-AB0F-4143-8234-C2D92456C04E}"/>
+              </a:ext>
+            </a:extLst>
+          </p:cNvPr>
+          <p:cNvSpPr/>
+          <p:nvPr/>
+        </p:nvSpPr>
+        <p:spPr>
+          <a:xfrm>
+            <a:off x="10069585" y="3475841"/>
+            <a:ext cx="2055303" cy="755009"/>
+          </a:xfrm>
+          <a:prstGeom prst="roundRect">
+            <a:avLst/>
+          </a:prstGeom>
+        </p:spPr>
+        <p:style>
+          <a:lnRef idx="2">
+            <a:schemeClr val="accent1">
+              <a:shade val="50000"/>
+            </a:schemeClr>
+          </a:lnRef>
+          <a:fillRef idx="1">
+            <a:schemeClr val="accent1"/>
+          </a:fillRef>
+          <a:effectRef idx="0">
+            <a:schemeClr val="accent1"/>
+          </a:effectRef>
+          <a:fontRef idx="minor">
+            <a:schemeClr val="lt1"/>
+          </a:fontRef>
+        </p:style>
+        <p:txBody>
+          <a:bodyPr rtlCol="0" anchor="ctr"/>
+          <a:lstStyle/>
+          <a:p>
+            <a:pPr algn="ctr"/>
+            <a:r>
+              <a:rPr lang="he-IL" dirty="0"/>
+              <a:t>איתור מילה לפי המיקום שלה</a:t>
+            </a:r>
+            <a:endParaRPr lang="LID4096" dirty="0"/>
+          </a:p>
+        </p:txBody>
+      </p:sp>
+      <p:sp>
+        <p:nvSpPr>
+          <p:cNvPr id="10" name="Rectangle: Rounded Corners 9">
+            <a:extLst>
+              <a:ext uri="{FF2B5EF4-FFF2-40B4-BE49-F238E27FC236}">
+                <a16:creationId xmlns:a16="http://schemas.microsoft.com/office/drawing/2014/main" id="{94BA2B08-BAA0-4941-8AC1-7296F2FD1B81}"/>
+              </a:ext>
+            </a:extLst>
+          </p:cNvPr>
+          <p:cNvSpPr/>
+          <p:nvPr/>
+        </p:nvSpPr>
+        <p:spPr>
+          <a:xfrm>
+            <a:off x="10062594" y="4282583"/>
+            <a:ext cx="2055303" cy="755009"/>
+          </a:xfrm>
+          <a:prstGeom prst="roundRect">
+            <a:avLst/>
+          </a:prstGeom>
+        </p:spPr>
+        <p:style>
+          <a:lnRef idx="2">
+            <a:schemeClr val="accent1">
+              <a:shade val="50000"/>
+            </a:schemeClr>
+          </a:lnRef>
+          <a:fillRef idx="1">
+            <a:schemeClr val="accent1"/>
+          </a:fillRef>
+          <a:effectRef idx="0">
+            <a:schemeClr val="accent1"/>
+          </a:effectRef>
+          <a:fontRef idx="minor">
+            <a:schemeClr val="lt1"/>
+          </a:fontRef>
+        </p:style>
+        <p:txBody>
+          <a:bodyPr rtlCol="0" anchor="ctr"/>
+          <a:lstStyle/>
+          <a:p>
+            <a:pPr algn="ctr"/>
+            <a:r>
+              <a:rPr lang="he-IL" sz="1400" dirty="0"/>
+              <a:t>הגדרת קבוצות של מילים בעלות משמעות מיוחדת וצפייה כאינדקס</a:t>
+            </a:r>
+            <a:endParaRPr lang="LID4096" sz="1400" dirty="0"/>
+          </a:p>
+        </p:txBody>
+      </p:sp>
+      <p:sp>
+        <p:nvSpPr>
+          <p:cNvPr id="11" name="Rectangle: Rounded Corners 10">
+            <a:extLst>
+              <a:ext uri="{FF2B5EF4-FFF2-40B4-BE49-F238E27FC236}">
+                <a16:creationId xmlns:a16="http://schemas.microsoft.com/office/drawing/2014/main" id="{ED742705-0483-4FB3-9D63-924D2E800B84}"/>
+              </a:ext>
+            </a:extLst>
+          </p:cNvPr>
+          <p:cNvSpPr/>
+          <p:nvPr/>
+        </p:nvSpPr>
+        <p:spPr>
+          <a:xfrm>
+            <a:off x="10054205" y="5079538"/>
+            <a:ext cx="2055303" cy="755009"/>
+          </a:xfrm>
+          <a:prstGeom prst="roundRect">
+            <a:avLst/>
+          </a:prstGeom>
+        </p:spPr>
+        <p:style>
+          <a:lnRef idx="2">
+            <a:schemeClr val="accent1">
+              <a:shade val="50000"/>
+            </a:schemeClr>
+          </a:lnRef>
+          <a:fillRef idx="1">
+            <a:schemeClr val="accent1"/>
+          </a:fillRef>
+          <a:effectRef idx="0">
+            <a:schemeClr val="accent1"/>
+          </a:effectRef>
+          <a:fontRef idx="minor">
+            <a:schemeClr val="lt1"/>
+          </a:fontRef>
+        </p:style>
+        <p:txBody>
+          <a:bodyPr rtlCol="0" anchor="ctr"/>
+          <a:lstStyle/>
+          <a:p>
+            <a:pPr algn="ctr"/>
+            <a:r>
+              <a:rPr lang="he-IL" dirty="0"/>
+              <a:t>אחסנת ביטויים לשוניים</a:t>
+            </a:r>
+            <a:endParaRPr lang="LID4096" dirty="0"/>
+          </a:p>
+        </p:txBody>
+      </p:sp>
+      <p:sp>
+        <p:nvSpPr>
+          <p:cNvPr id="12" name="Rectangle: Rounded Corners 11">
+            <a:extLst>
+              <a:ext uri="{FF2B5EF4-FFF2-40B4-BE49-F238E27FC236}">
+                <a16:creationId xmlns:a16="http://schemas.microsoft.com/office/drawing/2014/main" id="{F1828DAB-33D1-464B-8E7A-9DA93EC2C52C}"/>
+              </a:ext>
+            </a:extLst>
+          </p:cNvPr>
+          <p:cNvSpPr/>
+          <p:nvPr/>
+        </p:nvSpPr>
+        <p:spPr>
+          <a:xfrm>
+            <a:off x="10055603" y="5886280"/>
+            <a:ext cx="2055303" cy="755009"/>
+          </a:xfrm>
+          <a:prstGeom prst="roundRect">
+            <a:avLst/>
+          </a:prstGeom>
+        </p:spPr>
+        <p:style>
+          <a:lnRef idx="2">
+            <a:schemeClr val="accent1">
+              <a:shade val="50000"/>
+            </a:schemeClr>
+          </a:lnRef>
+          <a:fillRef idx="1">
+            <a:schemeClr val="accent1"/>
+          </a:fillRef>
+          <a:effectRef idx="0">
+            <a:schemeClr val="accent1"/>
+          </a:effectRef>
+          <a:fontRef idx="minor">
+            <a:schemeClr val="lt1"/>
+          </a:fontRef>
+        </p:style>
+        <p:txBody>
+          <a:bodyPr rtlCol="0" anchor="ctr"/>
+          <a:lstStyle/>
+          <a:p>
+            <a:pPr algn="ctr"/>
+            <a:r>
+              <a:rPr lang="he-IL" dirty="0"/>
+              <a:t>נתונים סטטיסטיים</a:t>
+            </a:r>
+            <a:endParaRPr lang="LID4096" dirty="0"/>
+          </a:p>
+        </p:txBody>
+      </p:sp>
+      <p:sp>
+        <p:nvSpPr>
+          <p:cNvPr id="22" name="Rectangle: Rounded Corners 21">
+            <a:extLst>
+              <a:ext uri="{FF2B5EF4-FFF2-40B4-BE49-F238E27FC236}">
+                <a16:creationId xmlns:a16="http://schemas.microsoft.com/office/drawing/2014/main" id="{268853CB-0393-4864-8E9B-F58F27C329F4}"/>
+              </a:ext>
+            </a:extLst>
+          </p:cNvPr>
+          <p:cNvSpPr/>
+          <p:nvPr/>
+        </p:nvSpPr>
+        <p:spPr>
+          <a:xfrm>
+            <a:off x="10062594" y="909105"/>
+            <a:ext cx="2055303" cy="403614"/>
+          </a:xfrm>
+          <a:prstGeom prst="roundRect">
+            <a:avLst/>
+          </a:prstGeom>
+        </p:spPr>
+        <p:style>
+          <a:lnRef idx="2">
+            <a:schemeClr val="accent1">
+              <a:shade val="50000"/>
+            </a:schemeClr>
+          </a:lnRef>
+          <a:fillRef idx="1">
+            <a:schemeClr val="accent1"/>
+          </a:fillRef>
+          <a:effectRef idx="0">
+            <a:schemeClr val="accent1"/>
+          </a:effectRef>
+          <a:fontRef idx="minor">
+            <a:schemeClr val="lt1"/>
+          </a:fontRef>
+        </p:style>
+        <p:txBody>
+          <a:bodyPr rtlCol="0" anchor="ctr"/>
+          <a:lstStyle/>
+          <a:p>
+            <a:pPr algn="ctr"/>
+            <a:r>
+              <a:rPr lang="he-IL" dirty="0"/>
+              <a:t>שליפת מסמכים</a:t>
+            </a:r>
+            <a:endParaRPr lang="LID4096" dirty="0"/>
+          </a:p>
+        </p:txBody>
+      </p:sp>
+      <p:sp>
+        <p:nvSpPr>
+          <p:cNvPr id="23" name="Rectangle: Rounded Corners 22">
+            <a:extLst>
+              <a:ext uri="{FF2B5EF4-FFF2-40B4-BE49-F238E27FC236}">
+                <a16:creationId xmlns:a16="http://schemas.microsoft.com/office/drawing/2014/main" id="{9C69875C-CC73-42D3-B878-F65C417FD4BD}"/>
+              </a:ext>
+            </a:extLst>
+          </p:cNvPr>
+          <p:cNvSpPr/>
+          <p:nvPr/>
+        </p:nvSpPr>
+        <p:spPr>
+          <a:xfrm>
+            <a:off x="10043018" y="79334"/>
+            <a:ext cx="1983723" cy="756382"/>
+          </a:xfrm>
+          <a:prstGeom prst="roundRect">
+            <a:avLst/>
+          </a:prstGeom>
+        </p:spPr>
+        <p:style>
+          <a:lnRef idx="2">
+            <a:schemeClr val="accent1">
+              <a:shade val="50000"/>
+            </a:schemeClr>
+          </a:lnRef>
+          <a:fillRef idx="1">
+            <a:schemeClr val="accent1"/>
+          </a:fillRef>
+          <a:effectRef idx="0">
+            <a:schemeClr val="accent1"/>
+          </a:effectRef>
+          <a:fontRef idx="minor">
+            <a:schemeClr val="lt1"/>
+          </a:fontRef>
+        </p:style>
+        <p:txBody>
+          <a:bodyPr rtlCol="0" anchor="ctr"/>
+          <a:lstStyle/>
+          <a:p>
+            <a:pPr algn="ctr"/>
+            <a:r>
+              <a:rPr lang="he-IL" dirty="0">
+                <a:solidFill>
+                  <a:schemeClr val="tx1"/>
+                </a:solidFill>
+              </a:rPr>
+              <a:t>מערכת שירותי קונקורדנציה ואחזור טקסט</a:t>
+            </a:r>
+            <a:endParaRPr lang="LID4096" dirty="0">
+              <a:solidFill>
+                <a:schemeClr val="tx1"/>
+              </a:solidFill>
+            </a:endParaRPr>
+          </a:p>
+        </p:txBody>
+      </p:sp>
+      <p:sp>
+        <p:nvSpPr>
+          <p:cNvPr id="24" name="Rectangle 23">
+            <a:extLst>
+              <a:ext uri="{FF2B5EF4-FFF2-40B4-BE49-F238E27FC236}">
+                <a16:creationId xmlns:a16="http://schemas.microsoft.com/office/drawing/2014/main" id="{2BA9E042-AAEE-46A9-8E89-D89E1C35804A}"/>
+              </a:ext>
+            </a:extLst>
+          </p:cNvPr>
+          <p:cNvSpPr/>
+          <p:nvPr/>
+        </p:nvSpPr>
+        <p:spPr>
+          <a:xfrm>
+            <a:off x="364921" y="125835"/>
+            <a:ext cx="9345336" cy="755009"/>
+          </a:xfrm>
+          <a:prstGeom prst="rect">
+            <a:avLst/>
+          </a:prstGeom>
+        </p:spPr>
+        <p:style>
+          <a:lnRef idx="2">
+            <a:schemeClr val="accent1">
+              <a:shade val="50000"/>
+            </a:schemeClr>
+          </a:lnRef>
+          <a:fillRef idx="1">
+            <a:schemeClr val="accent1"/>
+          </a:fillRef>
+          <a:effectRef idx="0">
+            <a:schemeClr val="accent1"/>
+          </a:effectRef>
+          <a:fontRef idx="minor">
+            <a:schemeClr val="lt1"/>
+          </a:fontRef>
+        </p:style>
+        <p:txBody>
+          <a:bodyPr rtlCol="0" anchor="ctr"/>
+          <a:lstStyle/>
+          <a:p>
+            <a:pPr algn="ctr"/>
+            <a:r>
+              <a:rPr lang="he-IL" dirty="0"/>
+              <a:t>הצגת כל המילים כאינדקס</a:t>
+            </a:r>
+            <a:endParaRPr lang="LID4096" dirty="0"/>
+          </a:p>
+        </p:txBody>
+      </p:sp>
+      <p:sp>
+        <p:nvSpPr>
+          <p:cNvPr id="29" name="Rectangle 28">
+            <a:extLst>
+              <a:ext uri="{FF2B5EF4-FFF2-40B4-BE49-F238E27FC236}">
+                <a16:creationId xmlns:a16="http://schemas.microsoft.com/office/drawing/2014/main" id="{E15CD38E-D0B8-4B9B-9007-359A3BFC62E5}"/>
+              </a:ext>
+            </a:extLst>
+          </p:cNvPr>
+          <p:cNvSpPr/>
+          <p:nvPr/>
+        </p:nvSpPr>
+        <p:spPr>
+          <a:xfrm>
+            <a:off x="572509" y="1265759"/>
+            <a:ext cx="1182849" cy="486562"/>
+          </a:xfrm>
+          <a:prstGeom prst="rect">
+            <a:avLst/>
+          </a:prstGeom>
+        </p:spPr>
+        <p:style>
+          <a:lnRef idx="2">
+            <a:schemeClr val="accent1">
+              <a:shade val="50000"/>
+            </a:schemeClr>
+          </a:lnRef>
+          <a:fillRef idx="1">
+            <a:schemeClr val="accent1"/>
+          </a:fillRef>
+          <a:effectRef idx="0">
+            <a:schemeClr val="accent1"/>
+          </a:effectRef>
+          <a:fontRef idx="minor">
+            <a:schemeClr val="lt1"/>
+          </a:fontRef>
+        </p:style>
+        <p:txBody>
+          <a:bodyPr rtlCol="0" anchor="ctr"/>
+          <a:lstStyle/>
+          <a:p>
+            <a:pPr algn="ctr"/>
+            <a:r>
+              <a:rPr lang="he-IL" dirty="0"/>
+              <a:t>שלח</a:t>
+            </a:r>
+            <a:endParaRPr lang="LID4096" dirty="0"/>
+          </a:p>
+        </p:txBody>
+      </p:sp>
+      <p:sp>
+        <p:nvSpPr>
+          <p:cNvPr id="19" name="Rectangle 18">
+            <a:extLst>
+              <a:ext uri="{FF2B5EF4-FFF2-40B4-BE49-F238E27FC236}">
+                <a16:creationId xmlns:a16="http://schemas.microsoft.com/office/drawing/2014/main" id="{BBC71F65-9005-4DF6-8EC6-0B5DB96B4540}"/>
+              </a:ext>
+            </a:extLst>
+          </p:cNvPr>
+          <p:cNvSpPr/>
+          <p:nvPr/>
+        </p:nvSpPr>
+        <p:spPr>
+          <a:xfrm>
+            <a:off x="2225142" y="1240592"/>
+            <a:ext cx="4513277" cy="486562"/>
+          </a:xfrm>
+          <a:prstGeom prst="rect">
+            <a:avLst/>
+          </a:prstGeom>
+        </p:spPr>
+        <p:style>
+          <a:lnRef idx="2">
+            <a:schemeClr val="accent1">
+              <a:shade val="50000"/>
+            </a:schemeClr>
+          </a:lnRef>
+          <a:fillRef idx="1">
+            <a:schemeClr val="accent1"/>
+          </a:fillRef>
+          <a:effectRef idx="0">
+            <a:schemeClr val="accent1"/>
+          </a:effectRef>
+          <a:fontRef idx="minor">
+            <a:schemeClr val="lt1"/>
+          </a:fontRef>
+        </p:style>
+        <p:txBody>
+          <a:bodyPr rtlCol="0" anchor="ctr"/>
+          <a:lstStyle/>
+          <a:p>
+            <a:pPr algn="ctr"/>
+            <a:endParaRPr lang="LID4096"/>
+          </a:p>
+        </p:txBody>
+      </p:sp>
+      <p:sp>
+        <p:nvSpPr>
+          <p:cNvPr id="20" name="TextBox 19">
+            <a:extLst>
+              <a:ext uri="{FF2B5EF4-FFF2-40B4-BE49-F238E27FC236}">
+                <a16:creationId xmlns:a16="http://schemas.microsoft.com/office/drawing/2014/main" id="{A1E184C2-7A7F-43AA-A3FE-E75BE792B91E}"/>
+              </a:ext>
+            </a:extLst>
+          </p:cNvPr>
+          <p:cNvSpPr txBox="1"/>
+          <p:nvPr/>
+        </p:nvSpPr>
+        <p:spPr>
+          <a:xfrm>
+            <a:off x="7208203" y="1265759"/>
+            <a:ext cx="2357037" cy="369332"/>
+          </a:xfrm>
+          <a:prstGeom prst="rect">
+            <a:avLst/>
+          </a:prstGeom>
+          <a:noFill/>
+        </p:spPr>
+        <p:txBody>
+          <a:bodyPr wrap="square" rtlCol="0">
+            <a:spAutoFit/>
+          </a:bodyPr>
+          <a:lstStyle/>
+          <a:p>
+            <a:r>
+              <a:rPr lang="he-IL" dirty="0" err="1"/>
+              <a:t>פלטר</a:t>
+            </a:r>
+            <a:r>
+              <a:rPr lang="he-IL" dirty="0"/>
+              <a:t> לפי מזהה מסמך:</a:t>
+            </a:r>
+            <a:endParaRPr lang="LID4096" dirty="0"/>
+          </a:p>
+        </p:txBody>
+      </p:sp>
+      <p:graphicFrame>
+        <p:nvGraphicFramePr>
+          <p:cNvPr id="21" name="Table 13">
+            <a:extLst>
+              <a:ext uri="{FF2B5EF4-FFF2-40B4-BE49-F238E27FC236}">
+                <a16:creationId xmlns:a16="http://schemas.microsoft.com/office/drawing/2014/main" id="{58609AF1-EE48-435F-966B-01A5980663FB}"/>
+              </a:ext>
+            </a:extLst>
+          </p:cNvPr>
+          <p:cNvGraphicFramePr>
+            <a:graphicFrameLocks noGrp="1"/>
+          </p:cNvGraphicFramePr>
+          <p:nvPr>
+            <p:extLst>
+              <p:ext uri="{D42A27DB-BD31-4B8C-83A1-F6EECF244321}">
+                <p14:modId xmlns:p14="http://schemas.microsoft.com/office/powerpoint/2010/main" val="2263150519"/>
+              </p:ext>
+            </p:extLst>
+          </p:nvPr>
+        </p:nvGraphicFramePr>
+        <p:xfrm>
+          <a:off x="572509" y="2143103"/>
+          <a:ext cx="8597171" cy="3666592"/>
+        </p:xfrm>
+        <a:graphic>
+          <a:graphicData uri="http://schemas.openxmlformats.org/drawingml/2006/table">
+            <a:tbl>
+              <a:tblPr firstRow="1" bandRow="1">
+                <a:tableStyleId>{5C22544A-7EE6-4342-B048-85BDC9FD1C3A}</a:tableStyleId>
+              </a:tblPr>
+              <a:tblGrid>
+                <a:gridCol w="804228">
+                  <a:extLst>
+                    <a:ext uri="{9D8B030D-6E8A-4147-A177-3AD203B41FA5}">
+                      <a16:colId xmlns:a16="http://schemas.microsoft.com/office/drawing/2014/main" val="2360813766"/>
+                    </a:ext>
+                  </a:extLst>
+                </a:gridCol>
+                <a:gridCol w="1149806">
+                  <a:extLst>
+                    <a:ext uri="{9D8B030D-6E8A-4147-A177-3AD203B41FA5}">
+                      <a16:colId xmlns:a16="http://schemas.microsoft.com/office/drawing/2014/main" val="3254106468"/>
+                    </a:ext>
+                  </a:extLst>
+                </a:gridCol>
+                <a:gridCol w="1326266">
+                  <a:extLst>
+                    <a:ext uri="{9D8B030D-6E8A-4147-A177-3AD203B41FA5}">
+                      <a16:colId xmlns:a16="http://schemas.microsoft.com/office/drawing/2014/main" val="892270838"/>
+                    </a:ext>
+                  </a:extLst>
+                </a:gridCol>
+                <a:gridCol w="1633591">
+                  <a:extLst>
+                    <a:ext uri="{9D8B030D-6E8A-4147-A177-3AD203B41FA5}">
+                      <a16:colId xmlns:a16="http://schemas.microsoft.com/office/drawing/2014/main" val="872248393"/>
+                    </a:ext>
+                  </a:extLst>
+                </a:gridCol>
+                <a:gridCol w="1962364">
+                  <a:extLst>
+                    <a:ext uri="{9D8B030D-6E8A-4147-A177-3AD203B41FA5}">
+                      <a16:colId xmlns:a16="http://schemas.microsoft.com/office/drawing/2014/main" val="2531727395"/>
+                    </a:ext>
+                  </a:extLst>
+                </a:gridCol>
+                <a:gridCol w="1720916">
+                  <a:extLst>
+                    <a:ext uri="{9D8B030D-6E8A-4147-A177-3AD203B41FA5}">
+                      <a16:colId xmlns:a16="http://schemas.microsoft.com/office/drawing/2014/main" val="3859158633"/>
+                    </a:ext>
+                  </a:extLst>
+                </a:gridCol>
+              </a:tblGrid>
+              <a:tr h="458324">
+                <a:tc>
+                  <a:txBody>
+                    <a:bodyPr/>
+                    <a:lstStyle/>
+                    <a:p>
+                      <a:r>
+                        <a:rPr lang="en-US" dirty="0"/>
+                        <a:t>Title</a:t>
+                      </a:r>
+                      <a:endParaRPr lang="LID4096" dirty="0"/>
+                    </a:p>
+                  </a:txBody>
+                  <a:tcPr/>
+                </a:tc>
+                <a:tc>
+                  <a:txBody>
+                    <a:bodyPr/>
+                    <a:lstStyle/>
+                    <a:p>
+                      <a:r>
+                        <a:rPr lang="en-US" dirty="0"/>
+                        <a:t>Text  Id</a:t>
+                      </a:r>
+                    </a:p>
+                  </a:txBody>
+                  <a:tcPr/>
+                </a:tc>
+                <a:tc>
+                  <a:txBody>
+                    <a:bodyPr/>
+                    <a:lstStyle/>
+                    <a:p>
+                      <a:r>
+                        <a:rPr lang="en-US" sz="1800" b="1" kern="1200" dirty="0" err="1">
+                          <a:solidFill>
+                            <a:schemeClr val="lt1"/>
+                          </a:solidFill>
+                          <a:latin typeface="+mn-lt"/>
+                          <a:ea typeface="+mn-ea"/>
+                          <a:cs typeface="+mn-cs"/>
+                        </a:rPr>
+                        <a:t>rowInText</a:t>
+                      </a:r>
+                      <a:endParaRPr lang="en-US" dirty="0"/>
+                    </a:p>
+                  </a:txBody>
+                  <a:tcPr/>
+                </a:tc>
+                <a:tc>
+                  <a:txBody>
+                    <a:bodyPr/>
+                    <a:lstStyle/>
+                    <a:p>
+                      <a:r>
+                        <a:rPr lang="en-US" sz="1800" b="1" kern="1200" dirty="0" err="1">
+                          <a:solidFill>
+                            <a:schemeClr val="lt1"/>
+                          </a:solidFill>
+                          <a:latin typeface="+mn-lt"/>
+                          <a:ea typeface="+mn-ea"/>
+                          <a:cs typeface="+mn-cs"/>
+                        </a:rPr>
+                        <a:t>locationInRow</a:t>
+                      </a:r>
+                      <a:endParaRPr lang="en-US" dirty="0"/>
+                    </a:p>
+                  </a:txBody>
+                  <a:tcPr/>
+                </a:tc>
+                <a:tc>
+                  <a:txBody>
+                    <a:bodyPr/>
+                    <a:lstStyle/>
+                    <a:p>
+                      <a:r>
+                        <a:rPr lang="en-US" sz="1800" b="1" kern="1200" dirty="0" err="1">
+                          <a:solidFill>
+                            <a:schemeClr val="lt1"/>
+                          </a:solidFill>
+                          <a:latin typeface="+mn-lt"/>
+                          <a:ea typeface="+mn-ea"/>
+                          <a:cs typeface="+mn-cs"/>
+                        </a:rPr>
+                        <a:t>locationFromStart</a:t>
+                      </a:r>
+                      <a:endParaRPr lang="en-US" dirty="0"/>
+                    </a:p>
+                  </a:txBody>
+                  <a:tcPr/>
+                </a:tc>
+                <a:tc>
+                  <a:txBody>
+                    <a:bodyPr/>
+                    <a:lstStyle/>
+                    <a:p>
+                      <a:pPr algn="r" rtl="1"/>
+                      <a:r>
+                        <a:rPr lang="he-IL" dirty="0"/>
+                        <a:t>המילה -</a:t>
+                      </a:r>
+                      <a:r>
+                        <a:rPr lang="en-US" dirty="0"/>
+                        <a:t>  </a:t>
+                      </a:r>
+                      <a:r>
+                        <a:rPr lang="en-US" dirty="0" err="1"/>
+                        <a:t>pharse</a:t>
+                      </a:r>
+                      <a:r>
+                        <a:rPr lang="en-US" dirty="0"/>
+                        <a:t> </a:t>
+                      </a:r>
+                    </a:p>
+                  </a:txBody>
+                  <a:tcPr/>
+                </a:tc>
+                <a:extLst>
+                  <a:ext uri="{0D108BD9-81ED-4DB2-BD59-A6C34878D82A}">
+                    <a16:rowId xmlns:a16="http://schemas.microsoft.com/office/drawing/2014/main" val="2786330326"/>
+                  </a:ext>
+                </a:extLst>
+              </a:tr>
+              <a:tr h="458324">
+                <a:tc>
+                  <a:txBody>
+                    <a:bodyPr/>
+                    <a:lstStyle/>
+                    <a:p>
+                      <a:endParaRPr lang="LID4096" dirty="0"/>
+                    </a:p>
+                  </a:txBody>
+                  <a:tcPr/>
+                </a:tc>
+                <a:tc>
+                  <a:txBody>
+                    <a:bodyPr/>
+                    <a:lstStyle/>
+                    <a:p>
+                      <a:endParaRPr lang="LID4096" dirty="0"/>
+                    </a:p>
+                  </a:txBody>
+                  <a:tcPr/>
+                </a:tc>
+                <a:tc>
+                  <a:txBody>
+                    <a:bodyPr/>
+                    <a:lstStyle/>
+                    <a:p>
+                      <a:endParaRPr lang="LID4096" dirty="0"/>
+                    </a:p>
+                  </a:txBody>
+                  <a:tcPr/>
+                </a:tc>
+                <a:tc>
+                  <a:txBody>
+                    <a:bodyPr/>
+                    <a:lstStyle/>
+                    <a:p>
+                      <a:endParaRPr lang="LID4096" dirty="0"/>
+                    </a:p>
+                  </a:txBody>
+                  <a:tcPr/>
+                </a:tc>
+                <a:tc>
+                  <a:txBody>
+                    <a:bodyPr/>
+                    <a:lstStyle/>
+                    <a:p>
+                      <a:endParaRPr lang="LID4096" dirty="0"/>
+                    </a:p>
+                  </a:txBody>
+                  <a:tcPr/>
+                </a:tc>
+                <a:tc>
+                  <a:txBody>
+                    <a:bodyPr/>
+                    <a:lstStyle/>
+                    <a:p>
+                      <a:endParaRPr lang="LID4096"/>
+                    </a:p>
+                  </a:txBody>
+                  <a:tcPr/>
+                </a:tc>
+                <a:extLst>
+                  <a:ext uri="{0D108BD9-81ED-4DB2-BD59-A6C34878D82A}">
+                    <a16:rowId xmlns:a16="http://schemas.microsoft.com/office/drawing/2014/main" val="1050704012"/>
+                  </a:ext>
+                </a:extLst>
+              </a:tr>
+              <a:tr h="458324">
+                <a:tc>
+                  <a:txBody>
+                    <a:bodyPr/>
+                    <a:lstStyle/>
+                    <a:p>
+                      <a:endParaRPr lang="LID4096" dirty="0"/>
+                    </a:p>
+                  </a:txBody>
+                  <a:tcPr/>
+                </a:tc>
+                <a:tc>
+                  <a:txBody>
+                    <a:bodyPr/>
+                    <a:lstStyle/>
+                    <a:p>
+                      <a:endParaRPr lang="LID4096" dirty="0"/>
+                    </a:p>
+                  </a:txBody>
+                  <a:tcPr/>
+                </a:tc>
+                <a:tc>
+                  <a:txBody>
+                    <a:bodyPr/>
+                    <a:lstStyle/>
+                    <a:p>
+                      <a:endParaRPr lang="LID4096" dirty="0"/>
+                    </a:p>
+                  </a:txBody>
+                  <a:tcPr/>
+                </a:tc>
+                <a:tc>
+                  <a:txBody>
+                    <a:bodyPr/>
+                    <a:lstStyle/>
+                    <a:p>
+                      <a:endParaRPr lang="LID4096" dirty="0"/>
+                    </a:p>
+                  </a:txBody>
+                  <a:tcPr/>
+                </a:tc>
+                <a:tc>
+                  <a:txBody>
+                    <a:bodyPr/>
+                    <a:lstStyle/>
+                    <a:p>
+                      <a:endParaRPr lang="LID4096" dirty="0"/>
+                    </a:p>
+                  </a:txBody>
+                  <a:tcPr/>
+                </a:tc>
+                <a:tc>
+                  <a:txBody>
+                    <a:bodyPr/>
+                    <a:lstStyle/>
+                    <a:p>
+                      <a:endParaRPr lang="LID4096"/>
+                    </a:p>
+                  </a:txBody>
+                  <a:tcPr/>
+                </a:tc>
+                <a:extLst>
+                  <a:ext uri="{0D108BD9-81ED-4DB2-BD59-A6C34878D82A}">
+                    <a16:rowId xmlns:a16="http://schemas.microsoft.com/office/drawing/2014/main" val="1702840811"/>
+                  </a:ext>
+                </a:extLst>
+              </a:tr>
+              <a:tr h="458324">
+                <a:tc>
+                  <a:txBody>
+                    <a:bodyPr/>
+                    <a:lstStyle/>
+                    <a:p>
+                      <a:endParaRPr lang="LID4096"/>
+                    </a:p>
+                  </a:txBody>
+                  <a:tcPr/>
+                </a:tc>
+                <a:tc>
+                  <a:txBody>
+                    <a:bodyPr/>
+                    <a:lstStyle/>
+                    <a:p>
+                      <a:endParaRPr lang="LID4096" dirty="0"/>
+                    </a:p>
+                  </a:txBody>
+                  <a:tcPr/>
+                </a:tc>
+                <a:tc>
+                  <a:txBody>
+                    <a:bodyPr/>
+                    <a:lstStyle/>
+                    <a:p>
+                      <a:endParaRPr lang="LID4096" dirty="0"/>
+                    </a:p>
+                  </a:txBody>
+                  <a:tcPr/>
+                </a:tc>
+                <a:tc>
+                  <a:txBody>
+                    <a:bodyPr/>
+                    <a:lstStyle/>
+                    <a:p>
+                      <a:endParaRPr lang="LID4096" dirty="0"/>
+                    </a:p>
+                  </a:txBody>
+                  <a:tcPr/>
+                </a:tc>
+                <a:tc>
+                  <a:txBody>
+                    <a:bodyPr/>
+                    <a:lstStyle/>
+                    <a:p>
+                      <a:endParaRPr lang="LID4096" dirty="0"/>
+                    </a:p>
+                  </a:txBody>
+                  <a:tcPr/>
+                </a:tc>
+                <a:tc>
+                  <a:txBody>
+                    <a:bodyPr/>
+                    <a:lstStyle/>
+                    <a:p>
+                      <a:endParaRPr lang="LID4096"/>
+                    </a:p>
+                  </a:txBody>
+                  <a:tcPr/>
+                </a:tc>
+                <a:extLst>
+                  <a:ext uri="{0D108BD9-81ED-4DB2-BD59-A6C34878D82A}">
+                    <a16:rowId xmlns:a16="http://schemas.microsoft.com/office/drawing/2014/main" val="2757324517"/>
+                  </a:ext>
+                </a:extLst>
+              </a:tr>
+              <a:tr h="458324">
+                <a:tc>
+                  <a:txBody>
+                    <a:bodyPr/>
+                    <a:lstStyle/>
+                    <a:p>
+                      <a:endParaRPr lang="LID4096"/>
+                    </a:p>
+                  </a:txBody>
+                  <a:tcPr/>
+                </a:tc>
+                <a:tc>
+                  <a:txBody>
+                    <a:bodyPr/>
+                    <a:lstStyle/>
+                    <a:p>
+                      <a:endParaRPr lang="LID4096" dirty="0"/>
+                    </a:p>
+                  </a:txBody>
+                  <a:tcPr/>
+                </a:tc>
+                <a:tc>
+                  <a:txBody>
+                    <a:bodyPr/>
+                    <a:lstStyle/>
+                    <a:p>
+                      <a:endParaRPr lang="LID4096" dirty="0"/>
+                    </a:p>
+                  </a:txBody>
+                  <a:tcPr/>
+                </a:tc>
+                <a:tc>
+                  <a:txBody>
+                    <a:bodyPr/>
+                    <a:lstStyle/>
+                    <a:p>
+                      <a:endParaRPr lang="LID4096" dirty="0"/>
+                    </a:p>
+                  </a:txBody>
+                  <a:tcPr/>
+                </a:tc>
+                <a:tc>
+                  <a:txBody>
+                    <a:bodyPr/>
+                    <a:lstStyle/>
+                    <a:p>
+                      <a:endParaRPr lang="LID4096" dirty="0"/>
+                    </a:p>
+                  </a:txBody>
+                  <a:tcPr/>
+                </a:tc>
+                <a:tc>
+                  <a:txBody>
+                    <a:bodyPr/>
+                    <a:lstStyle/>
+                    <a:p>
+                      <a:endParaRPr lang="LID4096"/>
+                    </a:p>
+                  </a:txBody>
+                  <a:tcPr/>
+                </a:tc>
+                <a:extLst>
+                  <a:ext uri="{0D108BD9-81ED-4DB2-BD59-A6C34878D82A}">
+                    <a16:rowId xmlns:a16="http://schemas.microsoft.com/office/drawing/2014/main" val="3055876711"/>
+                  </a:ext>
+                </a:extLst>
+              </a:tr>
+              <a:tr h="458324">
+                <a:tc>
+                  <a:txBody>
+                    <a:bodyPr/>
+                    <a:lstStyle/>
+                    <a:p>
+                      <a:endParaRPr lang="LID4096"/>
+                    </a:p>
+                  </a:txBody>
+                  <a:tcPr/>
+                </a:tc>
+                <a:tc>
+                  <a:txBody>
+                    <a:bodyPr/>
+                    <a:lstStyle/>
+                    <a:p>
+                      <a:endParaRPr lang="LID4096" dirty="0"/>
+                    </a:p>
+                  </a:txBody>
+                  <a:tcPr/>
+                </a:tc>
+                <a:tc>
+                  <a:txBody>
+                    <a:bodyPr/>
+                    <a:lstStyle/>
+                    <a:p>
+                      <a:endParaRPr lang="LID4096" dirty="0"/>
+                    </a:p>
+                  </a:txBody>
+                  <a:tcPr/>
+                </a:tc>
+                <a:tc>
+                  <a:txBody>
+                    <a:bodyPr/>
+                    <a:lstStyle/>
+                    <a:p>
+                      <a:endParaRPr lang="LID4096" dirty="0"/>
+                    </a:p>
+                  </a:txBody>
+                  <a:tcPr/>
+                </a:tc>
+                <a:tc>
+                  <a:txBody>
+                    <a:bodyPr/>
+                    <a:lstStyle/>
+                    <a:p>
+                      <a:endParaRPr lang="LID4096" dirty="0"/>
+                    </a:p>
+                  </a:txBody>
+                  <a:tcPr/>
+                </a:tc>
+                <a:tc>
+                  <a:txBody>
+                    <a:bodyPr/>
+                    <a:lstStyle/>
+                    <a:p>
+                      <a:endParaRPr lang="LID4096"/>
+                    </a:p>
+                  </a:txBody>
+                  <a:tcPr/>
+                </a:tc>
+                <a:extLst>
+                  <a:ext uri="{0D108BD9-81ED-4DB2-BD59-A6C34878D82A}">
+                    <a16:rowId xmlns:a16="http://schemas.microsoft.com/office/drawing/2014/main" val="1281688629"/>
+                  </a:ext>
+                </a:extLst>
+              </a:tr>
+              <a:tr h="458324">
+                <a:tc>
+                  <a:txBody>
+                    <a:bodyPr/>
+                    <a:lstStyle/>
+                    <a:p>
+                      <a:endParaRPr lang="LID4096"/>
+                    </a:p>
+                  </a:txBody>
+                  <a:tcPr/>
+                </a:tc>
+                <a:tc>
+                  <a:txBody>
+                    <a:bodyPr/>
+                    <a:lstStyle/>
+                    <a:p>
+                      <a:endParaRPr lang="LID4096" dirty="0"/>
+                    </a:p>
+                  </a:txBody>
+                  <a:tcPr/>
+                </a:tc>
+                <a:tc>
+                  <a:txBody>
+                    <a:bodyPr/>
+                    <a:lstStyle/>
+                    <a:p>
+                      <a:endParaRPr lang="LID4096" dirty="0"/>
+                    </a:p>
+                  </a:txBody>
+                  <a:tcPr/>
+                </a:tc>
+                <a:tc>
+                  <a:txBody>
+                    <a:bodyPr/>
+                    <a:lstStyle/>
+                    <a:p>
+                      <a:endParaRPr lang="LID4096" dirty="0"/>
+                    </a:p>
+                  </a:txBody>
+                  <a:tcPr/>
+                </a:tc>
+                <a:tc>
+                  <a:txBody>
+                    <a:bodyPr/>
+                    <a:lstStyle/>
+                    <a:p>
+                      <a:endParaRPr lang="LID4096" dirty="0"/>
+                    </a:p>
+                  </a:txBody>
+                  <a:tcPr/>
+                </a:tc>
+                <a:tc>
+                  <a:txBody>
+                    <a:bodyPr/>
+                    <a:lstStyle/>
+                    <a:p>
+                      <a:endParaRPr lang="LID4096"/>
+                    </a:p>
+                  </a:txBody>
+                  <a:tcPr/>
+                </a:tc>
+                <a:extLst>
+                  <a:ext uri="{0D108BD9-81ED-4DB2-BD59-A6C34878D82A}">
+                    <a16:rowId xmlns:a16="http://schemas.microsoft.com/office/drawing/2014/main" val="301327085"/>
+                  </a:ext>
+                </a:extLst>
+              </a:tr>
+              <a:tr h="458324">
+                <a:tc>
+                  <a:txBody>
+                    <a:bodyPr/>
+                    <a:lstStyle/>
+                    <a:p>
+                      <a:endParaRPr lang="LID4096"/>
+                    </a:p>
+                  </a:txBody>
+                  <a:tcPr/>
+                </a:tc>
+                <a:tc>
+                  <a:txBody>
+                    <a:bodyPr/>
+                    <a:lstStyle/>
+                    <a:p>
+                      <a:endParaRPr lang="LID4096" dirty="0"/>
+                    </a:p>
+                  </a:txBody>
+                  <a:tcPr/>
+                </a:tc>
+                <a:tc>
+                  <a:txBody>
+                    <a:bodyPr/>
+                    <a:lstStyle/>
+                    <a:p>
+                      <a:endParaRPr lang="LID4096" dirty="0"/>
+                    </a:p>
+                  </a:txBody>
+                  <a:tcPr/>
+                </a:tc>
+                <a:tc>
+                  <a:txBody>
+                    <a:bodyPr/>
+                    <a:lstStyle/>
+                    <a:p>
+                      <a:endParaRPr lang="LID4096" dirty="0"/>
+                    </a:p>
+                  </a:txBody>
+                  <a:tcPr/>
+                </a:tc>
+                <a:tc>
+                  <a:txBody>
+                    <a:bodyPr/>
+                    <a:lstStyle/>
+                    <a:p>
+                      <a:endParaRPr lang="LID4096" dirty="0"/>
+                    </a:p>
+                  </a:txBody>
+                  <a:tcPr/>
+                </a:tc>
+                <a:tc>
+                  <a:txBody>
+                    <a:bodyPr/>
+                    <a:lstStyle/>
+                    <a:p>
+                      <a:endParaRPr lang="LID4096" dirty="0"/>
+                    </a:p>
+                  </a:txBody>
+                  <a:tcPr/>
+                </a:tc>
+                <a:extLst>
+                  <a:ext uri="{0D108BD9-81ED-4DB2-BD59-A6C34878D82A}">
+                    <a16:rowId xmlns:a16="http://schemas.microsoft.com/office/drawing/2014/main" val="2757739870"/>
+                  </a:ext>
+                </a:extLst>
+              </a:tr>
+            </a:tbl>
+          </a:graphicData>
+        </a:graphic>
+      </p:graphicFrame>
+    </p:spTree>
+    <p:extLst>
+      <p:ext uri="{BB962C8B-B14F-4D97-AF65-F5344CB8AC3E}">
+        <p14:creationId xmlns:p14="http://schemas.microsoft.com/office/powerpoint/2010/main" val="1298138888"/>
+      </p:ext>
+    </p:extLst>
+  </p:cSld>
+  <p:clrMapOvr>
+    <a:masterClrMapping/>
+  </p:clrMapOvr>
+</p:sld>
+</file>
+
+<file path=ppt/slides/slide6.xml><?xml version="1.0" encoding="utf-8"?>
+<p:sld xmlns:a="http://schemas.openxmlformats.org/drawingml/2006/main" xmlns:r="http://schemas.openxmlformats.org/officeDocument/2006/relationships" xmlns:p="http://schemas.openxmlformats.org/presentationml/2006/main">
+  <p:cSld>
+    <p:spTree>
+      <p:nvGrpSpPr>
+        <p:cNvPr id="1" name=""/>
+        <p:cNvGrpSpPr/>
+        <p:nvPr/>
+      </p:nvGrpSpPr>
+      <p:grpSpPr>
+        <a:xfrm>
+          <a:off x="0" y="0"/>
+          <a:ext cx="0" cy="0"/>
+          <a:chOff x="0" y="0"/>
+          <a:chExt cx="0" cy="0"/>
+        </a:xfrm>
+      </p:grpSpPr>
+      <p:sp>
+        <p:nvSpPr>
+          <p:cNvPr id="4" name="Rectangle 3">
+            <a:extLst>
+              <a:ext uri="{FF2B5EF4-FFF2-40B4-BE49-F238E27FC236}">
+                <a16:creationId xmlns:a16="http://schemas.microsoft.com/office/drawing/2014/main" id="{9D08D7E8-1348-4094-941D-E1F7A75843A4}"/>
+              </a:ext>
+            </a:extLst>
+          </p:cNvPr>
+          <p:cNvSpPr/>
+          <p:nvPr/>
+        </p:nvSpPr>
+        <p:spPr>
+          <a:xfrm>
+            <a:off x="9949343" y="0"/>
+            <a:ext cx="2242657" cy="6858000"/>
+          </a:xfrm>
+          <a:prstGeom prst="rect">
+            <a:avLst/>
+          </a:prstGeom>
+        </p:spPr>
+        <p:style>
+          <a:lnRef idx="2">
+            <a:schemeClr val="accent1">
+              <a:shade val="50000"/>
+            </a:schemeClr>
+          </a:lnRef>
+          <a:fillRef idx="1">
+            <a:schemeClr val="accent1"/>
+          </a:fillRef>
+          <a:effectRef idx="0">
+            <a:schemeClr val="accent1"/>
+          </a:effectRef>
+          <a:fontRef idx="minor">
+            <a:schemeClr val="lt1"/>
+          </a:fontRef>
+        </p:style>
+        <p:txBody>
+          <a:bodyPr rtlCol="0" anchor="ctr"/>
+          <a:lstStyle/>
+          <a:p>
+            <a:pPr algn="ctr"/>
+            <a:endParaRPr lang="LID4096"/>
+          </a:p>
+        </p:txBody>
+      </p:sp>
+      <p:sp>
+        <p:nvSpPr>
+          <p:cNvPr id="5" name="Rectangle: Rounded Corners 4">
+            <a:extLst>
+              <a:ext uri="{FF2B5EF4-FFF2-40B4-BE49-F238E27FC236}">
+                <a16:creationId xmlns:a16="http://schemas.microsoft.com/office/drawing/2014/main" id="{678551CD-302F-48DE-9FF4-1EE06ACBFC3E}"/>
+              </a:ext>
+            </a:extLst>
+          </p:cNvPr>
+          <p:cNvSpPr/>
+          <p:nvPr/>
+        </p:nvSpPr>
+        <p:spPr>
+          <a:xfrm>
+            <a:off x="10043018" y="1355603"/>
+            <a:ext cx="2055303" cy="403614"/>
+          </a:xfrm>
+          <a:prstGeom prst="roundRect">
+            <a:avLst/>
+          </a:prstGeom>
+        </p:spPr>
+        <p:style>
+          <a:lnRef idx="2">
+            <a:schemeClr val="accent1">
+              <a:shade val="50000"/>
+            </a:schemeClr>
+          </a:lnRef>
+          <a:fillRef idx="1">
+            <a:schemeClr val="accent1"/>
+          </a:fillRef>
+          <a:effectRef idx="0">
+            <a:schemeClr val="accent1"/>
+          </a:effectRef>
+          <a:fontRef idx="minor">
+            <a:schemeClr val="lt1"/>
+          </a:fontRef>
+        </p:style>
+        <p:txBody>
+          <a:bodyPr rtlCol="0" anchor="ctr"/>
+          <a:lstStyle/>
+          <a:p>
+            <a:pPr algn="ctr"/>
+            <a:r>
+              <a:rPr lang="he-IL" dirty="0"/>
+              <a:t>טעינת מסמכים</a:t>
+            </a:r>
+            <a:endParaRPr lang="LID4096" dirty="0"/>
+          </a:p>
+        </p:txBody>
+      </p:sp>
+      <p:sp>
+        <p:nvSpPr>
+          <p:cNvPr id="6" name="Rectangle: Rounded Corners 5">
+            <a:extLst>
+              <a:ext uri="{FF2B5EF4-FFF2-40B4-BE49-F238E27FC236}">
+                <a16:creationId xmlns:a16="http://schemas.microsoft.com/office/drawing/2014/main" id="{A3757693-1624-4A3C-A1EC-B738DCFB92C7}"/>
+              </a:ext>
+            </a:extLst>
+          </p:cNvPr>
+          <p:cNvSpPr/>
+          <p:nvPr/>
+        </p:nvSpPr>
+        <p:spPr>
+          <a:xfrm>
+            <a:off x="10006795" y="1823557"/>
+            <a:ext cx="2055303" cy="453947"/>
+          </a:xfrm>
+          <a:prstGeom prst="roundRect">
+            <a:avLst/>
+          </a:prstGeom>
+        </p:spPr>
+        <p:style>
+          <a:lnRef idx="2">
+            <a:schemeClr val="accent1">
+              <a:shade val="50000"/>
+            </a:schemeClr>
+          </a:lnRef>
+          <a:fillRef idx="1">
+            <a:schemeClr val="accent1"/>
+          </a:fillRef>
+          <a:effectRef idx="0">
+            <a:schemeClr val="accent1"/>
+          </a:effectRef>
+          <a:fontRef idx="minor">
+            <a:schemeClr val="lt1"/>
+          </a:fontRef>
+        </p:style>
+        <p:txBody>
+          <a:bodyPr rtlCol="0" anchor="ctr"/>
+          <a:lstStyle/>
+          <a:p>
+            <a:pPr algn="ctr"/>
+            <a:r>
+              <a:rPr lang="he-IL" dirty="0"/>
+              <a:t>הכנסת נתונים מובנים</a:t>
+            </a:r>
+            <a:endParaRPr lang="LID4096" dirty="0"/>
+          </a:p>
+        </p:txBody>
+      </p:sp>
+      <p:sp>
+        <p:nvSpPr>
+          <p:cNvPr id="7" name="Rectangle: Rounded Corners 6">
+            <a:extLst>
+              <a:ext uri="{FF2B5EF4-FFF2-40B4-BE49-F238E27FC236}">
+                <a16:creationId xmlns:a16="http://schemas.microsoft.com/office/drawing/2014/main" id="{9F260B32-97DC-4743-9EE9-D606024F3DA1}"/>
+              </a:ext>
+            </a:extLst>
+          </p:cNvPr>
+          <p:cNvSpPr/>
+          <p:nvPr/>
+        </p:nvSpPr>
+        <p:spPr>
+          <a:xfrm>
+            <a:off x="10043019" y="2352494"/>
+            <a:ext cx="2055303" cy="476844"/>
+          </a:xfrm>
+          <a:prstGeom prst="roundRect">
+            <a:avLst/>
+          </a:prstGeom>
+        </p:spPr>
+        <p:style>
+          <a:lnRef idx="2">
+            <a:schemeClr val="accent1">
+              <a:shade val="50000"/>
+            </a:schemeClr>
+          </a:lnRef>
+          <a:fillRef idx="1">
+            <a:schemeClr val="accent1"/>
+          </a:fillRef>
+          <a:effectRef idx="0">
+            <a:schemeClr val="accent1"/>
+          </a:effectRef>
+          <a:fontRef idx="minor">
+            <a:schemeClr val="lt1"/>
+          </a:fontRef>
+        </p:style>
+        <p:txBody>
+          <a:bodyPr rtlCol="0" anchor="ctr"/>
+          <a:lstStyle/>
+          <a:p>
+            <a:pPr algn="ctr"/>
+            <a:r>
+              <a:rPr lang="he-IL" dirty="0"/>
+              <a:t>הצגת כל המילים בטקסט</a:t>
+            </a:r>
+            <a:endParaRPr lang="LID4096" dirty="0"/>
+          </a:p>
+        </p:txBody>
+      </p:sp>
+      <p:sp>
+        <p:nvSpPr>
+          <p:cNvPr id="8" name="Rectangle: Rounded Corners 7">
+            <a:extLst>
+              <a:ext uri="{FF2B5EF4-FFF2-40B4-BE49-F238E27FC236}">
+                <a16:creationId xmlns:a16="http://schemas.microsoft.com/office/drawing/2014/main" id="{BFDA8C7F-CCC1-4AE7-A805-DB8AE2A1676F}"/>
+              </a:ext>
+            </a:extLst>
+          </p:cNvPr>
+          <p:cNvSpPr/>
+          <p:nvPr/>
+        </p:nvSpPr>
+        <p:spPr>
+          <a:xfrm>
+            <a:off x="10059798" y="2915106"/>
+            <a:ext cx="2055303" cy="492224"/>
+          </a:xfrm>
+          <a:prstGeom prst="roundRect">
+            <a:avLst/>
+          </a:prstGeom>
+        </p:spPr>
+        <p:style>
+          <a:lnRef idx="2">
+            <a:schemeClr val="accent1">
+              <a:shade val="50000"/>
+            </a:schemeClr>
+          </a:lnRef>
+          <a:fillRef idx="1">
+            <a:schemeClr val="accent1"/>
+          </a:fillRef>
+          <a:effectRef idx="0">
+            <a:schemeClr val="accent1"/>
+          </a:effectRef>
+          <a:fontRef idx="minor">
+            <a:schemeClr val="lt1"/>
+          </a:fontRef>
+        </p:style>
+        <p:txBody>
+          <a:bodyPr rtlCol="0" anchor="ctr"/>
+          <a:lstStyle/>
+          <a:p>
+            <a:pPr algn="ctr"/>
+            <a:r>
+              <a:rPr lang="he-IL" dirty="0"/>
+              <a:t>הצגת כל המילים כאינדקס</a:t>
+            </a:r>
+            <a:endParaRPr lang="LID4096" dirty="0"/>
+          </a:p>
+        </p:txBody>
+      </p:sp>
+      <p:sp>
+        <p:nvSpPr>
+          <p:cNvPr id="9" name="Rectangle: Rounded Corners 8">
+            <a:extLst>
+              <a:ext uri="{FF2B5EF4-FFF2-40B4-BE49-F238E27FC236}">
+                <a16:creationId xmlns:a16="http://schemas.microsoft.com/office/drawing/2014/main" id="{93BED076-AB0F-4143-8234-C2D92456C04E}"/>
+              </a:ext>
+            </a:extLst>
+          </p:cNvPr>
+          <p:cNvSpPr/>
+          <p:nvPr/>
+        </p:nvSpPr>
+        <p:spPr>
+          <a:xfrm>
+            <a:off x="10069585" y="3475841"/>
+            <a:ext cx="2055303" cy="755009"/>
+          </a:xfrm>
+          <a:prstGeom prst="roundRect">
+            <a:avLst/>
+          </a:prstGeom>
+        </p:spPr>
+        <p:style>
+          <a:lnRef idx="2">
+            <a:schemeClr val="accent1">
+              <a:shade val="50000"/>
+            </a:schemeClr>
+          </a:lnRef>
+          <a:fillRef idx="1">
+            <a:schemeClr val="accent1"/>
+          </a:fillRef>
+          <a:effectRef idx="0">
+            <a:schemeClr val="accent1"/>
+          </a:effectRef>
+          <a:fontRef idx="minor">
+            <a:schemeClr val="lt1"/>
+          </a:fontRef>
+        </p:style>
+        <p:txBody>
+          <a:bodyPr rtlCol="0" anchor="ctr"/>
+          <a:lstStyle/>
+          <a:p>
+            <a:pPr algn="ctr"/>
+            <a:r>
+              <a:rPr lang="he-IL" dirty="0"/>
+              <a:t>איתור מילה לפי המיקום שלה</a:t>
+            </a:r>
+            <a:endParaRPr lang="LID4096" dirty="0"/>
+          </a:p>
+        </p:txBody>
+      </p:sp>
+      <p:sp>
+        <p:nvSpPr>
+          <p:cNvPr id="10" name="Rectangle: Rounded Corners 9">
+            <a:extLst>
+              <a:ext uri="{FF2B5EF4-FFF2-40B4-BE49-F238E27FC236}">
+                <a16:creationId xmlns:a16="http://schemas.microsoft.com/office/drawing/2014/main" id="{94BA2B08-BAA0-4941-8AC1-7296F2FD1B81}"/>
+              </a:ext>
+            </a:extLst>
+          </p:cNvPr>
+          <p:cNvSpPr/>
+          <p:nvPr/>
+        </p:nvSpPr>
+        <p:spPr>
+          <a:xfrm>
+            <a:off x="10062594" y="4282583"/>
+            <a:ext cx="2055303" cy="755009"/>
+          </a:xfrm>
+          <a:prstGeom prst="roundRect">
+            <a:avLst/>
+          </a:prstGeom>
+        </p:spPr>
+        <p:style>
+          <a:lnRef idx="2">
+            <a:schemeClr val="accent1">
+              <a:shade val="50000"/>
+            </a:schemeClr>
+          </a:lnRef>
+          <a:fillRef idx="1">
+            <a:schemeClr val="accent1"/>
+          </a:fillRef>
+          <a:effectRef idx="0">
+            <a:schemeClr val="accent1"/>
+          </a:effectRef>
+          <a:fontRef idx="minor">
+            <a:schemeClr val="lt1"/>
+          </a:fontRef>
+        </p:style>
+        <p:txBody>
+          <a:bodyPr rtlCol="0" anchor="ctr"/>
+          <a:lstStyle/>
+          <a:p>
+            <a:pPr algn="ctr"/>
+            <a:r>
+              <a:rPr lang="he-IL" sz="1400" dirty="0"/>
+              <a:t>הגדרת קבוצות של מילים בעלות משמעות מיוחדת וצפייה כאינדקס</a:t>
+            </a:r>
+            <a:endParaRPr lang="LID4096" sz="1400" dirty="0"/>
+          </a:p>
+        </p:txBody>
+      </p:sp>
+      <p:sp>
+        <p:nvSpPr>
+          <p:cNvPr id="11" name="Rectangle: Rounded Corners 10">
+            <a:extLst>
+              <a:ext uri="{FF2B5EF4-FFF2-40B4-BE49-F238E27FC236}">
+                <a16:creationId xmlns:a16="http://schemas.microsoft.com/office/drawing/2014/main" id="{ED742705-0483-4FB3-9D63-924D2E800B84}"/>
+              </a:ext>
+            </a:extLst>
+          </p:cNvPr>
+          <p:cNvSpPr/>
+          <p:nvPr/>
+        </p:nvSpPr>
+        <p:spPr>
+          <a:xfrm>
+            <a:off x="10054205" y="5079538"/>
+            <a:ext cx="2055303" cy="755009"/>
+          </a:xfrm>
+          <a:prstGeom prst="roundRect">
+            <a:avLst/>
+          </a:prstGeom>
+        </p:spPr>
+        <p:style>
+          <a:lnRef idx="2">
+            <a:schemeClr val="accent1">
+              <a:shade val="50000"/>
+            </a:schemeClr>
+          </a:lnRef>
+          <a:fillRef idx="1">
+            <a:schemeClr val="accent1"/>
+          </a:fillRef>
+          <a:effectRef idx="0">
+            <a:schemeClr val="accent1"/>
+          </a:effectRef>
+          <a:fontRef idx="minor">
+            <a:schemeClr val="lt1"/>
+          </a:fontRef>
+        </p:style>
+        <p:txBody>
+          <a:bodyPr rtlCol="0" anchor="ctr"/>
+          <a:lstStyle/>
+          <a:p>
+            <a:pPr algn="ctr"/>
+            <a:r>
+              <a:rPr lang="he-IL" dirty="0"/>
+              <a:t>אחסנת ביטויים לשוניים</a:t>
+            </a:r>
+            <a:endParaRPr lang="LID4096" dirty="0"/>
+          </a:p>
+        </p:txBody>
+      </p:sp>
+      <p:sp>
+        <p:nvSpPr>
+          <p:cNvPr id="12" name="Rectangle: Rounded Corners 11">
+            <a:extLst>
+              <a:ext uri="{FF2B5EF4-FFF2-40B4-BE49-F238E27FC236}">
+                <a16:creationId xmlns:a16="http://schemas.microsoft.com/office/drawing/2014/main" id="{F1828DAB-33D1-464B-8E7A-9DA93EC2C52C}"/>
+              </a:ext>
+            </a:extLst>
+          </p:cNvPr>
+          <p:cNvSpPr/>
+          <p:nvPr/>
+        </p:nvSpPr>
+        <p:spPr>
+          <a:xfrm>
+            <a:off x="10055603" y="5886280"/>
+            <a:ext cx="2055303" cy="755009"/>
+          </a:xfrm>
+          <a:prstGeom prst="roundRect">
+            <a:avLst/>
+          </a:prstGeom>
+        </p:spPr>
+        <p:style>
+          <a:lnRef idx="2">
+            <a:schemeClr val="accent1">
+              <a:shade val="50000"/>
+            </a:schemeClr>
+          </a:lnRef>
+          <a:fillRef idx="1">
+            <a:schemeClr val="accent1"/>
+          </a:fillRef>
+          <a:effectRef idx="0">
+            <a:schemeClr val="accent1"/>
+          </a:effectRef>
+          <a:fontRef idx="minor">
+            <a:schemeClr val="lt1"/>
+          </a:fontRef>
+        </p:style>
+        <p:txBody>
+          <a:bodyPr rtlCol="0" anchor="ctr"/>
+          <a:lstStyle/>
+          <a:p>
+            <a:pPr algn="ctr"/>
+            <a:r>
+              <a:rPr lang="he-IL" dirty="0"/>
+              <a:t>נתונים סטטיסטיים</a:t>
+            </a:r>
+            <a:endParaRPr lang="LID4096" dirty="0"/>
+          </a:p>
+        </p:txBody>
+      </p:sp>
+      <p:sp>
+        <p:nvSpPr>
+          <p:cNvPr id="22" name="Rectangle: Rounded Corners 21">
+            <a:extLst>
+              <a:ext uri="{FF2B5EF4-FFF2-40B4-BE49-F238E27FC236}">
+                <a16:creationId xmlns:a16="http://schemas.microsoft.com/office/drawing/2014/main" id="{268853CB-0393-4864-8E9B-F58F27C329F4}"/>
+              </a:ext>
+            </a:extLst>
+          </p:cNvPr>
+          <p:cNvSpPr/>
+          <p:nvPr/>
+        </p:nvSpPr>
+        <p:spPr>
+          <a:xfrm>
+            <a:off x="10062594" y="909105"/>
+            <a:ext cx="2055303" cy="403614"/>
+          </a:xfrm>
+          <a:prstGeom prst="roundRect">
+            <a:avLst/>
+          </a:prstGeom>
+        </p:spPr>
+        <p:style>
+          <a:lnRef idx="2">
+            <a:schemeClr val="accent1">
+              <a:shade val="50000"/>
+            </a:schemeClr>
+          </a:lnRef>
+          <a:fillRef idx="1">
+            <a:schemeClr val="accent1"/>
+          </a:fillRef>
+          <a:effectRef idx="0">
+            <a:schemeClr val="accent1"/>
+          </a:effectRef>
+          <a:fontRef idx="minor">
+            <a:schemeClr val="lt1"/>
+          </a:fontRef>
+        </p:style>
+        <p:txBody>
+          <a:bodyPr rtlCol="0" anchor="ctr"/>
+          <a:lstStyle/>
+          <a:p>
+            <a:pPr algn="ctr"/>
+            <a:r>
+              <a:rPr lang="he-IL" dirty="0"/>
+              <a:t>שליפת מסמכים</a:t>
+            </a:r>
+            <a:endParaRPr lang="LID4096" dirty="0"/>
+          </a:p>
+        </p:txBody>
+      </p:sp>
+      <p:sp>
+        <p:nvSpPr>
+          <p:cNvPr id="23" name="Rectangle: Rounded Corners 22">
+            <a:extLst>
+              <a:ext uri="{FF2B5EF4-FFF2-40B4-BE49-F238E27FC236}">
+                <a16:creationId xmlns:a16="http://schemas.microsoft.com/office/drawing/2014/main" id="{9C69875C-CC73-42D3-B878-F65C417FD4BD}"/>
+              </a:ext>
+            </a:extLst>
+          </p:cNvPr>
+          <p:cNvSpPr/>
+          <p:nvPr/>
+        </p:nvSpPr>
+        <p:spPr>
+          <a:xfrm>
+            <a:off x="10043018" y="79334"/>
+            <a:ext cx="1983723" cy="756382"/>
+          </a:xfrm>
+          <a:prstGeom prst="roundRect">
+            <a:avLst/>
+          </a:prstGeom>
+        </p:spPr>
+        <p:style>
+          <a:lnRef idx="2">
+            <a:schemeClr val="accent1">
+              <a:shade val="50000"/>
+            </a:schemeClr>
+          </a:lnRef>
+          <a:fillRef idx="1">
+            <a:schemeClr val="accent1"/>
+          </a:fillRef>
+          <a:effectRef idx="0">
+            <a:schemeClr val="accent1"/>
+          </a:effectRef>
+          <a:fontRef idx="minor">
+            <a:schemeClr val="lt1"/>
+          </a:fontRef>
+        </p:style>
+        <p:txBody>
+          <a:bodyPr rtlCol="0" anchor="ctr"/>
+          <a:lstStyle/>
+          <a:p>
+            <a:pPr algn="ctr"/>
+            <a:r>
+              <a:rPr lang="he-IL" dirty="0">
+                <a:solidFill>
+                  <a:schemeClr val="tx1"/>
+                </a:solidFill>
+              </a:rPr>
+              <a:t>מערכת שירותי קונקורדנציה ואחזור טקסט</a:t>
+            </a:r>
+            <a:endParaRPr lang="LID4096" dirty="0">
+              <a:solidFill>
+                <a:schemeClr val="tx1"/>
+              </a:solidFill>
+            </a:endParaRPr>
+          </a:p>
+        </p:txBody>
+      </p:sp>
+      <p:sp>
+        <p:nvSpPr>
+          <p:cNvPr id="24" name="Rectangle 23">
+            <a:extLst>
+              <a:ext uri="{FF2B5EF4-FFF2-40B4-BE49-F238E27FC236}">
+                <a16:creationId xmlns:a16="http://schemas.microsoft.com/office/drawing/2014/main" id="{2BA9E042-AAEE-46A9-8E89-D89E1C35804A}"/>
+              </a:ext>
+            </a:extLst>
+          </p:cNvPr>
+          <p:cNvSpPr/>
+          <p:nvPr/>
+        </p:nvSpPr>
+        <p:spPr>
+          <a:xfrm>
+            <a:off x="364921" y="125835"/>
+            <a:ext cx="9345336" cy="755009"/>
+          </a:xfrm>
+          <a:prstGeom prst="rect">
+            <a:avLst/>
+          </a:prstGeom>
+        </p:spPr>
+        <p:style>
+          <a:lnRef idx="2">
+            <a:schemeClr val="accent1">
+              <a:shade val="50000"/>
+            </a:schemeClr>
+          </a:lnRef>
+          <a:fillRef idx="1">
+            <a:schemeClr val="accent1"/>
+          </a:fillRef>
+          <a:effectRef idx="0">
+            <a:schemeClr val="accent1"/>
+          </a:effectRef>
+          <a:fontRef idx="minor">
+            <a:schemeClr val="lt1"/>
+          </a:fontRef>
+        </p:style>
+        <p:txBody>
+          <a:bodyPr rtlCol="0" anchor="ctr"/>
+          <a:lstStyle/>
+          <a:p>
+            <a:pPr algn="ctr"/>
+            <a:r>
+              <a:rPr lang="he-IL" dirty="0"/>
+              <a:t>איתור מילה לפי המיקום שלה</a:t>
+            </a:r>
+            <a:endParaRPr lang="LID4096" dirty="0"/>
+          </a:p>
+        </p:txBody>
+      </p:sp>
+      <p:sp>
+        <p:nvSpPr>
+          <p:cNvPr id="18" name="Rectangle 17">
+            <a:extLst>
+              <a:ext uri="{FF2B5EF4-FFF2-40B4-BE49-F238E27FC236}">
+                <a16:creationId xmlns:a16="http://schemas.microsoft.com/office/drawing/2014/main" id="{A315AE7B-74C0-4187-B3A9-33AFE3E23C71}"/>
+              </a:ext>
+            </a:extLst>
+          </p:cNvPr>
+          <p:cNvSpPr/>
+          <p:nvPr/>
+        </p:nvSpPr>
+        <p:spPr>
+          <a:xfrm>
+            <a:off x="2094255" y="1806606"/>
+            <a:ext cx="4513277" cy="486562"/>
+          </a:xfrm>
+          <a:prstGeom prst="rect">
+            <a:avLst/>
+          </a:prstGeom>
+        </p:spPr>
+        <p:style>
+          <a:lnRef idx="2">
+            <a:schemeClr val="accent1">
+              <a:shade val="50000"/>
+            </a:schemeClr>
+          </a:lnRef>
+          <a:fillRef idx="1">
+            <a:schemeClr val="accent1"/>
+          </a:fillRef>
+          <a:effectRef idx="0">
+            <a:schemeClr val="accent1"/>
+          </a:effectRef>
+          <a:fontRef idx="minor">
+            <a:schemeClr val="lt1"/>
+          </a:fontRef>
+        </p:style>
+        <p:txBody>
+          <a:bodyPr rtlCol="0" anchor="ctr"/>
+          <a:lstStyle/>
+          <a:p>
+            <a:pPr algn="ctr"/>
+            <a:endParaRPr lang="LID4096"/>
+          </a:p>
+        </p:txBody>
+      </p:sp>
+      <p:sp>
+        <p:nvSpPr>
+          <p:cNvPr id="25" name="Rectangle 24">
+            <a:extLst>
+              <a:ext uri="{FF2B5EF4-FFF2-40B4-BE49-F238E27FC236}">
+                <a16:creationId xmlns:a16="http://schemas.microsoft.com/office/drawing/2014/main" id="{D80FB8B5-20D9-4CA1-B9B2-17F9ACDBEC31}"/>
+              </a:ext>
+            </a:extLst>
+          </p:cNvPr>
+          <p:cNvSpPr/>
+          <p:nvPr/>
+        </p:nvSpPr>
+        <p:spPr>
+          <a:xfrm>
+            <a:off x="2094254" y="2588181"/>
+            <a:ext cx="4513277" cy="486562"/>
+          </a:xfrm>
+          <a:prstGeom prst="rect">
+            <a:avLst/>
+          </a:prstGeom>
+        </p:spPr>
+        <p:style>
+          <a:lnRef idx="2">
+            <a:schemeClr val="accent1">
+              <a:shade val="50000"/>
+            </a:schemeClr>
+          </a:lnRef>
+          <a:fillRef idx="1">
+            <a:schemeClr val="accent1"/>
+          </a:fillRef>
+          <a:effectRef idx="0">
+            <a:schemeClr val="accent1"/>
+          </a:effectRef>
+          <a:fontRef idx="minor">
+            <a:schemeClr val="lt1"/>
+          </a:fontRef>
+        </p:style>
+        <p:txBody>
+          <a:bodyPr rtlCol="0" anchor="ctr"/>
+          <a:lstStyle/>
+          <a:p>
+            <a:pPr algn="ctr"/>
+            <a:endParaRPr lang="LID4096"/>
+          </a:p>
+        </p:txBody>
+      </p:sp>
+      <p:sp>
+        <p:nvSpPr>
+          <p:cNvPr id="26" name="TextBox 25">
+            <a:extLst>
+              <a:ext uri="{FF2B5EF4-FFF2-40B4-BE49-F238E27FC236}">
+                <a16:creationId xmlns:a16="http://schemas.microsoft.com/office/drawing/2014/main" id="{0D371CEB-5E8F-446B-8940-A12FF559EECF}"/>
+              </a:ext>
+            </a:extLst>
+          </p:cNvPr>
+          <p:cNvSpPr txBox="1"/>
+          <p:nvPr/>
+        </p:nvSpPr>
+        <p:spPr>
+          <a:xfrm>
+            <a:off x="7077316" y="1831773"/>
+            <a:ext cx="1442637" cy="369332"/>
+          </a:xfrm>
+          <a:prstGeom prst="rect">
+            <a:avLst/>
+          </a:prstGeom>
+          <a:noFill/>
+        </p:spPr>
+        <p:txBody>
+          <a:bodyPr wrap="square" rtlCol="0">
+            <a:spAutoFit/>
+          </a:bodyPr>
+          <a:lstStyle/>
+          <a:p>
+            <a:r>
+              <a:rPr lang="he-IL" dirty="0"/>
+              <a:t>שורה במסמך:</a:t>
+            </a:r>
+            <a:endParaRPr lang="LID4096" dirty="0"/>
+          </a:p>
+        </p:txBody>
+      </p:sp>
+      <p:sp>
+        <p:nvSpPr>
+          <p:cNvPr id="27" name="TextBox 26">
+            <a:extLst>
+              <a:ext uri="{FF2B5EF4-FFF2-40B4-BE49-F238E27FC236}">
+                <a16:creationId xmlns:a16="http://schemas.microsoft.com/office/drawing/2014/main" id="{307BB011-4858-4722-BBE4-1B6590C68C64}"/>
+              </a:ext>
+            </a:extLst>
+          </p:cNvPr>
+          <p:cNvSpPr txBox="1"/>
+          <p:nvPr/>
+        </p:nvSpPr>
+        <p:spPr>
+          <a:xfrm>
+            <a:off x="7061936" y="2672071"/>
+            <a:ext cx="1458017" cy="369332"/>
+          </a:xfrm>
+          <a:prstGeom prst="rect">
+            <a:avLst/>
+          </a:prstGeom>
+          <a:noFill/>
+        </p:spPr>
+        <p:txBody>
+          <a:bodyPr wrap="square" rtlCol="0">
+            <a:spAutoFit/>
+          </a:bodyPr>
+          <a:lstStyle/>
+          <a:p>
+            <a:r>
+              <a:rPr lang="he-IL" dirty="0"/>
+              <a:t>מיקום בשורה:</a:t>
+            </a:r>
+            <a:endParaRPr lang="LID4096" dirty="0"/>
+          </a:p>
+        </p:txBody>
+      </p:sp>
+      <p:sp>
+        <p:nvSpPr>
+          <p:cNvPr id="28" name="Rectangle 27">
+            <a:extLst>
+              <a:ext uri="{FF2B5EF4-FFF2-40B4-BE49-F238E27FC236}">
+                <a16:creationId xmlns:a16="http://schemas.microsoft.com/office/drawing/2014/main" id="{BCE4B196-0925-469A-991D-1544BDECD78D}"/>
+              </a:ext>
+            </a:extLst>
+          </p:cNvPr>
+          <p:cNvSpPr/>
+          <p:nvPr/>
+        </p:nvSpPr>
+        <p:spPr>
+          <a:xfrm>
+            <a:off x="2075416" y="3472931"/>
+            <a:ext cx="1182849" cy="486562"/>
+          </a:xfrm>
+          <a:prstGeom prst="rect">
+            <a:avLst/>
+          </a:prstGeom>
+        </p:spPr>
+        <p:style>
+          <a:lnRef idx="2">
+            <a:schemeClr val="accent1">
+              <a:shade val="50000"/>
+            </a:schemeClr>
+          </a:lnRef>
+          <a:fillRef idx="1">
+            <a:schemeClr val="accent1"/>
+          </a:fillRef>
+          <a:effectRef idx="0">
+            <a:schemeClr val="accent1"/>
+          </a:effectRef>
+          <a:fontRef idx="minor">
+            <a:schemeClr val="lt1"/>
+          </a:fontRef>
+        </p:style>
+        <p:txBody>
+          <a:bodyPr rtlCol="0" anchor="ctr"/>
+          <a:lstStyle/>
+          <a:p>
+            <a:pPr algn="ctr"/>
+            <a:r>
+              <a:rPr lang="he-IL" dirty="0"/>
+              <a:t>שלח</a:t>
+            </a:r>
+            <a:endParaRPr lang="LID4096" dirty="0"/>
+          </a:p>
+        </p:txBody>
+      </p:sp>
+      <p:sp>
+        <p:nvSpPr>
+          <p:cNvPr id="30" name="Rectangle 29">
+            <a:extLst>
+              <a:ext uri="{FF2B5EF4-FFF2-40B4-BE49-F238E27FC236}">
+                <a16:creationId xmlns:a16="http://schemas.microsoft.com/office/drawing/2014/main" id="{693193E1-794E-4B59-859A-9EDE12ABE1B0}"/>
+              </a:ext>
+            </a:extLst>
+          </p:cNvPr>
+          <p:cNvSpPr/>
+          <p:nvPr/>
+        </p:nvSpPr>
+        <p:spPr>
+          <a:xfrm>
+            <a:off x="2094255" y="1069438"/>
+            <a:ext cx="4513277" cy="486562"/>
+          </a:xfrm>
+          <a:prstGeom prst="rect">
+            <a:avLst/>
+          </a:prstGeom>
+        </p:spPr>
+        <p:style>
+          <a:lnRef idx="2">
+            <a:schemeClr val="accent1">
+              <a:shade val="50000"/>
+            </a:schemeClr>
+          </a:lnRef>
+          <a:fillRef idx="1">
+            <a:schemeClr val="accent1"/>
+          </a:fillRef>
+          <a:effectRef idx="0">
+            <a:schemeClr val="accent1"/>
+          </a:effectRef>
+          <a:fontRef idx="minor">
+            <a:schemeClr val="lt1"/>
+          </a:fontRef>
+        </p:style>
+        <p:txBody>
+          <a:bodyPr rtlCol="0" anchor="ctr"/>
+          <a:lstStyle/>
+          <a:p>
+            <a:pPr algn="ctr"/>
+            <a:endParaRPr lang="LID4096"/>
+          </a:p>
+        </p:txBody>
+      </p:sp>
+      <p:sp>
+        <p:nvSpPr>
+          <p:cNvPr id="31" name="TextBox 30">
+            <a:extLst>
+              <a:ext uri="{FF2B5EF4-FFF2-40B4-BE49-F238E27FC236}">
+                <a16:creationId xmlns:a16="http://schemas.microsoft.com/office/drawing/2014/main" id="{49C35375-28FE-451F-BE15-165E7B37827A}"/>
+              </a:ext>
+            </a:extLst>
+          </p:cNvPr>
+          <p:cNvSpPr txBox="1"/>
+          <p:nvPr/>
+        </p:nvSpPr>
+        <p:spPr>
+          <a:xfrm>
+            <a:off x="7077316" y="1094605"/>
+            <a:ext cx="1442637" cy="369332"/>
+          </a:xfrm>
+          <a:prstGeom prst="rect">
+            <a:avLst/>
+          </a:prstGeom>
+          <a:noFill/>
+        </p:spPr>
+        <p:txBody>
+          <a:bodyPr wrap="square" rtlCol="0">
+            <a:spAutoFit/>
+          </a:bodyPr>
+          <a:lstStyle/>
+          <a:p>
+            <a:r>
+              <a:rPr lang="he-IL" dirty="0"/>
+              <a:t>מזהה מסמך:</a:t>
+            </a:r>
+            <a:endParaRPr lang="LID4096" dirty="0"/>
+          </a:p>
+        </p:txBody>
+      </p:sp>
+      <p:sp>
+        <p:nvSpPr>
+          <p:cNvPr id="2" name="Rectangle: Rounded Corners 1">
+            <a:extLst>
+              <a:ext uri="{FF2B5EF4-FFF2-40B4-BE49-F238E27FC236}">
+                <a16:creationId xmlns:a16="http://schemas.microsoft.com/office/drawing/2014/main" id="{B216FD59-B555-4573-B66E-2390BA69653A}"/>
+              </a:ext>
+            </a:extLst>
+          </p:cNvPr>
+          <p:cNvSpPr/>
+          <p:nvPr/>
+        </p:nvSpPr>
+        <p:spPr>
+          <a:xfrm>
+            <a:off x="1677851" y="4643562"/>
+            <a:ext cx="5708911" cy="1661823"/>
+          </a:xfrm>
+          <a:prstGeom prst="roundRect">
+            <a:avLst/>
+          </a:prstGeom>
+        </p:spPr>
+        <p:style>
+          <a:lnRef idx="2">
+            <a:schemeClr val="accent1">
+              <a:shade val="50000"/>
+            </a:schemeClr>
+          </a:lnRef>
+          <a:fillRef idx="1">
+            <a:schemeClr val="accent1"/>
+          </a:fillRef>
+          <a:effectRef idx="0">
+            <a:schemeClr val="accent1"/>
+          </a:effectRef>
+          <a:fontRef idx="minor">
+            <a:schemeClr val="lt1"/>
+          </a:fontRef>
+        </p:style>
+        <p:txBody>
+          <a:bodyPr rtlCol="0" anchor="ctr"/>
+          <a:lstStyle/>
+          <a:p>
+            <a:pPr algn="ctr"/>
+            <a:r>
+              <a:rPr lang="he-IL" dirty="0"/>
+              <a:t>המילה</a:t>
+            </a:r>
+            <a:endParaRPr lang="LID4096" dirty="0"/>
+          </a:p>
+        </p:txBody>
+      </p:sp>
+    </p:spTree>
+    <p:extLst>
+      <p:ext uri="{BB962C8B-B14F-4D97-AF65-F5344CB8AC3E}">
+        <p14:creationId xmlns:p14="http://schemas.microsoft.com/office/powerpoint/2010/main" val="1075239669"/>
+      </p:ext>
+    </p:extLst>
+  </p:cSld>
+  <p:clrMapOvr>
+    <a:masterClrMapping/>
+  </p:clrMapOvr>
+</p:sld>
+</file>
+
+<file path=ppt/slides/slide7.xml><?xml version="1.0" encoding="utf-8"?>
+<p:sld xmlns:a="http://schemas.openxmlformats.org/drawingml/2006/main" xmlns:r="http://schemas.openxmlformats.org/officeDocument/2006/relationships" xmlns:p="http://schemas.openxmlformats.org/presentationml/2006/main">
+  <p:cSld>
+    <p:spTree>
+      <p:nvGrpSpPr>
+        <p:cNvPr id="1" name=""/>
+        <p:cNvGrpSpPr/>
+        <p:nvPr/>
+      </p:nvGrpSpPr>
+      <p:grpSpPr>
+        <a:xfrm>
+          <a:off x="0" y="0"/>
+          <a:ext cx="0" cy="0"/>
+          <a:chOff x="0" y="0"/>
+          <a:chExt cx="0" cy="0"/>
+        </a:xfrm>
+      </p:grpSpPr>
+      <p:sp>
+        <p:nvSpPr>
+          <p:cNvPr id="4" name="Rectangle 3">
+            <a:extLst>
+              <a:ext uri="{FF2B5EF4-FFF2-40B4-BE49-F238E27FC236}">
+                <a16:creationId xmlns:a16="http://schemas.microsoft.com/office/drawing/2014/main" id="{9D08D7E8-1348-4094-941D-E1F7A75843A4}"/>
+              </a:ext>
+            </a:extLst>
+          </p:cNvPr>
+          <p:cNvSpPr/>
+          <p:nvPr/>
+        </p:nvSpPr>
+        <p:spPr>
+          <a:xfrm>
+            <a:off x="9949343" y="0"/>
+            <a:ext cx="2242657" cy="6858000"/>
+          </a:xfrm>
+          <a:prstGeom prst="rect">
+            <a:avLst/>
+          </a:prstGeom>
+        </p:spPr>
+        <p:style>
+          <a:lnRef idx="2">
+            <a:schemeClr val="accent1">
+              <a:shade val="50000"/>
+            </a:schemeClr>
+          </a:lnRef>
+          <a:fillRef idx="1">
+            <a:schemeClr val="accent1"/>
+          </a:fillRef>
+          <a:effectRef idx="0">
+            <a:schemeClr val="accent1"/>
+          </a:effectRef>
+          <a:fontRef idx="minor">
+            <a:schemeClr val="lt1"/>
+          </a:fontRef>
+        </p:style>
+        <p:txBody>
+          <a:bodyPr rtlCol="0" anchor="ctr"/>
+          <a:lstStyle/>
+          <a:p>
+            <a:pPr algn="ctr"/>
+            <a:endParaRPr lang="LID4096"/>
+          </a:p>
+        </p:txBody>
+      </p:sp>
+      <p:sp>
+        <p:nvSpPr>
+          <p:cNvPr id="5" name="Rectangle: Rounded Corners 4">
+            <a:extLst>
+              <a:ext uri="{FF2B5EF4-FFF2-40B4-BE49-F238E27FC236}">
+                <a16:creationId xmlns:a16="http://schemas.microsoft.com/office/drawing/2014/main" id="{678551CD-302F-48DE-9FF4-1EE06ACBFC3E}"/>
+              </a:ext>
+            </a:extLst>
+          </p:cNvPr>
+          <p:cNvSpPr/>
+          <p:nvPr/>
+        </p:nvSpPr>
+        <p:spPr>
+          <a:xfrm>
+            <a:off x="10043018" y="1355603"/>
+            <a:ext cx="2055303" cy="403614"/>
+          </a:xfrm>
+          <a:prstGeom prst="roundRect">
+            <a:avLst/>
+          </a:prstGeom>
+        </p:spPr>
+        <p:style>
+          <a:lnRef idx="2">
+            <a:schemeClr val="accent1">
+              <a:shade val="50000"/>
+            </a:schemeClr>
+          </a:lnRef>
+          <a:fillRef idx="1">
+            <a:schemeClr val="accent1"/>
+          </a:fillRef>
+          <a:effectRef idx="0">
+            <a:schemeClr val="accent1"/>
+          </a:effectRef>
+          <a:fontRef idx="minor">
+            <a:schemeClr val="lt1"/>
+          </a:fontRef>
+        </p:style>
+        <p:txBody>
+          <a:bodyPr rtlCol="0" anchor="ctr"/>
+          <a:lstStyle/>
+          <a:p>
+            <a:pPr algn="ctr"/>
+            <a:r>
+              <a:rPr lang="he-IL" dirty="0"/>
+              <a:t>טעינת מסמכים</a:t>
+            </a:r>
+            <a:endParaRPr lang="LID4096" dirty="0"/>
+          </a:p>
+        </p:txBody>
+      </p:sp>
+      <p:sp>
+        <p:nvSpPr>
+          <p:cNvPr id="6" name="Rectangle: Rounded Corners 5">
+            <a:extLst>
+              <a:ext uri="{FF2B5EF4-FFF2-40B4-BE49-F238E27FC236}">
+                <a16:creationId xmlns:a16="http://schemas.microsoft.com/office/drawing/2014/main" id="{A3757693-1624-4A3C-A1EC-B738DCFB92C7}"/>
+              </a:ext>
+            </a:extLst>
+          </p:cNvPr>
+          <p:cNvSpPr/>
+          <p:nvPr/>
+        </p:nvSpPr>
+        <p:spPr>
+          <a:xfrm>
+            <a:off x="10006795" y="1823557"/>
+            <a:ext cx="2055303" cy="453947"/>
+          </a:xfrm>
+          <a:prstGeom prst="roundRect">
+            <a:avLst/>
+          </a:prstGeom>
+        </p:spPr>
+        <p:style>
+          <a:lnRef idx="2">
+            <a:schemeClr val="accent1">
+              <a:shade val="50000"/>
+            </a:schemeClr>
+          </a:lnRef>
+          <a:fillRef idx="1">
+            <a:schemeClr val="accent1"/>
+          </a:fillRef>
+          <a:effectRef idx="0">
+            <a:schemeClr val="accent1"/>
+          </a:effectRef>
+          <a:fontRef idx="minor">
+            <a:schemeClr val="lt1"/>
+          </a:fontRef>
+        </p:style>
+        <p:txBody>
+          <a:bodyPr rtlCol="0" anchor="ctr"/>
+          <a:lstStyle/>
+          <a:p>
+            <a:pPr algn="ctr"/>
+            <a:r>
+              <a:rPr lang="he-IL" dirty="0"/>
+              <a:t>הכנסת נתונים מובנים</a:t>
+            </a:r>
+            <a:endParaRPr lang="LID4096" dirty="0"/>
+          </a:p>
+        </p:txBody>
+      </p:sp>
+      <p:sp>
+        <p:nvSpPr>
+          <p:cNvPr id="7" name="Rectangle: Rounded Corners 6">
+            <a:extLst>
+              <a:ext uri="{FF2B5EF4-FFF2-40B4-BE49-F238E27FC236}">
+                <a16:creationId xmlns:a16="http://schemas.microsoft.com/office/drawing/2014/main" id="{9F260B32-97DC-4743-9EE9-D606024F3DA1}"/>
+              </a:ext>
+            </a:extLst>
+          </p:cNvPr>
+          <p:cNvSpPr/>
+          <p:nvPr/>
+        </p:nvSpPr>
+        <p:spPr>
+          <a:xfrm>
+            <a:off x="10043019" y="2352494"/>
+            <a:ext cx="2055303" cy="476844"/>
+          </a:xfrm>
+          <a:prstGeom prst="roundRect">
+            <a:avLst/>
+          </a:prstGeom>
+        </p:spPr>
+        <p:style>
+          <a:lnRef idx="2">
+            <a:schemeClr val="accent1">
+              <a:shade val="50000"/>
+            </a:schemeClr>
+          </a:lnRef>
+          <a:fillRef idx="1">
+            <a:schemeClr val="accent1"/>
+          </a:fillRef>
+          <a:effectRef idx="0">
+            <a:schemeClr val="accent1"/>
+          </a:effectRef>
+          <a:fontRef idx="minor">
+            <a:schemeClr val="lt1"/>
+          </a:fontRef>
+        </p:style>
+        <p:txBody>
+          <a:bodyPr rtlCol="0" anchor="ctr"/>
+          <a:lstStyle/>
+          <a:p>
+            <a:pPr algn="ctr"/>
+            <a:r>
+              <a:rPr lang="he-IL" dirty="0"/>
+              <a:t>הצגת כל המילים בטקסט</a:t>
+            </a:r>
+            <a:endParaRPr lang="LID4096" dirty="0"/>
+          </a:p>
+        </p:txBody>
+      </p:sp>
+      <p:sp>
+        <p:nvSpPr>
+          <p:cNvPr id="8" name="Rectangle: Rounded Corners 7">
+            <a:extLst>
+              <a:ext uri="{FF2B5EF4-FFF2-40B4-BE49-F238E27FC236}">
+                <a16:creationId xmlns:a16="http://schemas.microsoft.com/office/drawing/2014/main" id="{BFDA8C7F-CCC1-4AE7-A805-DB8AE2A1676F}"/>
+              </a:ext>
+            </a:extLst>
+          </p:cNvPr>
+          <p:cNvSpPr/>
+          <p:nvPr/>
+        </p:nvSpPr>
+        <p:spPr>
+          <a:xfrm>
+            <a:off x="10059798" y="2915106"/>
+            <a:ext cx="2055303" cy="492224"/>
+          </a:xfrm>
+          <a:prstGeom prst="roundRect">
+            <a:avLst/>
+          </a:prstGeom>
+        </p:spPr>
+        <p:style>
+          <a:lnRef idx="2">
+            <a:schemeClr val="accent1">
+              <a:shade val="50000"/>
+            </a:schemeClr>
+          </a:lnRef>
+          <a:fillRef idx="1">
+            <a:schemeClr val="accent1"/>
+          </a:fillRef>
+          <a:effectRef idx="0">
+            <a:schemeClr val="accent1"/>
+          </a:effectRef>
+          <a:fontRef idx="minor">
+            <a:schemeClr val="lt1"/>
+          </a:fontRef>
+        </p:style>
+        <p:txBody>
+          <a:bodyPr rtlCol="0" anchor="ctr"/>
+          <a:lstStyle/>
+          <a:p>
+            <a:pPr algn="ctr"/>
+            <a:r>
+              <a:rPr lang="he-IL" dirty="0"/>
+              <a:t>הצגת כל המילים כאינדקס</a:t>
+            </a:r>
+            <a:endParaRPr lang="LID4096" dirty="0"/>
+          </a:p>
+        </p:txBody>
+      </p:sp>
+      <p:sp>
+        <p:nvSpPr>
+          <p:cNvPr id="9" name="Rectangle: Rounded Corners 8">
+            <a:extLst>
+              <a:ext uri="{FF2B5EF4-FFF2-40B4-BE49-F238E27FC236}">
+                <a16:creationId xmlns:a16="http://schemas.microsoft.com/office/drawing/2014/main" id="{93BED076-AB0F-4143-8234-C2D92456C04E}"/>
+              </a:ext>
+            </a:extLst>
+          </p:cNvPr>
+          <p:cNvSpPr/>
+          <p:nvPr/>
+        </p:nvSpPr>
+        <p:spPr>
+          <a:xfrm>
+            <a:off x="10069585" y="3475841"/>
+            <a:ext cx="2055303" cy="755009"/>
+          </a:xfrm>
+          <a:prstGeom prst="roundRect">
+            <a:avLst/>
+          </a:prstGeom>
+        </p:spPr>
+        <p:style>
+          <a:lnRef idx="2">
+            <a:schemeClr val="accent1">
+              <a:shade val="50000"/>
+            </a:schemeClr>
+          </a:lnRef>
+          <a:fillRef idx="1">
+            <a:schemeClr val="accent1"/>
+          </a:fillRef>
+          <a:effectRef idx="0">
+            <a:schemeClr val="accent1"/>
+          </a:effectRef>
+          <a:fontRef idx="minor">
+            <a:schemeClr val="lt1"/>
+          </a:fontRef>
+        </p:style>
+        <p:txBody>
+          <a:bodyPr rtlCol="0" anchor="ctr"/>
+          <a:lstStyle/>
+          <a:p>
+            <a:pPr algn="ctr"/>
+            <a:r>
+              <a:rPr lang="he-IL" dirty="0"/>
+              <a:t>איתור מילה לפי המיקום שלה</a:t>
+            </a:r>
+            <a:endParaRPr lang="LID4096" dirty="0"/>
+          </a:p>
+        </p:txBody>
+      </p:sp>
+      <p:sp>
+        <p:nvSpPr>
+          <p:cNvPr id="10" name="Rectangle: Rounded Corners 9">
+            <a:extLst>
+              <a:ext uri="{FF2B5EF4-FFF2-40B4-BE49-F238E27FC236}">
+                <a16:creationId xmlns:a16="http://schemas.microsoft.com/office/drawing/2014/main" id="{94BA2B08-BAA0-4941-8AC1-7296F2FD1B81}"/>
+              </a:ext>
+            </a:extLst>
+          </p:cNvPr>
+          <p:cNvSpPr/>
+          <p:nvPr/>
+        </p:nvSpPr>
+        <p:spPr>
+          <a:xfrm>
+            <a:off x="10062594" y="4282583"/>
+            <a:ext cx="2055303" cy="755009"/>
+          </a:xfrm>
+          <a:prstGeom prst="roundRect">
+            <a:avLst/>
+          </a:prstGeom>
+        </p:spPr>
+        <p:style>
+          <a:lnRef idx="2">
+            <a:schemeClr val="accent1">
+              <a:shade val="50000"/>
+            </a:schemeClr>
+          </a:lnRef>
+          <a:fillRef idx="1">
+            <a:schemeClr val="accent1"/>
+          </a:fillRef>
+          <a:effectRef idx="0">
+            <a:schemeClr val="accent1"/>
+          </a:effectRef>
+          <a:fontRef idx="minor">
+            <a:schemeClr val="lt1"/>
+          </a:fontRef>
+        </p:style>
+        <p:txBody>
+          <a:bodyPr rtlCol="0" anchor="ctr"/>
+          <a:lstStyle/>
+          <a:p>
+            <a:pPr algn="ctr"/>
+            <a:r>
+              <a:rPr lang="he-IL" sz="1400" dirty="0"/>
+              <a:t>הגדרת קבוצות של מילים בעלות משמעות מיוחדת וצפייה כאינדקס</a:t>
+            </a:r>
+            <a:endParaRPr lang="LID4096" sz="1400" dirty="0"/>
+          </a:p>
+        </p:txBody>
+      </p:sp>
+      <p:sp>
+        <p:nvSpPr>
+          <p:cNvPr id="11" name="Rectangle: Rounded Corners 10">
+            <a:extLst>
+              <a:ext uri="{FF2B5EF4-FFF2-40B4-BE49-F238E27FC236}">
+                <a16:creationId xmlns:a16="http://schemas.microsoft.com/office/drawing/2014/main" id="{ED742705-0483-4FB3-9D63-924D2E800B84}"/>
+              </a:ext>
+            </a:extLst>
+          </p:cNvPr>
+          <p:cNvSpPr/>
+          <p:nvPr/>
+        </p:nvSpPr>
+        <p:spPr>
+          <a:xfrm>
+            <a:off x="10054205" y="5079538"/>
+            <a:ext cx="2055303" cy="755009"/>
+          </a:xfrm>
+          <a:prstGeom prst="roundRect">
+            <a:avLst/>
+          </a:prstGeom>
+        </p:spPr>
+        <p:style>
+          <a:lnRef idx="2">
+            <a:schemeClr val="accent1">
+              <a:shade val="50000"/>
+            </a:schemeClr>
+          </a:lnRef>
+          <a:fillRef idx="1">
+            <a:schemeClr val="accent1"/>
+          </a:fillRef>
+          <a:effectRef idx="0">
+            <a:schemeClr val="accent1"/>
+          </a:effectRef>
+          <a:fontRef idx="minor">
+            <a:schemeClr val="lt1"/>
+          </a:fontRef>
+        </p:style>
+        <p:txBody>
+          <a:bodyPr rtlCol="0" anchor="ctr"/>
+          <a:lstStyle/>
+          <a:p>
+            <a:pPr algn="ctr"/>
+            <a:r>
+              <a:rPr lang="he-IL" dirty="0"/>
+              <a:t>אחסנת ביטויים לשוניים</a:t>
+            </a:r>
+            <a:endParaRPr lang="LID4096" dirty="0"/>
+          </a:p>
+        </p:txBody>
+      </p:sp>
+      <p:sp>
+        <p:nvSpPr>
+          <p:cNvPr id="12" name="Rectangle: Rounded Corners 11">
+            <a:extLst>
+              <a:ext uri="{FF2B5EF4-FFF2-40B4-BE49-F238E27FC236}">
+                <a16:creationId xmlns:a16="http://schemas.microsoft.com/office/drawing/2014/main" id="{F1828DAB-33D1-464B-8E7A-9DA93EC2C52C}"/>
+              </a:ext>
+            </a:extLst>
+          </p:cNvPr>
+          <p:cNvSpPr/>
+          <p:nvPr/>
+        </p:nvSpPr>
+        <p:spPr>
+          <a:xfrm>
+            <a:off x="10055603" y="5886280"/>
+            <a:ext cx="2055303" cy="755009"/>
+          </a:xfrm>
+          <a:prstGeom prst="roundRect">
+            <a:avLst/>
+          </a:prstGeom>
+        </p:spPr>
+        <p:style>
+          <a:lnRef idx="2">
+            <a:schemeClr val="accent1">
+              <a:shade val="50000"/>
+            </a:schemeClr>
+          </a:lnRef>
+          <a:fillRef idx="1">
+            <a:schemeClr val="accent1"/>
+          </a:fillRef>
+          <a:effectRef idx="0">
+            <a:schemeClr val="accent1"/>
+          </a:effectRef>
+          <a:fontRef idx="minor">
+            <a:schemeClr val="lt1"/>
+          </a:fontRef>
+        </p:style>
+        <p:txBody>
+          <a:bodyPr rtlCol="0" anchor="ctr"/>
+          <a:lstStyle/>
+          <a:p>
+            <a:pPr algn="ctr"/>
+            <a:r>
+              <a:rPr lang="he-IL" dirty="0"/>
+              <a:t>נתונים סטטיסטיים</a:t>
+            </a:r>
+            <a:endParaRPr lang="LID4096" dirty="0"/>
+          </a:p>
+        </p:txBody>
+      </p:sp>
+      <p:sp>
+        <p:nvSpPr>
+          <p:cNvPr id="22" name="Rectangle: Rounded Corners 21">
+            <a:extLst>
+              <a:ext uri="{FF2B5EF4-FFF2-40B4-BE49-F238E27FC236}">
+                <a16:creationId xmlns:a16="http://schemas.microsoft.com/office/drawing/2014/main" id="{268853CB-0393-4864-8E9B-F58F27C329F4}"/>
+              </a:ext>
+            </a:extLst>
+          </p:cNvPr>
+          <p:cNvSpPr/>
+          <p:nvPr/>
+        </p:nvSpPr>
+        <p:spPr>
+          <a:xfrm>
+            <a:off x="10062594" y="909105"/>
+            <a:ext cx="2055303" cy="403614"/>
+          </a:xfrm>
+          <a:prstGeom prst="roundRect">
+            <a:avLst/>
+          </a:prstGeom>
+        </p:spPr>
+        <p:style>
+          <a:lnRef idx="2">
+            <a:schemeClr val="accent1">
+              <a:shade val="50000"/>
+            </a:schemeClr>
+          </a:lnRef>
+          <a:fillRef idx="1">
+            <a:schemeClr val="accent1"/>
+          </a:fillRef>
+          <a:effectRef idx="0">
+            <a:schemeClr val="accent1"/>
+          </a:effectRef>
+          <a:fontRef idx="minor">
+            <a:schemeClr val="lt1"/>
+          </a:fontRef>
+        </p:style>
+        <p:txBody>
+          <a:bodyPr rtlCol="0" anchor="ctr"/>
+          <a:lstStyle/>
+          <a:p>
+            <a:pPr algn="ctr"/>
+            <a:r>
+              <a:rPr lang="he-IL" dirty="0"/>
+              <a:t>שליפת מסמכים</a:t>
+            </a:r>
+            <a:endParaRPr lang="LID4096" dirty="0"/>
+          </a:p>
+        </p:txBody>
+      </p:sp>
+      <p:sp>
+        <p:nvSpPr>
+          <p:cNvPr id="23" name="Rectangle: Rounded Corners 22">
+            <a:extLst>
+              <a:ext uri="{FF2B5EF4-FFF2-40B4-BE49-F238E27FC236}">
+                <a16:creationId xmlns:a16="http://schemas.microsoft.com/office/drawing/2014/main" id="{9C69875C-CC73-42D3-B878-F65C417FD4BD}"/>
+              </a:ext>
+            </a:extLst>
+          </p:cNvPr>
+          <p:cNvSpPr/>
+          <p:nvPr/>
+        </p:nvSpPr>
+        <p:spPr>
+          <a:xfrm>
+            <a:off x="10043018" y="79334"/>
+            <a:ext cx="1983723" cy="756382"/>
+          </a:xfrm>
+          <a:prstGeom prst="roundRect">
+            <a:avLst/>
+          </a:prstGeom>
+        </p:spPr>
+        <p:style>
+          <a:lnRef idx="2">
+            <a:schemeClr val="accent1">
+              <a:shade val="50000"/>
+            </a:schemeClr>
+          </a:lnRef>
+          <a:fillRef idx="1">
+            <a:schemeClr val="accent1"/>
+          </a:fillRef>
+          <a:effectRef idx="0">
+            <a:schemeClr val="accent1"/>
+          </a:effectRef>
+          <a:fontRef idx="minor">
+            <a:schemeClr val="lt1"/>
+          </a:fontRef>
+        </p:style>
+        <p:txBody>
+          <a:bodyPr rtlCol="0" anchor="ctr"/>
+          <a:lstStyle/>
+          <a:p>
+            <a:pPr algn="ctr"/>
+            <a:r>
+              <a:rPr lang="he-IL" dirty="0">
+                <a:solidFill>
+                  <a:schemeClr val="tx1"/>
+                </a:solidFill>
+              </a:rPr>
+              <a:t>מערכת שירותי קונקורדנציה ואחזור טקסט</a:t>
+            </a:r>
+            <a:endParaRPr lang="LID4096" dirty="0">
+              <a:solidFill>
+                <a:schemeClr val="tx1"/>
+              </a:solidFill>
+            </a:endParaRPr>
+          </a:p>
+        </p:txBody>
+      </p:sp>
+      <p:sp>
+        <p:nvSpPr>
+          <p:cNvPr id="24" name="Rectangle 23">
+            <a:extLst>
+              <a:ext uri="{FF2B5EF4-FFF2-40B4-BE49-F238E27FC236}">
+                <a16:creationId xmlns:a16="http://schemas.microsoft.com/office/drawing/2014/main" id="{2BA9E042-AAEE-46A9-8E89-D89E1C35804A}"/>
+              </a:ext>
+            </a:extLst>
+          </p:cNvPr>
+          <p:cNvSpPr/>
+          <p:nvPr/>
+        </p:nvSpPr>
+        <p:spPr>
+          <a:xfrm>
+            <a:off x="364921" y="125835"/>
+            <a:ext cx="9345336" cy="755009"/>
+          </a:xfrm>
+          <a:prstGeom prst="rect">
+            <a:avLst/>
+          </a:prstGeom>
+        </p:spPr>
+        <p:style>
+          <a:lnRef idx="2">
+            <a:schemeClr val="accent1">
+              <a:shade val="50000"/>
+            </a:schemeClr>
+          </a:lnRef>
+          <a:fillRef idx="1">
+            <a:schemeClr val="accent1"/>
+          </a:fillRef>
+          <a:effectRef idx="0">
+            <a:schemeClr val="accent1"/>
+          </a:effectRef>
+          <a:fontRef idx="minor">
+            <a:schemeClr val="lt1"/>
+          </a:fontRef>
+        </p:style>
+        <p:txBody>
+          <a:bodyPr rtlCol="0" anchor="ctr"/>
+          <a:lstStyle/>
+          <a:p>
+            <a:pPr algn="ctr"/>
+            <a:r>
+              <a:rPr lang="he-IL" dirty="0"/>
+              <a:t>נתונים סטטיסטיים</a:t>
+            </a:r>
+            <a:endParaRPr lang="LID4096" dirty="0"/>
+          </a:p>
+        </p:txBody>
+      </p:sp>
+      <p:sp>
+        <p:nvSpPr>
+          <p:cNvPr id="18" name="Rectangle 17">
+            <a:extLst>
+              <a:ext uri="{FF2B5EF4-FFF2-40B4-BE49-F238E27FC236}">
+                <a16:creationId xmlns:a16="http://schemas.microsoft.com/office/drawing/2014/main" id="{A315AE7B-74C0-4187-B3A9-33AFE3E23C71}"/>
+              </a:ext>
+            </a:extLst>
+          </p:cNvPr>
+          <p:cNvSpPr/>
+          <p:nvPr/>
+        </p:nvSpPr>
+        <p:spPr>
+          <a:xfrm>
+            <a:off x="2094255" y="1806606"/>
+            <a:ext cx="4513277" cy="486562"/>
+          </a:xfrm>
+          <a:prstGeom prst="rect">
+            <a:avLst/>
+          </a:prstGeom>
+        </p:spPr>
+        <p:style>
+          <a:lnRef idx="2">
+            <a:schemeClr val="accent1">
+              <a:shade val="50000"/>
+            </a:schemeClr>
+          </a:lnRef>
+          <a:fillRef idx="1">
+            <a:schemeClr val="accent1"/>
+          </a:fillRef>
+          <a:effectRef idx="0">
+            <a:schemeClr val="accent1"/>
+          </a:effectRef>
+          <a:fontRef idx="minor">
+            <a:schemeClr val="lt1"/>
+          </a:fontRef>
+        </p:style>
+        <p:txBody>
+          <a:bodyPr rtlCol="0" anchor="ctr"/>
+          <a:lstStyle/>
+          <a:p>
+            <a:pPr algn="ctr"/>
+            <a:endParaRPr lang="LID4096"/>
+          </a:p>
+        </p:txBody>
+      </p:sp>
+      <p:sp>
+        <p:nvSpPr>
+          <p:cNvPr id="25" name="Rectangle 24">
+            <a:extLst>
+              <a:ext uri="{FF2B5EF4-FFF2-40B4-BE49-F238E27FC236}">
+                <a16:creationId xmlns:a16="http://schemas.microsoft.com/office/drawing/2014/main" id="{D80FB8B5-20D9-4CA1-B9B2-17F9ACDBEC31}"/>
+              </a:ext>
+            </a:extLst>
+          </p:cNvPr>
+          <p:cNvSpPr/>
+          <p:nvPr/>
+        </p:nvSpPr>
+        <p:spPr>
+          <a:xfrm>
+            <a:off x="2094254" y="2588181"/>
+            <a:ext cx="4513277" cy="486562"/>
+          </a:xfrm>
+          <a:prstGeom prst="rect">
+            <a:avLst/>
+          </a:prstGeom>
+        </p:spPr>
+        <p:style>
+          <a:lnRef idx="2">
+            <a:schemeClr val="accent1">
+              <a:shade val="50000"/>
+            </a:schemeClr>
+          </a:lnRef>
+          <a:fillRef idx="1">
+            <a:schemeClr val="accent1"/>
+          </a:fillRef>
+          <a:effectRef idx="0">
+            <a:schemeClr val="accent1"/>
+          </a:effectRef>
+          <a:fontRef idx="minor">
+            <a:schemeClr val="lt1"/>
+          </a:fontRef>
+        </p:style>
+        <p:txBody>
+          <a:bodyPr rtlCol="0" anchor="ctr"/>
+          <a:lstStyle/>
+          <a:p>
+            <a:pPr algn="ctr"/>
+            <a:endParaRPr lang="LID4096"/>
+          </a:p>
+        </p:txBody>
+      </p:sp>
+      <p:sp>
+        <p:nvSpPr>
+          <p:cNvPr id="26" name="TextBox 25">
+            <a:extLst>
+              <a:ext uri="{FF2B5EF4-FFF2-40B4-BE49-F238E27FC236}">
+                <a16:creationId xmlns:a16="http://schemas.microsoft.com/office/drawing/2014/main" id="{0D371CEB-5E8F-446B-8940-A12FF559EECF}"/>
+              </a:ext>
+            </a:extLst>
+          </p:cNvPr>
+          <p:cNvSpPr txBox="1"/>
+          <p:nvPr/>
+        </p:nvSpPr>
+        <p:spPr>
+          <a:xfrm>
+            <a:off x="7077316" y="1831773"/>
+            <a:ext cx="1442637" cy="369332"/>
+          </a:xfrm>
+          <a:prstGeom prst="rect">
+            <a:avLst/>
+          </a:prstGeom>
+          <a:noFill/>
+        </p:spPr>
+        <p:txBody>
+          <a:bodyPr wrap="square" rtlCol="0">
+            <a:spAutoFit/>
+          </a:bodyPr>
+          <a:lstStyle/>
+          <a:p>
+            <a:r>
+              <a:rPr lang="he-IL" dirty="0"/>
+              <a:t>שורה במסמך:</a:t>
+            </a:r>
+            <a:endParaRPr lang="LID4096" dirty="0"/>
+          </a:p>
+        </p:txBody>
+      </p:sp>
+      <p:sp>
+        <p:nvSpPr>
+          <p:cNvPr id="27" name="TextBox 26">
+            <a:extLst>
+              <a:ext uri="{FF2B5EF4-FFF2-40B4-BE49-F238E27FC236}">
+                <a16:creationId xmlns:a16="http://schemas.microsoft.com/office/drawing/2014/main" id="{307BB011-4858-4722-BBE4-1B6590C68C64}"/>
+              </a:ext>
+            </a:extLst>
+          </p:cNvPr>
+          <p:cNvSpPr txBox="1"/>
+          <p:nvPr/>
+        </p:nvSpPr>
+        <p:spPr>
+          <a:xfrm>
+            <a:off x="7061936" y="2672071"/>
+            <a:ext cx="1458017" cy="369332"/>
+          </a:xfrm>
+          <a:prstGeom prst="rect">
+            <a:avLst/>
+          </a:prstGeom>
+          <a:noFill/>
+        </p:spPr>
+        <p:txBody>
+          <a:bodyPr wrap="square" rtlCol="0">
+            <a:spAutoFit/>
+          </a:bodyPr>
+          <a:lstStyle/>
+          <a:p>
+            <a:r>
+              <a:rPr lang="he-IL" dirty="0"/>
+              <a:t>מיקום בשורה:</a:t>
+            </a:r>
+            <a:endParaRPr lang="LID4096" dirty="0"/>
+          </a:p>
+        </p:txBody>
+      </p:sp>
+      <p:sp>
+        <p:nvSpPr>
+          <p:cNvPr id="28" name="Rectangle 27">
+            <a:extLst>
+              <a:ext uri="{FF2B5EF4-FFF2-40B4-BE49-F238E27FC236}">
+                <a16:creationId xmlns:a16="http://schemas.microsoft.com/office/drawing/2014/main" id="{BCE4B196-0925-469A-991D-1544BDECD78D}"/>
+              </a:ext>
+            </a:extLst>
+          </p:cNvPr>
+          <p:cNvSpPr/>
+          <p:nvPr/>
+        </p:nvSpPr>
+        <p:spPr>
+          <a:xfrm>
+            <a:off x="2075416" y="3472931"/>
+            <a:ext cx="1182849" cy="486562"/>
+          </a:xfrm>
+          <a:prstGeom prst="rect">
+            <a:avLst/>
+          </a:prstGeom>
+        </p:spPr>
+        <p:style>
+          <a:lnRef idx="2">
+            <a:schemeClr val="accent1">
+              <a:shade val="50000"/>
+            </a:schemeClr>
+          </a:lnRef>
+          <a:fillRef idx="1">
+            <a:schemeClr val="accent1"/>
+          </a:fillRef>
+          <a:effectRef idx="0">
+            <a:schemeClr val="accent1"/>
+          </a:effectRef>
+          <a:fontRef idx="minor">
+            <a:schemeClr val="lt1"/>
+          </a:fontRef>
+        </p:style>
+        <p:txBody>
+          <a:bodyPr rtlCol="0" anchor="ctr"/>
+          <a:lstStyle/>
+          <a:p>
+            <a:pPr algn="ctr"/>
+            <a:r>
+              <a:rPr lang="he-IL" dirty="0"/>
+              <a:t>שלח</a:t>
+            </a:r>
+            <a:endParaRPr lang="LID4096" dirty="0"/>
+          </a:p>
+        </p:txBody>
+      </p:sp>
+      <p:sp>
+        <p:nvSpPr>
+          <p:cNvPr id="30" name="Rectangle 29">
+            <a:extLst>
+              <a:ext uri="{FF2B5EF4-FFF2-40B4-BE49-F238E27FC236}">
+                <a16:creationId xmlns:a16="http://schemas.microsoft.com/office/drawing/2014/main" id="{693193E1-794E-4B59-859A-9EDE12ABE1B0}"/>
+              </a:ext>
+            </a:extLst>
+          </p:cNvPr>
+          <p:cNvSpPr/>
+          <p:nvPr/>
+        </p:nvSpPr>
+        <p:spPr>
+          <a:xfrm>
+            <a:off x="2094255" y="1069438"/>
+            <a:ext cx="4513277" cy="486562"/>
+          </a:xfrm>
+          <a:prstGeom prst="rect">
+            <a:avLst/>
+          </a:prstGeom>
+        </p:spPr>
+        <p:style>
+          <a:lnRef idx="2">
+            <a:schemeClr val="accent1">
+              <a:shade val="50000"/>
+            </a:schemeClr>
+          </a:lnRef>
+          <a:fillRef idx="1">
+            <a:schemeClr val="accent1"/>
+          </a:fillRef>
+          <a:effectRef idx="0">
+            <a:schemeClr val="accent1"/>
+          </a:effectRef>
+          <a:fontRef idx="minor">
+            <a:schemeClr val="lt1"/>
+          </a:fontRef>
+        </p:style>
+        <p:txBody>
+          <a:bodyPr rtlCol="0" anchor="ctr"/>
+          <a:lstStyle/>
+          <a:p>
+            <a:pPr algn="ctr"/>
+            <a:endParaRPr lang="LID4096"/>
+          </a:p>
+        </p:txBody>
+      </p:sp>
+      <p:sp>
+        <p:nvSpPr>
+          <p:cNvPr id="31" name="TextBox 30">
+            <a:extLst>
+              <a:ext uri="{FF2B5EF4-FFF2-40B4-BE49-F238E27FC236}">
+                <a16:creationId xmlns:a16="http://schemas.microsoft.com/office/drawing/2014/main" id="{49C35375-28FE-451F-BE15-165E7B37827A}"/>
+              </a:ext>
+            </a:extLst>
+          </p:cNvPr>
+          <p:cNvSpPr txBox="1"/>
+          <p:nvPr/>
+        </p:nvSpPr>
+        <p:spPr>
+          <a:xfrm>
+            <a:off x="7077316" y="1094605"/>
+            <a:ext cx="1442637" cy="369332"/>
+          </a:xfrm>
+          <a:prstGeom prst="rect">
+            <a:avLst/>
+          </a:prstGeom>
+          <a:noFill/>
+        </p:spPr>
+        <p:txBody>
+          <a:bodyPr wrap="square" rtlCol="0">
+            <a:spAutoFit/>
+          </a:bodyPr>
+          <a:lstStyle/>
+          <a:p>
+            <a:r>
+              <a:rPr lang="he-IL" dirty="0"/>
+              <a:t>מזהה מסמך:</a:t>
+            </a:r>
+            <a:endParaRPr lang="LID4096" dirty="0"/>
+          </a:p>
+        </p:txBody>
+      </p:sp>
+      <p:sp>
+        <p:nvSpPr>
+          <p:cNvPr id="2" name="Rectangle: Rounded Corners 1">
+            <a:extLst>
+              <a:ext uri="{FF2B5EF4-FFF2-40B4-BE49-F238E27FC236}">
+                <a16:creationId xmlns:a16="http://schemas.microsoft.com/office/drawing/2014/main" id="{B216FD59-B555-4573-B66E-2390BA69653A}"/>
+              </a:ext>
+            </a:extLst>
+          </p:cNvPr>
+          <p:cNvSpPr/>
+          <p:nvPr/>
+        </p:nvSpPr>
+        <p:spPr>
+          <a:xfrm>
+            <a:off x="1677851" y="4643562"/>
+            <a:ext cx="5708911" cy="1661823"/>
+          </a:xfrm>
+          <a:prstGeom prst="roundRect">
+            <a:avLst/>
+          </a:prstGeom>
+        </p:spPr>
+        <p:style>
+          <a:lnRef idx="2">
+            <a:schemeClr val="accent1">
+              <a:shade val="50000"/>
+            </a:schemeClr>
+          </a:lnRef>
+          <a:fillRef idx="1">
+            <a:schemeClr val="accent1"/>
+          </a:fillRef>
+          <a:effectRef idx="0">
+            <a:schemeClr val="accent1"/>
+          </a:effectRef>
+          <a:fontRef idx="minor">
+            <a:schemeClr val="lt1"/>
+          </a:fontRef>
+        </p:style>
+        <p:txBody>
+          <a:bodyPr rtlCol="0" anchor="ctr"/>
+          <a:lstStyle/>
+          <a:p>
+            <a:pPr algn="ctr"/>
+            <a:r>
+              <a:rPr lang="he-IL" dirty="0"/>
+              <a:t>המילה</a:t>
+            </a:r>
+            <a:endParaRPr lang="LID4096" dirty="0"/>
+          </a:p>
+        </p:txBody>
+      </p:sp>
+    </p:spTree>
+    <p:extLst>
+      <p:ext uri="{BB962C8B-B14F-4D97-AF65-F5344CB8AC3E}">
+        <p14:creationId xmlns:p14="http://schemas.microsoft.com/office/powerpoint/2010/main" val="2382664426"/>
       </p:ext>
     </p:extLst>
   </p:cSld>
